--- a/src/GUILayout/Images/GUI_progress_bar/progress_bar.pptx
+++ b/src/GUILayout/Images/GUI_progress_bar/progress_bar.pptx
@@ -5,13 +5,21 @@
     <p:sldMasterId id="2147483660" r:id="rId1"/>
   </p:sldMasterIdLst>
   <p:sldIdLst>
-    <p:sldId id="271" r:id="rId2"/>
-    <p:sldId id="272" r:id="rId3"/>
-    <p:sldId id="273" r:id="rId4"/>
-    <p:sldId id="274" r:id="rId5"/>
-    <p:sldId id="275" r:id="rId6"/>
-    <p:sldId id="276" r:id="rId7"/>
-    <p:sldId id="277" r:id="rId8"/>
+    <p:sldId id="285" r:id="rId2"/>
+    <p:sldId id="271" r:id="rId3"/>
+    <p:sldId id="272" r:id="rId4"/>
+    <p:sldId id="273" r:id="rId5"/>
+    <p:sldId id="274" r:id="rId6"/>
+    <p:sldId id="275" r:id="rId7"/>
+    <p:sldId id="276" r:id="rId8"/>
+    <p:sldId id="277" r:id="rId9"/>
+    <p:sldId id="278" r:id="rId10"/>
+    <p:sldId id="279" r:id="rId11"/>
+    <p:sldId id="280" r:id="rId12"/>
+    <p:sldId id="281" r:id="rId13"/>
+    <p:sldId id="282" r:id="rId14"/>
+    <p:sldId id="283" r:id="rId15"/>
+    <p:sldId id="284" r:id="rId16"/>
   </p:sldIdLst>
   <p:sldSz cx="12192000" cy="6858000"/>
   <p:notesSz cx="6858000" cy="9144000"/>
@@ -260,7 +268,7 @@
           <a:p>
             <a:fld id="{8487EC4D-881D-49D9-96DC-4A50E5093F85}" type="datetimeFigureOut">
               <a:rPr lang="de-DE" smtClean="0"/>
-              <a:t>22.07.2020</a:t>
+              <a:t>15.02.2022</a:t>
             </a:fld>
             <a:endParaRPr lang="de-DE"/>
           </a:p>
@@ -430,7 +438,7 @@
           <a:p>
             <a:fld id="{8487EC4D-881D-49D9-96DC-4A50E5093F85}" type="datetimeFigureOut">
               <a:rPr lang="de-DE" smtClean="0"/>
-              <a:t>22.07.2020</a:t>
+              <a:t>15.02.2022</a:t>
             </a:fld>
             <a:endParaRPr lang="de-DE"/>
           </a:p>
@@ -610,7 +618,7 @@
           <a:p>
             <a:fld id="{8487EC4D-881D-49D9-96DC-4A50E5093F85}" type="datetimeFigureOut">
               <a:rPr lang="de-DE" smtClean="0"/>
-              <a:t>22.07.2020</a:t>
+              <a:t>15.02.2022</a:t>
             </a:fld>
             <a:endParaRPr lang="de-DE"/>
           </a:p>
@@ -780,7 +788,7 @@
           <a:p>
             <a:fld id="{8487EC4D-881D-49D9-96DC-4A50E5093F85}" type="datetimeFigureOut">
               <a:rPr lang="de-DE" smtClean="0"/>
-              <a:t>22.07.2020</a:t>
+              <a:t>15.02.2022</a:t>
             </a:fld>
             <a:endParaRPr lang="de-DE"/>
           </a:p>
@@ -1026,7 +1034,7 @@
           <a:p>
             <a:fld id="{8487EC4D-881D-49D9-96DC-4A50E5093F85}" type="datetimeFigureOut">
               <a:rPr lang="de-DE" smtClean="0"/>
-              <a:t>22.07.2020</a:t>
+              <a:t>15.02.2022</a:t>
             </a:fld>
             <a:endParaRPr lang="de-DE"/>
           </a:p>
@@ -1258,7 +1266,7 @@
           <a:p>
             <a:fld id="{8487EC4D-881D-49D9-96DC-4A50E5093F85}" type="datetimeFigureOut">
               <a:rPr lang="de-DE" smtClean="0"/>
-              <a:t>22.07.2020</a:t>
+              <a:t>15.02.2022</a:t>
             </a:fld>
             <a:endParaRPr lang="de-DE"/>
           </a:p>
@@ -1625,7 +1633,7 @@
           <a:p>
             <a:fld id="{8487EC4D-881D-49D9-96DC-4A50E5093F85}" type="datetimeFigureOut">
               <a:rPr lang="de-DE" smtClean="0"/>
-              <a:t>22.07.2020</a:t>
+              <a:t>15.02.2022</a:t>
             </a:fld>
             <a:endParaRPr lang="de-DE"/>
           </a:p>
@@ -1743,7 +1751,7 @@
           <a:p>
             <a:fld id="{8487EC4D-881D-49D9-96DC-4A50E5093F85}" type="datetimeFigureOut">
               <a:rPr lang="de-DE" smtClean="0"/>
-              <a:t>22.07.2020</a:t>
+              <a:t>15.02.2022</a:t>
             </a:fld>
             <a:endParaRPr lang="de-DE"/>
           </a:p>
@@ -1838,7 +1846,7 @@
           <a:p>
             <a:fld id="{8487EC4D-881D-49D9-96DC-4A50E5093F85}" type="datetimeFigureOut">
               <a:rPr lang="de-DE" smtClean="0"/>
-              <a:t>22.07.2020</a:t>
+              <a:t>15.02.2022</a:t>
             </a:fld>
             <a:endParaRPr lang="de-DE"/>
           </a:p>
@@ -2115,7 +2123,7 @@
           <a:p>
             <a:fld id="{8487EC4D-881D-49D9-96DC-4A50E5093F85}" type="datetimeFigureOut">
               <a:rPr lang="de-DE" smtClean="0"/>
-              <a:t>22.07.2020</a:t>
+              <a:t>15.02.2022</a:t>
             </a:fld>
             <a:endParaRPr lang="de-DE"/>
           </a:p>
@@ -2372,7 +2380,7 @@
           <a:p>
             <a:fld id="{8487EC4D-881D-49D9-96DC-4A50E5093F85}" type="datetimeFigureOut">
               <a:rPr lang="de-DE" smtClean="0"/>
-              <a:t>22.07.2020</a:t>
+              <a:t>15.02.2022</a:t>
             </a:fld>
             <a:endParaRPr lang="de-DE"/>
           </a:p>
@@ -2585,7 +2593,7 @@
           <a:p>
             <a:fld id="{8487EC4D-881D-49D9-96DC-4A50E5093F85}" type="datetimeFigureOut">
               <a:rPr lang="de-DE" smtClean="0"/>
-              <a:t>22.07.2020</a:t>
+              <a:t>15.02.2022</a:t>
             </a:fld>
             <a:endParaRPr lang="de-DE"/>
           </a:p>
@@ -2990,6 +2998,82 @@
           <a:chExt cx="0" cy="0"/>
         </a:xfrm>
       </p:grpSpPr>
+      <p:sp>
+        <p:nvSpPr>
+          <p:cNvPr id="2" name="Titel 1"/>
+          <p:cNvSpPr>
+            <a:spLocks noGrp="1"/>
+          </p:cNvSpPr>
+          <p:nvPr>
+            <p:ph type="title"/>
+          </p:nvPr>
+        </p:nvSpPr>
+        <p:spPr/>
+        <p:txBody>
+          <a:bodyPr/>
+          <a:lstStyle/>
+          <a:p>
+            <a:r>
+              <a:rPr lang="de-DE" dirty="0" smtClean="0"/>
+              <a:t>7 </a:t>
+            </a:r>
+            <a:r>
+              <a:rPr lang="de-DE" dirty="0" err="1" smtClean="0"/>
+              <a:t>steps</a:t>
+            </a:r>
+            <a:endParaRPr lang="de-DE" dirty="0"/>
+          </a:p>
+        </p:txBody>
+      </p:sp>
+      <p:sp>
+        <p:nvSpPr>
+          <p:cNvPr id="3" name="Inhaltsplatzhalter 2"/>
+          <p:cNvSpPr>
+            <a:spLocks noGrp="1"/>
+          </p:cNvSpPr>
+          <p:nvPr>
+            <p:ph idx="1"/>
+          </p:nvPr>
+        </p:nvSpPr>
+        <p:spPr/>
+        <p:txBody>
+          <a:bodyPr/>
+          <a:lstStyle/>
+          <a:p>
+            <a:endParaRPr lang="de-DE"/>
+          </a:p>
+        </p:txBody>
+      </p:sp>
+    </p:spTree>
+    <p:extLst>
+      <p:ext uri="{BB962C8B-B14F-4D97-AF65-F5344CB8AC3E}">
+        <p14:creationId xmlns:p14="http://schemas.microsoft.com/office/powerpoint/2010/main" val="887233235"/>
+      </p:ext>
+    </p:extLst>
+  </p:cSld>
+  <p:clrMapOvr>
+    <a:masterClrMapping/>
+  </p:clrMapOvr>
+</p:sld>
+</file>
+
+<file path=ppt/slides/slide10.xml><?xml version="1.0" encoding="utf-8"?>
+<p:sld xmlns:a="http://schemas.openxmlformats.org/drawingml/2006/main" xmlns:r="http://schemas.openxmlformats.org/officeDocument/2006/relationships" xmlns:p="http://schemas.openxmlformats.org/presentationml/2006/main">
+  <p:cSld>
+    <p:spTree>
+      <p:nvGrpSpPr>
+        <p:cNvPr id="1" name=""/>
+        <p:cNvGrpSpPr/>
+        <p:nvPr/>
+      </p:nvGrpSpPr>
+      <p:grpSpPr>
+        <a:xfrm>
+          <a:off x="0" y="0"/>
+          <a:ext cx="0" cy="0"/>
+          <a:chOff x="0" y="0"/>
+          <a:chExt cx="0" cy="0"/>
+        </a:xfrm>
+      </p:grpSpPr>
       <p:grpSp>
         <p:nvGrpSpPr>
           <p:cNvPr id="53" name="Gruppieren 52">
@@ -3004,10 +3088,10 @@
         </p:nvGrpSpPr>
         <p:grpSpPr>
           <a:xfrm>
-            <a:off x="4764900" y="3393000"/>
-            <a:ext cx="2662200" cy="72000"/>
+            <a:off x="4980900" y="3393000"/>
+            <a:ext cx="2230200" cy="72000"/>
             <a:chOff x="4440600" y="3393000"/>
-            <a:chExt cx="2662200" cy="72000"/>
+            <a:chExt cx="2230200" cy="72000"/>
           </a:xfrm>
         </p:grpSpPr>
         <p:cxnSp>
@@ -3029,54 +3113,6 @@
           <p:spPr>
             <a:xfrm flipH="1">
               <a:off x="6238800" y="3429000"/>
-              <a:ext cx="360000" cy="0"/>
-            </a:xfrm>
-            <a:prstGeom prst="line">
-              <a:avLst/>
-            </a:prstGeom>
-            <a:solidFill>
-              <a:srgbClr val="232323"/>
-            </a:solidFill>
-            <a:ln w="28575">
-              <a:solidFill>
-                <a:srgbClr val="232323"/>
-              </a:solidFill>
-            </a:ln>
-          </p:spPr>
-          <p:style>
-            <a:lnRef idx="1">
-              <a:schemeClr val="accent1"/>
-            </a:lnRef>
-            <a:fillRef idx="0">
-              <a:schemeClr val="accent1"/>
-            </a:fillRef>
-            <a:effectRef idx="0">
-              <a:schemeClr val="accent1"/>
-            </a:effectRef>
-            <a:fontRef idx="minor">
-              <a:schemeClr val="tx1"/>
-            </a:fontRef>
-          </p:style>
-        </p:cxnSp>
-        <p:cxnSp>
-          <p:nvCxnSpPr>
-            <p:cNvPr id="18" name="Gerader Verbinder 17">
-              <a:extLst>
-                <a:ext uri="{FF2B5EF4-FFF2-40B4-BE49-F238E27FC236}">
-                  <a16:creationId xmlns:a16="http://schemas.microsoft.com/office/drawing/2014/main" id="{FA48D157-0DD1-4567-94B0-0AB4868E119F}"/>
-                </a:ext>
-              </a:extLst>
-            </p:cNvPr>
-            <p:cNvCxnSpPr>
-              <a:cxnSpLocks/>
-              <a:stCxn id="20" idx="2"/>
-              <a:endCxn id="19" idx="6"/>
-            </p:cNvCxnSpPr>
-            <p:nvPr/>
-          </p:nvCxnSpPr>
-          <p:spPr>
-            <a:xfrm flipH="1">
-              <a:off x="6670800" y="3429000"/>
               <a:ext cx="360000" cy="0"/>
             </a:xfrm>
             <a:prstGeom prst="line">
@@ -3601,66 +3637,6 @@
           <p:spPr>
             <a:xfrm>
               <a:off x="6598800" y="3393000"/>
-              <a:ext cx="72000" cy="72000"/>
-            </a:xfrm>
-            <a:prstGeom prst="ellipse">
-              <a:avLst/>
-            </a:prstGeom>
-            <a:solidFill>
-              <a:srgbClr val="232323"/>
-            </a:solidFill>
-            <a:ln w="38100">
-              <a:solidFill>
-                <a:srgbClr val="232323"/>
-              </a:solidFill>
-            </a:ln>
-          </p:spPr>
-          <p:style>
-            <a:lnRef idx="2">
-              <a:schemeClr val="accent1">
-                <a:shade val="50000"/>
-              </a:schemeClr>
-            </a:lnRef>
-            <a:fillRef idx="1">
-              <a:schemeClr val="accent1"/>
-            </a:fillRef>
-            <a:effectRef idx="0">
-              <a:schemeClr val="accent1"/>
-            </a:effectRef>
-            <a:fontRef idx="minor">
-              <a:schemeClr val="lt1"/>
-            </a:fontRef>
-          </p:style>
-          <p:txBody>
-            <a:bodyPr rtlCol="0" anchor="ctr"/>
-            <a:lstStyle/>
-            <a:p>
-              <a:pPr algn="ctr"/>
-              <a:endParaRPr lang="de-DE">
-                <a:ln>
-                  <a:solidFill>
-                    <a:sysClr val="windowText" lastClr="000000"/>
-                  </a:solidFill>
-                </a:ln>
-              </a:endParaRPr>
-            </a:p>
-          </p:txBody>
-        </p:sp>
-        <p:sp>
-          <p:nvSpPr>
-            <p:cNvPr id="20" name="Ellipse 19">
-              <a:extLst>
-                <a:ext uri="{FF2B5EF4-FFF2-40B4-BE49-F238E27FC236}">
-                  <a16:creationId xmlns:a16="http://schemas.microsoft.com/office/drawing/2014/main" id="{39CD0E17-B7FA-438B-BD86-4CE0DD3D8341}"/>
-                </a:ext>
-              </a:extLst>
-            </p:cNvPr>
-            <p:cNvSpPr/>
-            <p:nvPr/>
-          </p:nvSpPr>
-          <p:spPr>
-            <a:xfrm>
-              <a:off x="7030800" y="3393000"/>
               <a:ext cx="72000" cy="72000"/>
             </a:xfrm>
             <a:prstGeom prst="ellipse">
@@ -3710,7 +3686,3202 @@
     </p:spTree>
     <p:extLst>
       <p:ext uri="{BB962C8B-B14F-4D97-AF65-F5344CB8AC3E}">
-        <p14:creationId xmlns:p14="http://schemas.microsoft.com/office/powerpoint/2010/main" val="2795447465"/>
+        <p14:creationId xmlns:p14="http://schemas.microsoft.com/office/powerpoint/2010/main" val="3349485694"/>
+      </p:ext>
+    </p:extLst>
+  </p:cSld>
+  <p:clrMapOvr>
+    <a:masterClrMapping/>
+  </p:clrMapOvr>
+</p:sld>
+</file>
+
+<file path=ppt/slides/slide11.xml><?xml version="1.0" encoding="utf-8"?>
+<p:sld xmlns:a="http://schemas.openxmlformats.org/drawingml/2006/main" xmlns:r="http://schemas.openxmlformats.org/officeDocument/2006/relationships" xmlns:p="http://schemas.openxmlformats.org/presentationml/2006/main">
+  <p:cSld>
+    <p:spTree>
+      <p:nvGrpSpPr>
+        <p:cNvPr id="1" name=""/>
+        <p:cNvGrpSpPr/>
+        <p:nvPr/>
+      </p:nvGrpSpPr>
+      <p:grpSpPr>
+        <a:xfrm>
+          <a:off x="0" y="0"/>
+          <a:ext cx="0" cy="0"/>
+          <a:chOff x="0" y="0"/>
+          <a:chExt cx="0" cy="0"/>
+        </a:xfrm>
+      </p:grpSpPr>
+      <p:grpSp>
+        <p:nvGrpSpPr>
+          <p:cNvPr id="53" name="Gruppieren 52">
+            <a:extLst>
+              <a:ext uri="{FF2B5EF4-FFF2-40B4-BE49-F238E27FC236}">
+                <a16:creationId xmlns:a16="http://schemas.microsoft.com/office/drawing/2014/main" id="{5051D944-57E6-4F35-9806-6B25FD5E49B2}"/>
+              </a:ext>
+            </a:extLst>
+          </p:cNvPr>
+          <p:cNvGrpSpPr/>
+          <p:nvPr/>
+        </p:nvGrpSpPr>
+        <p:grpSpPr>
+          <a:xfrm>
+            <a:off x="4980900" y="3393000"/>
+            <a:ext cx="2230200" cy="72000"/>
+            <a:chOff x="4440600" y="3393000"/>
+            <a:chExt cx="2230200" cy="72000"/>
+          </a:xfrm>
+        </p:grpSpPr>
+        <p:cxnSp>
+          <p:nvCxnSpPr>
+            <p:cNvPr id="13" name="Gerader Verbinder 12">
+              <a:extLst>
+                <a:ext uri="{FF2B5EF4-FFF2-40B4-BE49-F238E27FC236}">
+                  <a16:creationId xmlns:a16="http://schemas.microsoft.com/office/drawing/2014/main" id="{6EB74C79-4142-48B4-8EDE-61991D82CDD6}"/>
+                </a:ext>
+              </a:extLst>
+            </p:cNvPr>
+            <p:cNvCxnSpPr>
+              <a:cxnSpLocks/>
+              <a:stCxn id="19" idx="2"/>
+              <a:endCxn id="40" idx="6"/>
+            </p:cNvCxnSpPr>
+            <p:nvPr/>
+          </p:nvCxnSpPr>
+          <p:spPr>
+            <a:xfrm flipH="1">
+              <a:off x="6238800" y="3429000"/>
+              <a:ext cx="360000" cy="0"/>
+            </a:xfrm>
+            <a:prstGeom prst="line">
+              <a:avLst/>
+            </a:prstGeom>
+            <a:solidFill>
+              <a:srgbClr val="232323"/>
+            </a:solidFill>
+            <a:ln w="28575">
+              <a:solidFill>
+                <a:srgbClr val="232323"/>
+              </a:solidFill>
+            </a:ln>
+          </p:spPr>
+          <p:style>
+            <a:lnRef idx="1">
+              <a:schemeClr val="accent1"/>
+            </a:lnRef>
+            <a:fillRef idx="0">
+              <a:schemeClr val="accent1"/>
+            </a:fillRef>
+            <a:effectRef idx="0">
+              <a:schemeClr val="accent1"/>
+            </a:effectRef>
+            <a:fontRef idx="minor">
+              <a:schemeClr val="tx1"/>
+            </a:fontRef>
+          </p:style>
+        </p:cxnSp>
+        <p:cxnSp>
+          <p:nvCxnSpPr>
+            <p:cNvPr id="23" name="Gerader Verbinder 22"/>
+            <p:cNvCxnSpPr>
+              <a:cxnSpLocks/>
+              <a:stCxn id="25" idx="2"/>
+              <a:endCxn id="7" idx="6"/>
+            </p:cNvCxnSpPr>
+            <p:nvPr/>
+          </p:nvCxnSpPr>
+          <p:spPr>
+            <a:xfrm flipH="1">
+              <a:off x="4512600" y="3429000"/>
+              <a:ext cx="358200" cy="0"/>
+            </a:xfrm>
+            <a:prstGeom prst="line">
+              <a:avLst/>
+            </a:prstGeom>
+            <a:solidFill>
+              <a:srgbClr val="2A82DA"/>
+            </a:solidFill>
+            <a:ln w="28575">
+              <a:solidFill>
+                <a:srgbClr val="2A82DA"/>
+              </a:solidFill>
+            </a:ln>
+          </p:spPr>
+          <p:style>
+            <a:lnRef idx="1">
+              <a:schemeClr val="accent1"/>
+            </a:lnRef>
+            <a:fillRef idx="0">
+              <a:schemeClr val="accent1"/>
+            </a:fillRef>
+            <a:effectRef idx="0">
+              <a:schemeClr val="accent1"/>
+            </a:effectRef>
+            <a:fontRef idx="minor">
+              <a:schemeClr val="tx1"/>
+            </a:fontRef>
+          </p:style>
+        </p:cxnSp>
+        <p:cxnSp>
+          <p:nvCxnSpPr>
+            <p:cNvPr id="15" name="Gerader Verbinder 14">
+              <a:extLst>
+                <a:ext uri="{FF2B5EF4-FFF2-40B4-BE49-F238E27FC236}">
+                  <a16:creationId xmlns:a16="http://schemas.microsoft.com/office/drawing/2014/main" id="{3FE5D68D-4180-44E5-B296-4BF77BC51989}"/>
+                </a:ext>
+              </a:extLst>
+            </p:cNvPr>
+            <p:cNvCxnSpPr>
+              <a:cxnSpLocks/>
+              <a:stCxn id="28" idx="2"/>
+              <a:endCxn id="25" idx="6"/>
+            </p:cNvCxnSpPr>
+            <p:nvPr/>
+          </p:nvCxnSpPr>
+          <p:spPr>
+            <a:xfrm flipH="1">
+              <a:off x="4942800" y="3429000"/>
+              <a:ext cx="360000" cy="0"/>
+            </a:xfrm>
+            <a:prstGeom prst="line">
+              <a:avLst/>
+            </a:prstGeom>
+            <a:solidFill>
+              <a:srgbClr val="232323"/>
+            </a:solidFill>
+            <a:ln w="28575">
+              <a:solidFill>
+                <a:srgbClr val="232323"/>
+              </a:solidFill>
+            </a:ln>
+          </p:spPr>
+          <p:style>
+            <a:lnRef idx="1">
+              <a:schemeClr val="accent1"/>
+            </a:lnRef>
+            <a:fillRef idx="0">
+              <a:schemeClr val="accent1"/>
+            </a:fillRef>
+            <a:effectRef idx="0">
+              <a:schemeClr val="accent1"/>
+            </a:effectRef>
+            <a:fontRef idx="minor">
+              <a:schemeClr val="tx1"/>
+            </a:fontRef>
+          </p:style>
+        </p:cxnSp>
+        <p:cxnSp>
+          <p:nvCxnSpPr>
+            <p:cNvPr id="16" name="Gerader Verbinder 15">
+              <a:extLst>
+                <a:ext uri="{FF2B5EF4-FFF2-40B4-BE49-F238E27FC236}">
+                  <a16:creationId xmlns:a16="http://schemas.microsoft.com/office/drawing/2014/main" id="{54B2CB90-7345-4A82-8B57-091E6BE8D471}"/>
+                </a:ext>
+              </a:extLst>
+            </p:cNvPr>
+            <p:cNvCxnSpPr>
+              <a:cxnSpLocks/>
+              <a:stCxn id="36" idx="2"/>
+              <a:endCxn id="28" idx="6"/>
+            </p:cNvCxnSpPr>
+            <p:nvPr/>
+          </p:nvCxnSpPr>
+          <p:spPr>
+            <a:xfrm flipH="1">
+              <a:off x="5374800" y="3429000"/>
+              <a:ext cx="360000" cy="0"/>
+            </a:xfrm>
+            <a:prstGeom prst="line">
+              <a:avLst/>
+            </a:prstGeom>
+            <a:solidFill>
+              <a:srgbClr val="232323"/>
+            </a:solidFill>
+            <a:ln w="28575">
+              <a:solidFill>
+                <a:srgbClr val="232323"/>
+              </a:solidFill>
+            </a:ln>
+          </p:spPr>
+          <p:style>
+            <a:lnRef idx="1">
+              <a:schemeClr val="accent1"/>
+            </a:lnRef>
+            <a:fillRef idx="0">
+              <a:schemeClr val="accent1"/>
+            </a:fillRef>
+            <a:effectRef idx="0">
+              <a:schemeClr val="accent1"/>
+            </a:effectRef>
+            <a:fontRef idx="minor">
+              <a:schemeClr val="tx1"/>
+            </a:fontRef>
+          </p:style>
+        </p:cxnSp>
+        <p:cxnSp>
+          <p:nvCxnSpPr>
+            <p:cNvPr id="17" name="Gerader Verbinder 16">
+              <a:extLst>
+                <a:ext uri="{FF2B5EF4-FFF2-40B4-BE49-F238E27FC236}">
+                  <a16:creationId xmlns:a16="http://schemas.microsoft.com/office/drawing/2014/main" id="{2D6E0B11-D1CC-4669-9A4E-F7537E7EE9A8}"/>
+                </a:ext>
+              </a:extLst>
+            </p:cNvPr>
+            <p:cNvCxnSpPr>
+              <a:cxnSpLocks/>
+              <a:stCxn id="40" idx="2"/>
+              <a:endCxn id="36" idx="6"/>
+            </p:cNvCxnSpPr>
+            <p:nvPr/>
+          </p:nvCxnSpPr>
+          <p:spPr>
+            <a:xfrm flipH="1">
+              <a:off x="5806800" y="3429000"/>
+              <a:ext cx="360000" cy="0"/>
+            </a:xfrm>
+            <a:prstGeom prst="line">
+              <a:avLst/>
+            </a:prstGeom>
+            <a:solidFill>
+              <a:srgbClr val="232323"/>
+            </a:solidFill>
+            <a:ln w="28575">
+              <a:solidFill>
+                <a:srgbClr val="232323"/>
+              </a:solidFill>
+            </a:ln>
+          </p:spPr>
+          <p:style>
+            <a:lnRef idx="1">
+              <a:schemeClr val="accent1"/>
+            </a:lnRef>
+            <a:fillRef idx="0">
+              <a:schemeClr val="accent1"/>
+            </a:fillRef>
+            <a:effectRef idx="0">
+              <a:schemeClr val="accent1"/>
+            </a:effectRef>
+            <a:fontRef idx="minor">
+              <a:schemeClr val="tx1"/>
+            </a:fontRef>
+          </p:style>
+        </p:cxnSp>
+        <p:sp>
+          <p:nvSpPr>
+            <p:cNvPr id="7" name="Ellipse 6"/>
+            <p:cNvSpPr/>
+            <p:nvPr/>
+          </p:nvSpPr>
+          <p:spPr>
+            <a:xfrm>
+              <a:off x="4440600" y="3393000"/>
+              <a:ext cx="72000" cy="72000"/>
+            </a:xfrm>
+            <a:prstGeom prst="ellipse">
+              <a:avLst/>
+            </a:prstGeom>
+            <a:solidFill>
+              <a:srgbClr val="2A82DA"/>
+            </a:solidFill>
+            <a:ln w="38100">
+              <a:solidFill>
+                <a:srgbClr val="2A82DA"/>
+              </a:solidFill>
+            </a:ln>
+          </p:spPr>
+          <p:style>
+            <a:lnRef idx="2">
+              <a:schemeClr val="accent1">
+                <a:shade val="50000"/>
+              </a:schemeClr>
+            </a:lnRef>
+            <a:fillRef idx="1">
+              <a:schemeClr val="accent1"/>
+            </a:fillRef>
+            <a:effectRef idx="0">
+              <a:schemeClr val="accent1"/>
+            </a:effectRef>
+            <a:fontRef idx="minor">
+              <a:schemeClr val="lt1"/>
+            </a:fontRef>
+          </p:style>
+          <p:txBody>
+            <a:bodyPr rtlCol="0" anchor="ctr"/>
+            <a:lstStyle/>
+            <a:p>
+              <a:pPr algn="ctr"/>
+              <a:endParaRPr lang="de-DE">
+                <a:ln>
+                  <a:solidFill>
+                    <a:sysClr val="windowText" lastClr="000000"/>
+                  </a:solidFill>
+                </a:ln>
+              </a:endParaRPr>
+            </a:p>
+          </p:txBody>
+        </p:sp>
+        <p:sp>
+          <p:nvSpPr>
+            <p:cNvPr id="25" name="Ellipse 24">
+              <a:extLst>
+                <a:ext uri="{FF2B5EF4-FFF2-40B4-BE49-F238E27FC236}">
+                  <a16:creationId xmlns:a16="http://schemas.microsoft.com/office/drawing/2014/main" id="{53C71244-523D-49A1-AA2B-AF651BE3C901}"/>
+                </a:ext>
+              </a:extLst>
+            </p:cNvPr>
+            <p:cNvSpPr/>
+            <p:nvPr/>
+          </p:nvSpPr>
+          <p:spPr>
+            <a:xfrm>
+              <a:off x="4870800" y="3393000"/>
+              <a:ext cx="72000" cy="72000"/>
+            </a:xfrm>
+            <a:prstGeom prst="ellipse">
+              <a:avLst/>
+            </a:prstGeom>
+            <a:solidFill>
+              <a:srgbClr val="2A82DA"/>
+            </a:solidFill>
+            <a:ln w="38100">
+              <a:solidFill>
+                <a:srgbClr val="2A82DA"/>
+              </a:solidFill>
+            </a:ln>
+          </p:spPr>
+          <p:style>
+            <a:lnRef idx="2">
+              <a:schemeClr val="accent1">
+                <a:shade val="50000"/>
+              </a:schemeClr>
+            </a:lnRef>
+            <a:fillRef idx="1">
+              <a:schemeClr val="accent1"/>
+            </a:fillRef>
+            <a:effectRef idx="0">
+              <a:schemeClr val="accent1"/>
+            </a:effectRef>
+            <a:fontRef idx="minor">
+              <a:schemeClr val="lt1"/>
+            </a:fontRef>
+          </p:style>
+          <p:txBody>
+            <a:bodyPr rtlCol="0" anchor="ctr"/>
+            <a:lstStyle/>
+            <a:p>
+              <a:pPr algn="ctr"/>
+              <a:endParaRPr lang="de-DE" dirty="0">
+                <a:ln>
+                  <a:solidFill>
+                    <a:sysClr val="windowText" lastClr="000000"/>
+                  </a:solidFill>
+                </a:ln>
+              </a:endParaRPr>
+            </a:p>
+          </p:txBody>
+        </p:sp>
+        <p:sp>
+          <p:nvSpPr>
+            <p:cNvPr id="28" name="Ellipse 27">
+              <a:extLst>
+                <a:ext uri="{FF2B5EF4-FFF2-40B4-BE49-F238E27FC236}">
+                  <a16:creationId xmlns:a16="http://schemas.microsoft.com/office/drawing/2014/main" id="{92ABA44F-D000-4240-A7E6-0C8D7B74E95B}"/>
+                </a:ext>
+              </a:extLst>
+            </p:cNvPr>
+            <p:cNvSpPr/>
+            <p:nvPr/>
+          </p:nvSpPr>
+          <p:spPr>
+            <a:xfrm>
+              <a:off x="5302800" y="3393000"/>
+              <a:ext cx="72000" cy="72000"/>
+            </a:xfrm>
+            <a:prstGeom prst="ellipse">
+              <a:avLst/>
+            </a:prstGeom>
+            <a:solidFill>
+              <a:srgbClr val="232323"/>
+            </a:solidFill>
+            <a:ln w="38100">
+              <a:solidFill>
+                <a:srgbClr val="232323"/>
+              </a:solidFill>
+            </a:ln>
+          </p:spPr>
+          <p:style>
+            <a:lnRef idx="2">
+              <a:schemeClr val="accent1">
+                <a:shade val="50000"/>
+              </a:schemeClr>
+            </a:lnRef>
+            <a:fillRef idx="1">
+              <a:schemeClr val="accent1"/>
+            </a:fillRef>
+            <a:effectRef idx="0">
+              <a:schemeClr val="accent1"/>
+            </a:effectRef>
+            <a:fontRef idx="minor">
+              <a:schemeClr val="lt1"/>
+            </a:fontRef>
+          </p:style>
+          <p:txBody>
+            <a:bodyPr rtlCol="0" anchor="ctr"/>
+            <a:lstStyle/>
+            <a:p>
+              <a:pPr algn="ctr"/>
+              <a:endParaRPr lang="de-DE">
+                <a:ln>
+                  <a:solidFill>
+                    <a:sysClr val="windowText" lastClr="000000"/>
+                  </a:solidFill>
+                </a:ln>
+              </a:endParaRPr>
+            </a:p>
+          </p:txBody>
+        </p:sp>
+        <p:sp>
+          <p:nvSpPr>
+            <p:cNvPr id="36" name="Ellipse 35">
+              <a:extLst>
+                <a:ext uri="{FF2B5EF4-FFF2-40B4-BE49-F238E27FC236}">
+                  <a16:creationId xmlns:a16="http://schemas.microsoft.com/office/drawing/2014/main" id="{6BE9A1AD-F1D4-49A6-8FBF-853ABAD3AF36}"/>
+                </a:ext>
+              </a:extLst>
+            </p:cNvPr>
+            <p:cNvSpPr/>
+            <p:nvPr/>
+          </p:nvSpPr>
+          <p:spPr>
+            <a:xfrm>
+              <a:off x="5734800" y="3393000"/>
+              <a:ext cx="72000" cy="72000"/>
+            </a:xfrm>
+            <a:prstGeom prst="ellipse">
+              <a:avLst/>
+            </a:prstGeom>
+            <a:solidFill>
+              <a:srgbClr val="232323"/>
+            </a:solidFill>
+            <a:ln w="38100">
+              <a:solidFill>
+                <a:srgbClr val="232323"/>
+              </a:solidFill>
+            </a:ln>
+          </p:spPr>
+          <p:style>
+            <a:lnRef idx="2">
+              <a:schemeClr val="accent1">
+                <a:shade val="50000"/>
+              </a:schemeClr>
+            </a:lnRef>
+            <a:fillRef idx="1">
+              <a:schemeClr val="accent1"/>
+            </a:fillRef>
+            <a:effectRef idx="0">
+              <a:schemeClr val="accent1"/>
+            </a:effectRef>
+            <a:fontRef idx="minor">
+              <a:schemeClr val="lt1"/>
+            </a:fontRef>
+          </p:style>
+          <p:txBody>
+            <a:bodyPr rtlCol="0" anchor="ctr"/>
+            <a:lstStyle/>
+            <a:p>
+              <a:pPr algn="ctr"/>
+              <a:endParaRPr lang="de-DE">
+                <a:ln>
+                  <a:solidFill>
+                    <a:sysClr val="windowText" lastClr="000000"/>
+                  </a:solidFill>
+                </a:ln>
+              </a:endParaRPr>
+            </a:p>
+          </p:txBody>
+        </p:sp>
+        <p:sp>
+          <p:nvSpPr>
+            <p:cNvPr id="40" name="Ellipse 39">
+              <a:extLst>
+                <a:ext uri="{FF2B5EF4-FFF2-40B4-BE49-F238E27FC236}">
+                  <a16:creationId xmlns:a16="http://schemas.microsoft.com/office/drawing/2014/main" id="{6809AB47-4D7C-43E9-A22B-561318E73EF5}"/>
+                </a:ext>
+              </a:extLst>
+            </p:cNvPr>
+            <p:cNvSpPr/>
+            <p:nvPr/>
+          </p:nvSpPr>
+          <p:spPr>
+            <a:xfrm>
+              <a:off x="6166800" y="3393000"/>
+              <a:ext cx="72000" cy="72000"/>
+            </a:xfrm>
+            <a:prstGeom prst="ellipse">
+              <a:avLst/>
+            </a:prstGeom>
+            <a:solidFill>
+              <a:srgbClr val="232323"/>
+            </a:solidFill>
+            <a:ln w="38100">
+              <a:solidFill>
+                <a:srgbClr val="232323"/>
+              </a:solidFill>
+            </a:ln>
+          </p:spPr>
+          <p:style>
+            <a:lnRef idx="2">
+              <a:schemeClr val="accent1">
+                <a:shade val="50000"/>
+              </a:schemeClr>
+            </a:lnRef>
+            <a:fillRef idx="1">
+              <a:schemeClr val="accent1"/>
+            </a:fillRef>
+            <a:effectRef idx="0">
+              <a:schemeClr val="accent1"/>
+            </a:effectRef>
+            <a:fontRef idx="minor">
+              <a:schemeClr val="lt1"/>
+            </a:fontRef>
+          </p:style>
+          <p:txBody>
+            <a:bodyPr rtlCol="0" anchor="ctr"/>
+            <a:lstStyle/>
+            <a:p>
+              <a:pPr algn="ctr"/>
+              <a:endParaRPr lang="de-DE">
+                <a:ln>
+                  <a:solidFill>
+                    <a:sysClr val="windowText" lastClr="000000"/>
+                  </a:solidFill>
+                </a:ln>
+              </a:endParaRPr>
+            </a:p>
+          </p:txBody>
+        </p:sp>
+        <p:sp>
+          <p:nvSpPr>
+            <p:cNvPr id="19" name="Ellipse 18">
+              <a:extLst>
+                <a:ext uri="{FF2B5EF4-FFF2-40B4-BE49-F238E27FC236}">
+                  <a16:creationId xmlns:a16="http://schemas.microsoft.com/office/drawing/2014/main" id="{C44CCA6C-62DA-4D78-856E-4AADFFA00B8C}"/>
+                </a:ext>
+              </a:extLst>
+            </p:cNvPr>
+            <p:cNvSpPr/>
+            <p:nvPr/>
+          </p:nvSpPr>
+          <p:spPr>
+            <a:xfrm>
+              <a:off x="6598800" y="3393000"/>
+              <a:ext cx="72000" cy="72000"/>
+            </a:xfrm>
+            <a:prstGeom prst="ellipse">
+              <a:avLst/>
+            </a:prstGeom>
+            <a:solidFill>
+              <a:srgbClr val="232323"/>
+            </a:solidFill>
+            <a:ln w="38100">
+              <a:solidFill>
+                <a:srgbClr val="232323"/>
+              </a:solidFill>
+            </a:ln>
+          </p:spPr>
+          <p:style>
+            <a:lnRef idx="2">
+              <a:schemeClr val="accent1">
+                <a:shade val="50000"/>
+              </a:schemeClr>
+            </a:lnRef>
+            <a:fillRef idx="1">
+              <a:schemeClr val="accent1"/>
+            </a:fillRef>
+            <a:effectRef idx="0">
+              <a:schemeClr val="accent1"/>
+            </a:effectRef>
+            <a:fontRef idx="minor">
+              <a:schemeClr val="lt1"/>
+            </a:fontRef>
+          </p:style>
+          <p:txBody>
+            <a:bodyPr rtlCol="0" anchor="ctr"/>
+            <a:lstStyle/>
+            <a:p>
+              <a:pPr algn="ctr"/>
+              <a:endParaRPr lang="de-DE">
+                <a:ln>
+                  <a:solidFill>
+                    <a:sysClr val="windowText" lastClr="000000"/>
+                  </a:solidFill>
+                </a:ln>
+              </a:endParaRPr>
+            </a:p>
+          </p:txBody>
+        </p:sp>
+      </p:grpSp>
+    </p:spTree>
+    <p:extLst>
+      <p:ext uri="{BB962C8B-B14F-4D97-AF65-F5344CB8AC3E}">
+        <p14:creationId xmlns:p14="http://schemas.microsoft.com/office/powerpoint/2010/main" val="136763833"/>
+      </p:ext>
+    </p:extLst>
+  </p:cSld>
+  <p:clrMapOvr>
+    <a:masterClrMapping/>
+  </p:clrMapOvr>
+</p:sld>
+</file>
+
+<file path=ppt/slides/slide12.xml><?xml version="1.0" encoding="utf-8"?>
+<p:sld xmlns:a="http://schemas.openxmlformats.org/drawingml/2006/main" xmlns:r="http://schemas.openxmlformats.org/officeDocument/2006/relationships" xmlns:p="http://schemas.openxmlformats.org/presentationml/2006/main">
+  <p:cSld>
+    <p:spTree>
+      <p:nvGrpSpPr>
+        <p:cNvPr id="1" name=""/>
+        <p:cNvGrpSpPr/>
+        <p:nvPr/>
+      </p:nvGrpSpPr>
+      <p:grpSpPr>
+        <a:xfrm>
+          <a:off x="0" y="0"/>
+          <a:ext cx="0" cy="0"/>
+          <a:chOff x="0" y="0"/>
+          <a:chExt cx="0" cy="0"/>
+        </a:xfrm>
+      </p:grpSpPr>
+      <p:grpSp>
+        <p:nvGrpSpPr>
+          <p:cNvPr id="53" name="Gruppieren 52">
+            <a:extLst>
+              <a:ext uri="{FF2B5EF4-FFF2-40B4-BE49-F238E27FC236}">
+                <a16:creationId xmlns:a16="http://schemas.microsoft.com/office/drawing/2014/main" id="{5051D944-57E6-4F35-9806-6B25FD5E49B2}"/>
+              </a:ext>
+            </a:extLst>
+          </p:cNvPr>
+          <p:cNvGrpSpPr/>
+          <p:nvPr/>
+        </p:nvGrpSpPr>
+        <p:grpSpPr>
+          <a:xfrm>
+            <a:off x="4980900" y="3393000"/>
+            <a:ext cx="2230200" cy="72000"/>
+            <a:chOff x="4440600" y="3393000"/>
+            <a:chExt cx="2230200" cy="72000"/>
+          </a:xfrm>
+        </p:grpSpPr>
+        <p:cxnSp>
+          <p:nvCxnSpPr>
+            <p:cNvPr id="13" name="Gerader Verbinder 12">
+              <a:extLst>
+                <a:ext uri="{FF2B5EF4-FFF2-40B4-BE49-F238E27FC236}">
+                  <a16:creationId xmlns:a16="http://schemas.microsoft.com/office/drawing/2014/main" id="{6EB74C79-4142-48B4-8EDE-61991D82CDD6}"/>
+                </a:ext>
+              </a:extLst>
+            </p:cNvPr>
+            <p:cNvCxnSpPr>
+              <a:cxnSpLocks/>
+              <a:stCxn id="19" idx="2"/>
+              <a:endCxn id="40" idx="6"/>
+            </p:cNvCxnSpPr>
+            <p:nvPr/>
+          </p:nvCxnSpPr>
+          <p:spPr>
+            <a:xfrm flipH="1">
+              <a:off x="6238800" y="3429000"/>
+              <a:ext cx="360000" cy="0"/>
+            </a:xfrm>
+            <a:prstGeom prst="line">
+              <a:avLst/>
+            </a:prstGeom>
+            <a:solidFill>
+              <a:srgbClr val="232323"/>
+            </a:solidFill>
+            <a:ln w="28575">
+              <a:solidFill>
+                <a:srgbClr val="232323"/>
+              </a:solidFill>
+            </a:ln>
+          </p:spPr>
+          <p:style>
+            <a:lnRef idx="1">
+              <a:schemeClr val="accent1"/>
+            </a:lnRef>
+            <a:fillRef idx="0">
+              <a:schemeClr val="accent1"/>
+            </a:fillRef>
+            <a:effectRef idx="0">
+              <a:schemeClr val="accent1"/>
+            </a:effectRef>
+            <a:fontRef idx="minor">
+              <a:schemeClr val="tx1"/>
+            </a:fontRef>
+          </p:style>
+        </p:cxnSp>
+        <p:cxnSp>
+          <p:nvCxnSpPr>
+            <p:cNvPr id="23" name="Gerader Verbinder 22"/>
+            <p:cNvCxnSpPr>
+              <a:cxnSpLocks/>
+              <a:stCxn id="25" idx="2"/>
+              <a:endCxn id="7" idx="6"/>
+            </p:cNvCxnSpPr>
+            <p:nvPr/>
+          </p:nvCxnSpPr>
+          <p:spPr>
+            <a:xfrm flipH="1">
+              <a:off x="4512600" y="3429000"/>
+              <a:ext cx="358200" cy="0"/>
+            </a:xfrm>
+            <a:prstGeom prst="line">
+              <a:avLst/>
+            </a:prstGeom>
+            <a:solidFill>
+              <a:srgbClr val="2A82DA"/>
+            </a:solidFill>
+            <a:ln w="28575">
+              <a:solidFill>
+                <a:srgbClr val="2A82DA"/>
+              </a:solidFill>
+            </a:ln>
+          </p:spPr>
+          <p:style>
+            <a:lnRef idx="1">
+              <a:schemeClr val="accent1"/>
+            </a:lnRef>
+            <a:fillRef idx="0">
+              <a:schemeClr val="accent1"/>
+            </a:fillRef>
+            <a:effectRef idx="0">
+              <a:schemeClr val="accent1"/>
+            </a:effectRef>
+            <a:fontRef idx="minor">
+              <a:schemeClr val="tx1"/>
+            </a:fontRef>
+          </p:style>
+        </p:cxnSp>
+        <p:cxnSp>
+          <p:nvCxnSpPr>
+            <p:cNvPr id="15" name="Gerader Verbinder 14">
+              <a:extLst>
+                <a:ext uri="{FF2B5EF4-FFF2-40B4-BE49-F238E27FC236}">
+                  <a16:creationId xmlns:a16="http://schemas.microsoft.com/office/drawing/2014/main" id="{3FE5D68D-4180-44E5-B296-4BF77BC51989}"/>
+                </a:ext>
+              </a:extLst>
+            </p:cNvPr>
+            <p:cNvCxnSpPr>
+              <a:cxnSpLocks/>
+              <a:stCxn id="28" idx="2"/>
+              <a:endCxn id="25" idx="6"/>
+            </p:cNvCxnSpPr>
+            <p:nvPr/>
+          </p:nvCxnSpPr>
+          <p:spPr>
+            <a:xfrm flipH="1">
+              <a:off x="4942800" y="3429000"/>
+              <a:ext cx="360000" cy="0"/>
+            </a:xfrm>
+            <a:prstGeom prst="line">
+              <a:avLst/>
+            </a:prstGeom>
+            <a:solidFill>
+              <a:srgbClr val="2A82DA"/>
+            </a:solidFill>
+            <a:ln w="28575">
+              <a:solidFill>
+                <a:srgbClr val="2A82DA"/>
+              </a:solidFill>
+            </a:ln>
+          </p:spPr>
+          <p:style>
+            <a:lnRef idx="1">
+              <a:schemeClr val="accent1"/>
+            </a:lnRef>
+            <a:fillRef idx="0">
+              <a:schemeClr val="accent1"/>
+            </a:fillRef>
+            <a:effectRef idx="0">
+              <a:schemeClr val="accent1"/>
+            </a:effectRef>
+            <a:fontRef idx="minor">
+              <a:schemeClr val="tx1"/>
+            </a:fontRef>
+          </p:style>
+        </p:cxnSp>
+        <p:cxnSp>
+          <p:nvCxnSpPr>
+            <p:cNvPr id="16" name="Gerader Verbinder 15">
+              <a:extLst>
+                <a:ext uri="{FF2B5EF4-FFF2-40B4-BE49-F238E27FC236}">
+                  <a16:creationId xmlns:a16="http://schemas.microsoft.com/office/drawing/2014/main" id="{54B2CB90-7345-4A82-8B57-091E6BE8D471}"/>
+                </a:ext>
+              </a:extLst>
+            </p:cNvPr>
+            <p:cNvCxnSpPr>
+              <a:cxnSpLocks/>
+              <a:stCxn id="36" idx="2"/>
+              <a:endCxn id="28" idx="6"/>
+            </p:cNvCxnSpPr>
+            <p:nvPr/>
+          </p:nvCxnSpPr>
+          <p:spPr>
+            <a:xfrm flipH="1">
+              <a:off x="5374800" y="3429000"/>
+              <a:ext cx="360000" cy="0"/>
+            </a:xfrm>
+            <a:prstGeom prst="line">
+              <a:avLst/>
+            </a:prstGeom>
+            <a:solidFill>
+              <a:srgbClr val="232323"/>
+            </a:solidFill>
+            <a:ln w="28575">
+              <a:solidFill>
+                <a:srgbClr val="232323"/>
+              </a:solidFill>
+            </a:ln>
+          </p:spPr>
+          <p:style>
+            <a:lnRef idx="1">
+              <a:schemeClr val="accent1"/>
+            </a:lnRef>
+            <a:fillRef idx="0">
+              <a:schemeClr val="accent1"/>
+            </a:fillRef>
+            <a:effectRef idx="0">
+              <a:schemeClr val="accent1"/>
+            </a:effectRef>
+            <a:fontRef idx="minor">
+              <a:schemeClr val="tx1"/>
+            </a:fontRef>
+          </p:style>
+        </p:cxnSp>
+        <p:cxnSp>
+          <p:nvCxnSpPr>
+            <p:cNvPr id="17" name="Gerader Verbinder 16">
+              <a:extLst>
+                <a:ext uri="{FF2B5EF4-FFF2-40B4-BE49-F238E27FC236}">
+                  <a16:creationId xmlns:a16="http://schemas.microsoft.com/office/drawing/2014/main" id="{2D6E0B11-D1CC-4669-9A4E-F7537E7EE9A8}"/>
+                </a:ext>
+              </a:extLst>
+            </p:cNvPr>
+            <p:cNvCxnSpPr>
+              <a:cxnSpLocks/>
+              <a:stCxn id="40" idx="2"/>
+              <a:endCxn id="36" idx="6"/>
+            </p:cNvCxnSpPr>
+            <p:nvPr/>
+          </p:nvCxnSpPr>
+          <p:spPr>
+            <a:xfrm flipH="1">
+              <a:off x="5806800" y="3429000"/>
+              <a:ext cx="360000" cy="0"/>
+            </a:xfrm>
+            <a:prstGeom prst="line">
+              <a:avLst/>
+            </a:prstGeom>
+            <a:solidFill>
+              <a:srgbClr val="232323"/>
+            </a:solidFill>
+            <a:ln w="28575">
+              <a:solidFill>
+                <a:srgbClr val="232323"/>
+              </a:solidFill>
+            </a:ln>
+          </p:spPr>
+          <p:style>
+            <a:lnRef idx="1">
+              <a:schemeClr val="accent1"/>
+            </a:lnRef>
+            <a:fillRef idx="0">
+              <a:schemeClr val="accent1"/>
+            </a:fillRef>
+            <a:effectRef idx="0">
+              <a:schemeClr val="accent1"/>
+            </a:effectRef>
+            <a:fontRef idx="minor">
+              <a:schemeClr val="tx1"/>
+            </a:fontRef>
+          </p:style>
+        </p:cxnSp>
+        <p:sp>
+          <p:nvSpPr>
+            <p:cNvPr id="7" name="Ellipse 6"/>
+            <p:cNvSpPr/>
+            <p:nvPr/>
+          </p:nvSpPr>
+          <p:spPr>
+            <a:xfrm>
+              <a:off x="4440600" y="3393000"/>
+              <a:ext cx="72000" cy="72000"/>
+            </a:xfrm>
+            <a:prstGeom prst="ellipse">
+              <a:avLst/>
+            </a:prstGeom>
+            <a:solidFill>
+              <a:srgbClr val="2A82DA"/>
+            </a:solidFill>
+            <a:ln w="38100">
+              <a:solidFill>
+                <a:srgbClr val="2A82DA"/>
+              </a:solidFill>
+            </a:ln>
+          </p:spPr>
+          <p:style>
+            <a:lnRef idx="2">
+              <a:schemeClr val="accent1">
+                <a:shade val="50000"/>
+              </a:schemeClr>
+            </a:lnRef>
+            <a:fillRef idx="1">
+              <a:schemeClr val="accent1"/>
+            </a:fillRef>
+            <a:effectRef idx="0">
+              <a:schemeClr val="accent1"/>
+            </a:effectRef>
+            <a:fontRef idx="minor">
+              <a:schemeClr val="lt1"/>
+            </a:fontRef>
+          </p:style>
+          <p:txBody>
+            <a:bodyPr rtlCol="0" anchor="ctr"/>
+            <a:lstStyle/>
+            <a:p>
+              <a:pPr algn="ctr"/>
+              <a:endParaRPr lang="de-DE">
+                <a:ln>
+                  <a:solidFill>
+                    <a:sysClr val="windowText" lastClr="000000"/>
+                  </a:solidFill>
+                </a:ln>
+              </a:endParaRPr>
+            </a:p>
+          </p:txBody>
+        </p:sp>
+        <p:sp>
+          <p:nvSpPr>
+            <p:cNvPr id="25" name="Ellipse 24">
+              <a:extLst>
+                <a:ext uri="{FF2B5EF4-FFF2-40B4-BE49-F238E27FC236}">
+                  <a16:creationId xmlns:a16="http://schemas.microsoft.com/office/drawing/2014/main" id="{53C71244-523D-49A1-AA2B-AF651BE3C901}"/>
+                </a:ext>
+              </a:extLst>
+            </p:cNvPr>
+            <p:cNvSpPr/>
+            <p:nvPr/>
+          </p:nvSpPr>
+          <p:spPr>
+            <a:xfrm>
+              <a:off x="4870800" y="3393000"/>
+              <a:ext cx="72000" cy="72000"/>
+            </a:xfrm>
+            <a:prstGeom prst="ellipse">
+              <a:avLst/>
+            </a:prstGeom>
+            <a:solidFill>
+              <a:srgbClr val="2A82DA"/>
+            </a:solidFill>
+            <a:ln w="38100">
+              <a:solidFill>
+                <a:srgbClr val="2A82DA"/>
+              </a:solidFill>
+            </a:ln>
+          </p:spPr>
+          <p:style>
+            <a:lnRef idx="2">
+              <a:schemeClr val="accent1">
+                <a:shade val="50000"/>
+              </a:schemeClr>
+            </a:lnRef>
+            <a:fillRef idx="1">
+              <a:schemeClr val="accent1"/>
+            </a:fillRef>
+            <a:effectRef idx="0">
+              <a:schemeClr val="accent1"/>
+            </a:effectRef>
+            <a:fontRef idx="minor">
+              <a:schemeClr val="lt1"/>
+            </a:fontRef>
+          </p:style>
+          <p:txBody>
+            <a:bodyPr rtlCol="0" anchor="ctr"/>
+            <a:lstStyle/>
+            <a:p>
+              <a:pPr algn="ctr"/>
+              <a:endParaRPr lang="de-DE" dirty="0">
+                <a:ln>
+                  <a:solidFill>
+                    <a:sysClr val="windowText" lastClr="000000"/>
+                  </a:solidFill>
+                </a:ln>
+              </a:endParaRPr>
+            </a:p>
+          </p:txBody>
+        </p:sp>
+        <p:sp>
+          <p:nvSpPr>
+            <p:cNvPr id="28" name="Ellipse 27">
+              <a:extLst>
+                <a:ext uri="{FF2B5EF4-FFF2-40B4-BE49-F238E27FC236}">
+                  <a16:creationId xmlns:a16="http://schemas.microsoft.com/office/drawing/2014/main" id="{92ABA44F-D000-4240-A7E6-0C8D7B74E95B}"/>
+                </a:ext>
+              </a:extLst>
+            </p:cNvPr>
+            <p:cNvSpPr/>
+            <p:nvPr/>
+          </p:nvSpPr>
+          <p:spPr>
+            <a:xfrm>
+              <a:off x="5302800" y="3393000"/>
+              <a:ext cx="72000" cy="72000"/>
+            </a:xfrm>
+            <a:prstGeom prst="ellipse">
+              <a:avLst/>
+            </a:prstGeom>
+            <a:solidFill>
+              <a:srgbClr val="2A82DA"/>
+            </a:solidFill>
+            <a:ln w="38100">
+              <a:solidFill>
+                <a:srgbClr val="2A82DA"/>
+              </a:solidFill>
+            </a:ln>
+          </p:spPr>
+          <p:style>
+            <a:lnRef idx="2">
+              <a:schemeClr val="accent1">
+                <a:shade val="50000"/>
+              </a:schemeClr>
+            </a:lnRef>
+            <a:fillRef idx="1">
+              <a:schemeClr val="accent1"/>
+            </a:fillRef>
+            <a:effectRef idx="0">
+              <a:schemeClr val="accent1"/>
+            </a:effectRef>
+            <a:fontRef idx="minor">
+              <a:schemeClr val="lt1"/>
+            </a:fontRef>
+          </p:style>
+          <p:txBody>
+            <a:bodyPr rtlCol="0" anchor="ctr"/>
+            <a:lstStyle/>
+            <a:p>
+              <a:pPr algn="ctr"/>
+              <a:endParaRPr lang="de-DE">
+                <a:ln>
+                  <a:solidFill>
+                    <a:sysClr val="windowText" lastClr="000000"/>
+                  </a:solidFill>
+                </a:ln>
+              </a:endParaRPr>
+            </a:p>
+          </p:txBody>
+        </p:sp>
+        <p:sp>
+          <p:nvSpPr>
+            <p:cNvPr id="36" name="Ellipse 35">
+              <a:extLst>
+                <a:ext uri="{FF2B5EF4-FFF2-40B4-BE49-F238E27FC236}">
+                  <a16:creationId xmlns:a16="http://schemas.microsoft.com/office/drawing/2014/main" id="{6BE9A1AD-F1D4-49A6-8FBF-853ABAD3AF36}"/>
+                </a:ext>
+              </a:extLst>
+            </p:cNvPr>
+            <p:cNvSpPr/>
+            <p:nvPr/>
+          </p:nvSpPr>
+          <p:spPr>
+            <a:xfrm>
+              <a:off x="5734800" y="3393000"/>
+              <a:ext cx="72000" cy="72000"/>
+            </a:xfrm>
+            <a:prstGeom prst="ellipse">
+              <a:avLst/>
+            </a:prstGeom>
+            <a:solidFill>
+              <a:srgbClr val="232323"/>
+            </a:solidFill>
+            <a:ln w="38100">
+              <a:solidFill>
+                <a:srgbClr val="232323"/>
+              </a:solidFill>
+            </a:ln>
+          </p:spPr>
+          <p:style>
+            <a:lnRef idx="2">
+              <a:schemeClr val="accent1">
+                <a:shade val="50000"/>
+              </a:schemeClr>
+            </a:lnRef>
+            <a:fillRef idx="1">
+              <a:schemeClr val="accent1"/>
+            </a:fillRef>
+            <a:effectRef idx="0">
+              <a:schemeClr val="accent1"/>
+            </a:effectRef>
+            <a:fontRef idx="minor">
+              <a:schemeClr val="lt1"/>
+            </a:fontRef>
+          </p:style>
+          <p:txBody>
+            <a:bodyPr rtlCol="0" anchor="ctr"/>
+            <a:lstStyle/>
+            <a:p>
+              <a:pPr algn="ctr"/>
+              <a:endParaRPr lang="de-DE">
+                <a:ln>
+                  <a:solidFill>
+                    <a:sysClr val="windowText" lastClr="000000"/>
+                  </a:solidFill>
+                </a:ln>
+              </a:endParaRPr>
+            </a:p>
+          </p:txBody>
+        </p:sp>
+        <p:sp>
+          <p:nvSpPr>
+            <p:cNvPr id="40" name="Ellipse 39">
+              <a:extLst>
+                <a:ext uri="{FF2B5EF4-FFF2-40B4-BE49-F238E27FC236}">
+                  <a16:creationId xmlns:a16="http://schemas.microsoft.com/office/drawing/2014/main" id="{6809AB47-4D7C-43E9-A22B-561318E73EF5}"/>
+                </a:ext>
+              </a:extLst>
+            </p:cNvPr>
+            <p:cNvSpPr/>
+            <p:nvPr/>
+          </p:nvSpPr>
+          <p:spPr>
+            <a:xfrm>
+              <a:off x="6166800" y="3393000"/>
+              <a:ext cx="72000" cy="72000"/>
+            </a:xfrm>
+            <a:prstGeom prst="ellipse">
+              <a:avLst/>
+            </a:prstGeom>
+            <a:solidFill>
+              <a:srgbClr val="232323"/>
+            </a:solidFill>
+            <a:ln w="38100">
+              <a:solidFill>
+                <a:srgbClr val="232323"/>
+              </a:solidFill>
+            </a:ln>
+          </p:spPr>
+          <p:style>
+            <a:lnRef idx="2">
+              <a:schemeClr val="accent1">
+                <a:shade val="50000"/>
+              </a:schemeClr>
+            </a:lnRef>
+            <a:fillRef idx="1">
+              <a:schemeClr val="accent1"/>
+            </a:fillRef>
+            <a:effectRef idx="0">
+              <a:schemeClr val="accent1"/>
+            </a:effectRef>
+            <a:fontRef idx="minor">
+              <a:schemeClr val="lt1"/>
+            </a:fontRef>
+          </p:style>
+          <p:txBody>
+            <a:bodyPr rtlCol="0" anchor="ctr"/>
+            <a:lstStyle/>
+            <a:p>
+              <a:pPr algn="ctr"/>
+              <a:endParaRPr lang="de-DE">
+                <a:ln>
+                  <a:solidFill>
+                    <a:sysClr val="windowText" lastClr="000000"/>
+                  </a:solidFill>
+                </a:ln>
+              </a:endParaRPr>
+            </a:p>
+          </p:txBody>
+        </p:sp>
+        <p:sp>
+          <p:nvSpPr>
+            <p:cNvPr id="19" name="Ellipse 18">
+              <a:extLst>
+                <a:ext uri="{FF2B5EF4-FFF2-40B4-BE49-F238E27FC236}">
+                  <a16:creationId xmlns:a16="http://schemas.microsoft.com/office/drawing/2014/main" id="{C44CCA6C-62DA-4D78-856E-4AADFFA00B8C}"/>
+                </a:ext>
+              </a:extLst>
+            </p:cNvPr>
+            <p:cNvSpPr/>
+            <p:nvPr/>
+          </p:nvSpPr>
+          <p:spPr>
+            <a:xfrm>
+              <a:off x="6598800" y="3393000"/>
+              <a:ext cx="72000" cy="72000"/>
+            </a:xfrm>
+            <a:prstGeom prst="ellipse">
+              <a:avLst/>
+            </a:prstGeom>
+            <a:solidFill>
+              <a:srgbClr val="232323"/>
+            </a:solidFill>
+            <a:ln w="38100">
+              <a:solidFill>
+                <a:srgbClr val="232323"/>
+              </a:solidFill>
+            </a:ln>
+          </p:spPr>
+          <p:style>
+            <a:lnRef idx="2">
+              <a:schemeClr val="accent1">
+                <a:shade val="50000"/>
+              </a:schemeClr>
+            </a:lnRef>
+            <a:fillRef idx="1">
+              <a:schemeClr val="accent1"/>
+            </a:fillRef>
+            <a:effectRef idx="0">
+              <a:schemeClr val="accent1"/>
+            </a:effectRef>
+            <a:fontRef idx="minor">
+              <a:schemeClr val="lt1"/>
+            </a:fontRef>
+          </p:style>
+          <p:txBody>
+            <a:bodyPr rtlCol="0" anchor="ctr"/>
+            <a:lstStyle/>
+            <a:p>
+              <a:pPr algn="ctr"/>
+              <a:endParaRPr lang="de-DE">
+                <a:ln>
+                  <a:solidFill>
+                    <a:sysClr val="windowText" lastClr="000000"/>
+                  </a:solidFill>
+                </a:ln>
+              </a:endParaRPr>
+            </a:p>
+          </p:txBody>
+        </p:sp>
+      </p:grpSp>
+    </p:spTree>
+    <p:extLst>
+      <p:ext uri="{BB962C8B-B14F-4D97-AF65-F5344CB8AC3E}">
+        <p14:creationId xmlns:p14="http://schemas.microsoft.com/office/powerpoint/2010/main" val="4073883272"/>
+      </p:ext>
+    </p:extLst>
+  </p:cSld>
+  <p:clrMapOvr>
+    <a:masterClrMapping/>
+  </p:clrMapOvr>
+</p:sld>
+</file>
+
+<file path=ppt/slides/slide13.xml><?xml version="1.0" encoding="utf-8"?>
+<p:sld xmlns:a="http://schemas.openxmlformats.org/drawingml/2006/main" xmlns:r="http://schemas.openxmlformats.org/officeDocument/2006/relationships" xmlns:p="http://schemas.openxmlformats.org/presentationml/2006/main">
+  <p:cSld>
+    <p:spTree>
+      <p:nvGrpSpPr>
+        <p:cNvPr id="1" name=""/>
+        <p:cNvGrpSpPr/>
+        <p:nvPr/>
+      </p:nvGrpSpPr>
+      <p:grpSpPr>
+        <a:xfrm>
+          <a:off x="0" y="0"/>
+          <a:ext cx="0" cy="0"/>
+          <a:chOff x="0" y="0"/>
+          <a:chExt cx="0" cy="0"/>
+        </a:xfrm>
+      </p:grpSpPr>
+      <p:grpSp>
+        <p:nvGrpSpPr>
+          <p:cNvPr id="53" name="Gruppieren 52">
+            <a:extLst>
+              <a:ext uri="{FF2B5EF4-FFF2-40B4-BE49-F238E27FC236}">
+                <a16:creationId xmlns:a16="http://schemas.microsoft.com/office/drawing/2014/main" id="{5051D944-57E6-4F35-9806-6B25FD5E49B2}"/>
+              </a:ext>
+            </a:extLst>
+          </p:cNvPr>
+          <p:cNvGrpSpPr/>
+          <p:nvPr/>
+        </p:nvGrpSpPr>
+        <p:grpSpPr>
+          <a:xfrm>
+            <a:off x="4980900" y="3393000"/>
+            <a:ext cx="2230200" cy="72000"/>
+            <a:chOff x="4440600" y="3393000"/>
+            <a:chExt cx="2230200" cy="72000"/>
+          </a:xfrm>
+        </p:grpSpPr>
+        <p:cxnSp>
+          <p:nvCxnSpPr>
+            <p:cNvPr id="13" name="Gerader Verbinder 12">
+              <a:extLst>
+                <a:ext uri="{FF2B5EF4-FFF2-40B4-BE49-F238E27FC236}">
+                  <a16:creationId xmlns:a16="http://schemas.microsoft.com/office/drawing/2014/main" id="{6EB74C79-4142-48B4-8EDE-61991D82CDD6}"/>
+                </a:ext>
+              </a:extLst>
+            </p:cNvPr>
+            <p:cNvCxnSpPr>
+              <a:cxnSpLocks/>
+              <a:stCxn id="19" idx="2"/>
+              <a:endCxn id="40" idx="6"/>
+            </p:cNvCxnSpPr>
+            <p:nvPr/>
+          </p:nvCxnSpPr>
+          <p:spPr>
+            <a:xfrm flipH="1">
+              <a:off x="6238800" y="3429000"/>
+              <a:ext cx="360000" cy="0"/>
+            </a:xfrm>
+            <a:prstGeom prst="line">
+              <a:avLst/>
+            </a:prstGeom>
+            <a:solidFill>
+              <a:srgbClr val="232323"/>
+            </a:solidFill>
+            <a:ln w="28575">
+              <a:solidFill>
+                <a:srgbClr val="232323"/>
+              </a:solidFill>
+            </a:ln>
+          </p:spPr>
+          <p:style>
+            <a:lnRef idx="1">
+              <a:schemeClr val="accent1"/>
+            </a:lnRef>
+            <a:fillRef idx="0">
+              <a:schemeClr val="accent1"/>
+            </a:fillRef>
+            <a:effectRef idx="0">
+              <a:schemeClr val="accent1"/>
+            </a:effectRef>
+            <a:fontRef idx="minor">
+              <a:schemeClr val="tx1"/>
+            </a:fontRef>
+          </p:style>
+        </p:cxnSp>
+        <p:cxnSp>
+          <p:nvCxnSpPr>
+            <p:cNvPr id="23" name="Gerader Verbinder 22"/>
+            <p:cNvCxnSpPr>
+              <a:cxnSpLocks/>
+              <a:stCxn id="25" idx="2"/>
+              <a:endCxn id="7" idx="6"/>
+            </p:cNvCxnSpPr>
+            <p:nvPr/>
+          </p:nvCxnSpPr>
+          <p:spPr>
+            <a:xfrm flipH="1">
+              <a:off x="4512600" y="3429000"/>
+              <a:ext cx="358200" cy="0"/>
+            </a:xfrm>
+            <a:prstGeom prst="line">
+              <a:avLst/>
+            </a:prstGeom>
+            <a:solidFill>
+              <a:srgbClr val="2A82DA"/>
+            </a:solidFill>
+            <a:ln w="28575">
+              <a:solidFill>
+                <a:srgbClr val="2A82DA"/>
+              </a:solidFill>
+            </a:ln>
+          </p:spPr>
+          <p:style>
+            <a:lnRef idx="1">
+              <a:schemeClr val="accent1"/>
+            </a:lnRef>
+            <a:fillRef idx="0">
+              <a:schemeClr val="accent1"/>
+            </a:fillRef>
+            <a:effectRef idx="0">
+              <a:schemeClr val="accent1"/>
+            </a:effectRef>
+            <a:fontRef idx="minor">
+              <a:schemeClr val="tx1"/>
+            </a:fontRef>
+          </p:style>
+        </p:cxnSp>
+        <p:cxnSp>
+          <p:nvCxnSpPr>
+            <p:cNvPr id="15" name="Gerader Verbinder 14">
+              <a:extLst>
+                <a:ext uri="{FF2B5EF4-FFF2-40B4-BE49-F238E27FC236}">
+                  <a16:creationId xmlns:a16="http://schemas.microsoft.com/office/drawing/2014/main" id="{3FE5D68D-4180-44E5-B296-4BF77BC51989}"/>
+                </a:ext>
+              </a:extLst>
+            </p:cNvPr>
+            <p:cNvCxnSpPr>
+              <a:cxnSpLocks/>
+              <a:stCxn id="28" idx="2"/>
+              <a:endCxn id="25" idx="6"/>
+            </p:cNvCxnSpPr>
+            <p:nvPr/>
+          </p:nvCxnSpPr>
+          <p:spPr>
+            <a:xfrm flipH="1">
+              <a:off x="4942800" y="3429000"/>
+              <a:ext cx="360000" cy="0"/>
+            </a:xfrm>
+            <a:prstGeom prst="line">
+              <a:avLst/>
+            </a:prstGeom>
+            <a:solidFill>
+              <a:srgbClr val="2A82DA"/>
+            </a:solidFill>
+            <a:ln w="28575">
+              <a:solidFill>
+                <a:srgbClr val="2A82DA"/>
+              </a:solidFill>
+            </a:ln>
+          </p:spPr>
+          <p:style>
+            <a:lnRef idx="1">
+              <a:schemeClr val="accent1"/>
+            </a:lnRef>
+            <a:fillRef idx="0">
+              <a:schemeClr val="accent1"/>
+            </a:fillRef>
+            <a:effectRef idx="0">
+              <a:schemeClr val="accent1"/>
+            </a:effectRef>
+            <a:fontRef idx="minor">
+              <a:schemeClr val="tx1"/>
+            </a:fontRef>
+          </p:style>
+        </p:cxnSp>
+        <p:cxnSp>
+          <p:nvCxnSpPr>
+            <p:cNvPr id="16" name="Gerader Verbinder 15">
+              <a:extLst>
+                <a:ext uri="{FF2B5EF4-FFF2-40B4-BE49-F238E27FC236}">
+                  <a16:creationId xmlns:a16="http://schemas.microsoft.com/office/drawing/2014/main" id="{54B2CB90-7345-4A82-8B57-091E6BE8D471}"/>
+                </a:ext>
+              </a:extLst>
+            </p:cNvPr>
+            <p:cNvCxnSpPr>
+              <a:cxnSpLocks/>
+              <a:stCxn id="36" idx="2"/>
+              <a:endCxn id="28" idx="6"/>
+            </p:cNvCxnSpPr>
+            <p:nvPr/>
+          </p:nvCxnSpPr>
+          <p:spPr>
+            <a:xfrm flipH="1">
+              <a:off x="5374800" y="3429000"/>
+              <a:ext cx="360000" cy="0"/>
+            </a:xfrm>
+            <a:prstGeom prst="line">
+              <a:avLst/>
+            </a:prstGeom>
+            <a:solidFill>
+              <a:srgbClr val="2A82DA"/>
+            </a:solidFill>
+            <a:ln w="28575">
+              <a:solidFill>
+                <a:srgbClr val="2A82DA"/>
+              </a:solidFill>
+            </a:ln>
+          </p:spPr>
+          <p:style>
+            <a:lnRef idx="1">
+              <a:schemeClr val="accent1"/>
+            </a:lnRef>
+            <a:fillRef idx="0">
+              <a:schemeClr val="accent1"/>
+            </a:fillRef>
+            <a:effectRef idx="0">
+              <a:schemeClr val="accent1"/>
+            </a:effectRef>
+            <a:fontRef idx="minor">
+              <a:schemeClr val="tx1"/>
+            </a:fontRef>
+          </p:style>
+        </p:cxnSp>
+        <p:cxnSp>
+          <p:nvCxnSpPr>
+            <p:cNvPr id="17" name="Gerader Verbinder 16">
+              <a:extLst>
+                <a:ext uri="{FF2B5EF4-FFF2-40B4-BE49-F238E27FC236}">
+                  <a16:creationId xmlns:a16="http://schemas.microsoft.com/office/drawing/2014/main" id="{2D6E0B11-D1CC-4669-9A4E-F7537E7EE9A8}"/>
+                </a:ext>
+              </a:extLst>
+            </p:cNvPr>
+            <p:cNvCxnSpPr>
+              <a:cxnSpLocks/>
+              <a:stCxn id="40" idx="2"/>
+              <a:endCxn id="36" idx="6"/>
+            </p:cNvCxnSpPr>
+            <p:nvPr/>
+          </p:nvCxnSpPr>
+          <p:spPr>
+            <a:xfrm flipH="1">
+              <a:off x="5806800" y="3429000"/>
+              <a:ext cx="360000" cy="0"/>
+            </a:xfrm>
+            <a:prstGeom prst="line">
+              <a:avLst/>
+            </a:prstGeom>
+            <a:solidFill>
+              <a:srgbClr val="232323"/>
+            </a:solidFill>
+            <a:ln w="28575">
+              <a:solidFill>
+                <a:srgbClr val="232323"/>
+              </a:solidFill>
+            </a:ln>
+          </p:spPr>
+          <p:style>
+            <a:lnRef idx="1">
+              <a:schemeClr val="accent1"/>
+            </a:lnRef>
+            <a:fillRef idx="0">
+              <a:schemeClr val="accent1"/>
+            </a:fillRef>
+            <a:effectRef idx="0">
+              <a:schemeClr val="accent1"/>
+            </a:effectRef>
+            <a:fontRef idx="minor">
+              <a:schemeClr val="tx1"/>
+            </a:fontRef>
+          </p:style>
+        </p:cxnSp>
+        <p:sp>
+          <p:nvSpPr>
+            <p:cNvPr id="7" name="Ellipse 6"/>
+            <p:cNvSpPr/>
+            <p:nvPr/>
+          </p:nvSpPr>
+          <p:spPr>
+            <a:xfrm>
+              <a:off x="4440600" y="3393000"/>
+              <a:ext cx="72000" cy="72000"/>
+            </a:xfrm>
+            <a:prstGeom prst="ellipse">
+              <a:avLst/>
+            </a:prstGeom>
+            <a:solidFill>
+              <a:srgbClr val="2A82DA"/>
+            </a:solidFill>
+            <a:ln w="38100">
+              <a:solidFill>
+                <a:srgbClr val="2A82DA"/>
+              </a:solidFill>
+            </a:ln>
+          </p:spPr>
+          <p:style>
+            <a:lnRef idx="2">
+              <a:schemeClr val="accent1">
+                <a:shade val="50000"/>
+              </a:schemeClr>
+            </a:lnRef>
+            <a:fillRef idx="1">
+              <a:schemeClr val="accent1"/>
+            </a:fillRef>
+            <a:effectRef idx="0">
+              <a:schemeClr val="accent1"/>
+            </a:effectRef>
+            <a:fontRef idx="minor">
+              <a:schemeClr val="lt1"/>
+            </a:fontRef>
+          </p:style>
+          <p:txBody>
+            <a:bodyPr rtlCol="0" anchor="ctr"/>
+            <a:lstStyle/>
+            <a:p>
+              <a:pPr algn="ctr"/>
+              <a:endParaRPr lang="de-DE">
+                <a:ln>
+                  <a:solidFill>
+                    <a:sysClr val="windowText" lastClr="000000"/>
+                  </a:solidFill>
+                </a:ln>
+              </a:endParaRPr>
+            </a:p>
+          </p:txBody>
+        </p:sp>
+        <p:sp>
+          <p:nvSpPr>
+            <p:cNvPr id="25" name="Ellipse 24">
+              <a:extLst>
+                <a:ext uri="{FF2B5EF4-FFF2-40B4-BE49-F238E27FC236}">
+                  <a16:creationId xmlns:a16="http://schemas.microsoft.com/office/drawing/2014/main" id="{53C71244-523D-49A1-AA2B-AF651BE3C901}"/>
+                </a:ext>
+              </a:extLst>
+            </p:cNvPr>
+            <p:cNvSpPr/>
+            <p:nvPr/>
+          </p:nvSpPr>
+          <p:spPr>
+            <a:xfrm>
+              <a:off x="4870800" y="3393000"/>
+              <a:ext cx="72000" cy="72000"/>
+            </a:xfrm>
+            <a:prstGeom prst="ellipse">
+              <a:avLst/>
+            </a:prstGeom>
+            <a:solidFill>
+              <a:srgbClr val="2A82DA"/>
+            </a:solidFill>
+            <a:ln w="38100">
+              <a:solidFill>
+                <a:srgbClr val="2A82DA"/>
+              </a:solidFill>
+            </a:ln>
+          </p:spPr>
+          <p:style>
+            <a:lnRef idx="2">
+              <a:schemeClr val="accent1">
+                <a:shade val="50000"/>
+              </a:schemeClr>
+            </a:lnRef>
+            <a:fillRef idx="1">
+              <a:schemeClr val="accent1"/>
+            </a:fillRef>
+            <a:effectRef idx="0">
+              <a:schemeClr val="accent1"/>
+            </a:effectRef>
+            <a:fontRef idx="minor">
+              <a:schemeClr val="lt1"/>
+            </a:fontRef>
+          </p:style>
+          <p:txBody>
+            <a:bodyPr rtlCol="0" anchor="ctr"/>
+            <a:lstStyle/>
+            <a:p>
+              <a:pPr algn="ctr"/>
+              <a:endParaRPr lang="de-DE" dirty="0">
+                <a:ln>
+                  <a:solidFill>
+                    <a:sysClr val="windowText" lastClr="000000"/>
+                  </a:solidFill>
+                </a:ln>
+              </a:endParaRPr>
+            </a:p>
+          </p:txBody>
+        </p:sp>
+        <p:sp>
+          <p:nvSpPr>
+            <p:cNvPr id="28" name="Ellipse 27">
+              <a:extLst>
+                <a:ext uri="{FF2B5EF4-FFF2-40B4-BE49-F238E27FC236}">
+                  <a16:creationId xmlns:a16="http://schemas.microsoft.com/office/drawing/2014/main" id="{92ABA44F-D000-4240-A7E6-0C8D7B74E95B}"/>
+                </a:ext>
+              </a:extLst>
+            </p:cNvPr>
+            <p:cNvSpPr/>
+            <p:nvPr/>
+          </p:nvSpPr>
+          <p:spPr>
+            <a:xfrm>
+              <a:off x="5302800" y="3393000"/>
+              <a:ext cx="72000" cy="72000"/>
+            </a:xfrm>
+            <a:prstGeom prst="ellipse">
+              <a:avLst/>
+            </a:prstGeom>
+            <a:solidFill>
+              <a:srgbClr val="2A82DA"/>
+            </a:solidFill>
+            <a:ln w="38100">
+              <a:solidFill>
+                <a:srgbClr val="2A82DA"/>
+              </a:solidFill>
+            </a:ln>
+          </p:spPr>
+          <p:style>
+            <a:lnRef idx="2">
+              <a:schemeClr val="accent1">
+                <a:shade val="50000"/>
+              </a:schemeClr>
+            </a:lnRef>
+            <a:fillRef idx="1">
+              <a:schemeClr val="accent1"/>
+            </a:fillRef>
+            <a:effectRef idx="0">
+              <a:schemeClr val="accent1"/>
+            </a:effectRef>
+            <a:fontRef idx="minor">
+              <a:schemeClr val="lt1"/>
+            </a:fontRef>
+          </p:style>
+          <p:txBody>
+            <a:bodyPr rtlCol="0" anchor="ctr"/>
+            <a:lstStyle/>
+            <a:p>
+              <a:pPr algn="ctr"/>
+              <a:endParaRPr lang="de-DE">
+                <a:ln>
+                  <a:solidFill>
+                    <a:sysClr val="windowText" lastClr="000000"/>
+                  </a:solidFill>
+                </a:ln>
+              </a:endParaRPr>
+            </a:p>
+          </p:txBody>
+        </p:sp>
+        <p:sp>
+          <p:nvSpPr>
+            <p:cNvPr id="36" name="Ellipse 35">
+              <a:extLst>
+                <a:ext uri="{FF2B5EF4-FFF2-40B4-BE49-F238E27FC236}">
+                  <a16:creationId xmlns:a16="http://schemas.microsoft.com/office/drawing/2014/main" id="{6BE9A1AD-F1D4-49A6-8FBF-853ABAD3AF36}"/>
+                </a:ext>
+              </a:extLst>
+            </p:cNvPr>
+            <p:cNvSpPr/>
+            <p:nvPr/>
+          </p:nvSpPr>
+          <p:spPr>
+            <a:xfrm>
+              <a:off x="5734800" y="3393000"/>
+              <a:ext cx="72000" cy="72000"/>
+            </a:xfrm>
+            <a:prstGeom prst="ellipse">
+              <a:avLst/>
+            </a:prstGeom>
+            <a:solidFill>
+              <a:srgbClr val="2A82DA"/>
+            </a:solidFill>
+            <a:ln w="38100">
+              <a:solidFill>
+                <a:srgbClr val="2A82DA"/>
+              </a:solidFill>
+            </a:ln>
+          </p:spPr>
+          <p:style>
+            <a:lnRef idx="2">
+              <a:schemeClr val="accent1">
+                <a:shade val="50000"/>
+              </a:schemeClr>
+            </a:lnRef>
+            <a:fillRef idx="1">
+              <a:schemeClr val="accent1"/>
+            </a:fillRef>
+            <a:effectRef idx="0">
+              <a:schemeClr val="accent1"/>
+            </a:effectRef>
+            <a:fontRef idx="minor">
+              <a:schemeClr val="lt1"/>
+            </a:fontRef>
+          </p:style>
+          <p:txBody>
+            <a:bodyPr rtlCol="0" anchor="ctr"/>
+            <a:lstStyle/>
+            <a:p>
+              <a:pPr algn="ctr"/>
+              <a:endParaRPr lang="de-DE">
+                <a:ln>
+                  <a:solidFill>
+                    <a:sysClr val="windowText" lastClr="000000"/>
+                  </a:solidFill>
+                </a:ln>
+              </a:endParaRPr>
+            </a:p>
+          </p:txBody>
+        </p:sp>
+        <p:sp>
+          <p:nvSpPr>
+            <p:cNvPr id="40" name="Ellipse 39">
+              <a:extLst>
+                <a:ext uri="{FF2B5EF4-FFF2-40B4-BE49-F238E27FC236}">
+                  <a16:creationId xmlns:a16="http://schemas.microsoft.com/office/drawing/2014/main" id="{6809AB47-4D7C-43E9-A22B-561318E73EF5}"/>
+                </a:ext>
+              </a:extLst>
+            </p:cNvPr>
+            <p:cNvSpPr/>
+            <p:nvPr/>
+          </p:nvSpPr>
+          <p:spPr>
+            <a:xfrm>
+              <a:off x="6166800" y="3393000"/>
+              <a:ext cx="72000" cy="72000"/>
+            </a:xfrm>
+            <a:prstGeom prst="ellipse">
+              <a:avLst/>
+            </a:prstGeom>
+            <a:solidFill>
+              <a:srgbClr val="232323"/>
+            </a:solidFill>
+            <a:ln w="38100">
+              <a:solidFill>
+                <a:srgbClr val="232323"/>
+              </a:solidFill>
+            </a:ln>
+          </p:spPr>
+          <p:style>
+            <a:lnRef idx="2">
+              <a:schemeClr val="accent1">
+                <a:shade val="50000"/>
+              </a:schemeClr>
+            </a:lnRef>
+            <a:fillRef idx="1">
+              <a:schemeClr val="accent1"/>
+            </a:fillRef>
+            <a:effectRef idx="0">
+              <a:schemeClr val="accent1"/>
+            </a:effectRef>
+            <a:fontRef idx="minor">
+              <a:schemeClr val="lt1"/>
+            </a:fontRef>
+          </p:style>
+          <p:txBody>
+            <a:bodyPr rtlCol="0" anchor="ctr"/>
+            <a:lstStyle/>
+            <a:p>
+              <a:pPr algn="ctr"/>
+              <a:endParaRPr lang="de-DE">
+                <a:ln>
+                  <a:solidFill>
+                    <a:sysClr val="windowText" lastClr="000000"/>
+                  </a:solidFill>
+                </a:ln>
+              </a:endParaRPr>
+            </a:p>
+          </p:txBody>
+        </p:sp>
+        <p:sp>
+          <p:nvSpPr>
+            <p:cNvPr id="19" name="Ellipse 18">
+              <a:extLst>
+                <a:ext uri="{FF2B5EF4-FFF2-40B4-BE49-F238E27FC236}">
+                  <a16:creationId xmlns:a16="http://schemas.microsoft.com/office/drawing/2014/main" id="{C44CCA6C-62DA-4D78-856E-4AADFFA00B8C}"/>
+                </a:ext>
+              </a:extLst>
+            </p:cNvPr>
+            <p:cNvSpPr/>
+            <p:nvPr/>
+          </p:nvSpPr>
+          <p:spPr>
+            <a:xfrm>
+              <a:off x="6598800" y="3393000"/>
+              <a:ext cx="72000" cy="72000"/>
+            </a:xfrm>
+            <a:prstGeom prst="ellipse">
+              <a:avLst/>
+            </a:prstGeom>
+            <a:solidFill>
+              <a:srgbClr val="232323"/>
+            </a:solidFill>
+            <a:ln w="38100">
+              <a:solidFill>
+                <a:srgbClr val="232323"/>
+              </a:solidFill>
+            </a:ln>
+          </p:spPr>
+          <p:style>
+            <a:lnRef idx="2">
+              <a:schemeClr val="accent1">
+                <a:shade val="50000"/>
+              </a:schemeClr>
+            </a:lnRef>
+            <a:fillRef idx="1">
+              <a:schemeClr val="accent1"/>
+            </a:fillRef>
+            <a:effectRef idx="0">
+              <a:schemeClr val="accent1"/>
+            </a:effectRef>
+            <a:fontRef idx="minor">
+              <a:schemeClr val="lt1"/>
+            </a:fontRef>
+          </p:style>
+          <p:txBody>
+            <a:bodyPr rtlCol="0" anchor="ctr"/>
+            <a:lstStyle/>
+            <a:p>
+              <a:pPr algn="ctr"/>
+              <a:endParaRPr lang="de-DE">
+                <a:ln>
+                  <a:solidFill>
+                    <a:sysClr val="windowText" lastClr="000000"/>
+                  </a:solidFill>
+                </a:ln>
+              </a:endParaRPr>
+            </a:p>
+          </p:txBody>
+        </p:sp>
+      </p:grpSp>
+    </p:spTree>
+    <p:extLst>
+      <p:ext uri="{BB962C8B-B14F-4D97-AF65-F5344CB8AC3E}">
+        <p14:creationId xmlns:p14="http://schemas.microsoft.com/office/powerpoint/2010/main" val="3050813089"/>
+      </p:ext>
+    </p:extLst>
+  </p:cSld>
+  <p:clrMapOvr>
+    <a:masterClrMapping/>
+  </p:clrMapOvr>
+</p:sld>
+</file>
+
+<file path=ppt/slides/slide14.xml><?xml version="1.0" encoding="utf-8"?>
+<p:sld xmlns:a="http://schemas.openxmlformats.org/drawingml/2006/main" xmlns:r="http://schemas.openxmlformats.org/officeDocument/2006/relationships" xmlns:p="http://schemas.openxmlformats.org/presentationml/2006/main">
+  <p:cSld>
+    <p:spTree>
+      <p:nvGrpSpPr>
+        <p:cNvPr id="1" name=""/>
+        <p:cNvGrpSpPr/>
+        <p:nvPr/>
+      </p:nvGrpSpPr>
+      <p:grpSpPr>
+        <a:xfrm>
+          <a:off x="0" y="0"/>
+          <a:ext cx="0" cy="0"/>
+          <a:chOff x="0" y="0"/>
+          <a:chExt cx="0" cy="0"/>
+        </a:xfrm>
+      </p:grpSpPr>
+      <p:grpSp>
+        <p:nvGrpSpPr>
+          <p:cNvPr id="53" name="Gruppieren 52">
+            <a:extLst>
+              <a:ext uri="{FF2B5EF4-FFF2-40B4-BE49-F238E27FC236}">
+                <a16:creationId xmlns:a16="http://schemas.microsoft.com/office/drawing/2014/main" id="{5051D944-57E6-4F35-9806-6B25FD5E49B2}"/>
+              </a:ext>
+            </a:extLst>
+          </p:cNvPr>
+          <p:cNvGrpSpPr/>
+          <p:nvPr/>
+        </p:nvGrpSpPr>
+        <p:grpSpPr>
+          <a:xfrm>
+            <a:off x="4980900" y="3393000"/>
+            <a:ext cx="2230200" cy="72000"/>
+            <a:chOff x="4440600" y="3393000"/>
+            <a:chExt cx="2230200" cy="72000"/>
+          </a:xfrm>
+        </p:grpSpPr>
+        <p:cxnSp>
+          <p:nvCxnSpPr>
+            <p:cNvPr id="13" name="Gerader Verbinder 12">
+              <a:extLst>
+                <a:ext uri="{FF2B5EF4-FFF2-40B4-BE49-F238E27FC236}">
+                  <a16:creationId xmlns:a16="http://schemas.microsoft.com/office/drawing/2014/main" id="{6EB74C79-4142-48B4-8EDE-61991D82CDD6}"/>
+                </a:ext>
+              </a:extLst>
+            </p:cNvPr>
+            <p:cNvCxnSpPr>
+              <a:cxnSpLocks/>
+              <a:stCxn id="19" idx="2"/>
+              <a:endCxn id="40" idx="6"/>
+            </p:cNvCxnSpPr>
+            <p:nvPr/>
+          </p:nvCxnSpPr>
+          <p:spPr>
+            <a:xfrm flipH="1">
+              <a:off x="6238800" y="3429000"/>
+              <a:ext cx="360000" cy="0"/>
+            </a:xfrm>
+            <a:prstGeom prst="line">
+              <a:avLst/>
+            </a:prstGeom>
+            <a:solidFill>
+              <a:srgbClr val="232323"/>
+            </a:solidFill>
+            <a:ln w="28575">
+              <a:solidFill>
+                <a:srgbClr val="232323"/>
+              </a:solidFill>
+            </a:ln>
+          </p:spPr>
+          <p:style>
+            <a:lnRef idx="1">
+              <a:schemeClr val="accent1"/>
+            </a:lnRef>
+            <a:fillRef idx="0">
+              <a:schemeClr val="accent1"/>
+            </a:fillRef>
+            <a:effectRef idx="0">
+              <a:schemeClr val="accent1"/>
+            </a:effectRef>
+            <a:fontRef idx="minor">
+              <a:schemeClr val="tx1"/>
+            </a:fontRef>
+          </p:style>
+        </p:cxnSp>
+        <p:cxnSp>
+          <p:nvCxnSpPr>
+            <p:cNvPr id="23" name="Gerader Verbinder 22"/>
+            <p:cNvCxnSpPr>
+              <a:cxnSpLocks/>
+              <a:stCxn id="25" idx="2"/>
+              <a:endCxn id="7" idx="6"/>
+            </p:cNvCxnSpPr>
+            <p:nvPr/>
+          </p:nvCxnSpPr>
+          <p:spPr>
+            <a:xfrm flipH="1">
+              <a:off x="4512600" y="3429000"/>
+              <a:ext cx="358200" cy="0"/>
+            </a:xfrm>
+            <a:prstGeom prst="line">
+              <a:avLst/>
+            </a:prstGeom>
+            <a:solidFill>
+              <a:srgbClr val="2A82DA"/>
+            </a:solidFill>
+            <a:ln w="28575">
+              <a:solidFill>
+                <a:srgbClr val="2A82DA"/>
+              </a:solidFill>
+            </a:ln>
+          </p:spPr>
+          <p:style>
+            <a:lnRef idx="1">
+              <a:schemeClr val="accent1"/>
+            </a:lnRef>
+            <a:fillRef idx="0">
+              <a:schemeClr val="accent1"/>
+            </a:fillRef>
+            <a:effectRef idx="0">
+              <a:schemeClr val="accent1"/>
+            </a:effectRef>
+            <a:fontRef idx="minor">
+              <a:schemeClr val="tx1"/>
+            </a:fontRef>
+          </p:style>
+        </p:cxnSp>
+        <p:cxnSp>
+          <p:nvCxnSpPr>
+            <p:cNvPr id="15" name="Gerader Verbinder 14">
+              <a:extLst>
+                <a:ext uri="{FF2B5EF4-FFF2-40B4-BE49-F238E27FC236}">
+                  <a16:creationId xmlns:a16="http://schemas.microsoft.com/office/drawing/2014/main" id="{3FE5D68D-4180-44E5-B296-4BF77BC51989}"/>
+                </a:ext>
+              </a:extLst>
+            </p:cNvPr>
+            <p:cNvCxnSpPr>
+              <a:cxnSpLocks/>
+              <a:stCxn id="28" idx="2"/>
+              <a:endCxn id="25" idx="6"/>
+            </p:cNvCxnSpPr>
+            <p:nvPr/>
+          </p:nvCxnSpPr>
+          <p:spPr>
+            <a:xfrm flipH="1">
+              <a:off x="4942800" y="3429000"/>
+              <a:ext cx="360000" cy="0"/>
+            </a:xfrm>
+            <a:prstGeom prst="line">
+              <a:avLst/>
+            </a:prstGeom>
+            <a:solidFill>
+              <a:srgbClr val="2A82DA"/>
+            </a:solidFill>
+            <a:ln w="28575">
+              <a:solidFill>
+                <a:srgbClr val="2A82DA"/>
+              </a:solidFill>
+            </a:ln>
+          </p:spPr>
+          <p:style>
+            <a:lnRef idx="1">
+              <a:schemeClr val="accent1"/>
+            </a:lnRef>
+            <a:fillRef idx="0">
+              <a:schemeClr val="accent1"/>
+            </a:fillRef>
+            <a:effectRef idx="0">
+              <a:schemeClr val="accent1"/>
+            </a:effectRef>
+            <a:fontRef idx="minor">
+              <a:schemeClr val="tx1"/>
+            </a:fontRef>
+          </p:style>
+        </p:cxnSp>
+        <p:cxnSp>
+          <p:nvCxnSpPr>
+            <p:cNvPr id="16" name="Gerader Verbinder 15">
+              <a:extLst>
+                <a:ext uri="{FF2B5EF4-FFF2-40B4-BE49-F238E27FC236}">
+                  <a16:creationId xmlns:a16="http://schemas.microsoft.com/office/drawing/2014/main" id="{54B2CB90-7345-4A82-8B57-091E6BE8D471}"/>
+                </a:ext>
+              </a:extLst>
+            </p:cNvPr>
+            <p:cNvCxnSpPr>
+              <a:cxnSpLocks/>
+              <a:stCxn id="36" idx="2"/>
+              <a:endCxn id="28" idx="6"/>
+            </p:cNvCxnSpPr>
+            <p:nvPr/>
+          </p:nvCxnSpPr>
+          <p:spPr>
+            <a:xfrm flipH="1">
+              <a:off x="5374800" y="3429000"/>
+              <a:ext cx="360000" cy="0"/>
+            </a:xfrm>
+            <a:prstGeom prst="line">
+              <a:avLst/>
+            </a:prstGeom>
+            <a:solidFill>
+              <a:srgbClr val="2A82DA"/>
+            </a:solidFill>
+            <a:ln w="28575">
+              <a:solidFill>
+                <a:srgbClr val="2A82DA"/>
+              </a:solidFill>
+            </a:ln>
+          </p:spPr>
+          <p:style>
+            <a:lnRef idx="1">
+              <a:schemeClr val="accent1"/>
+            </a:lnRef>
+            <a:fillRef idx="0">
+              <a:schemeClr val="accent1"/>
+            </a:fillRef>
+            <a:effectRef idx="0">
+              <a:schemeClr val="accent1"/>
+            </a:effectRef>
+            <a:fontRef idx="minor">
+              <a:schemeClr val="tx1"/>
+            </a:fontRef>
+          </p:style>
+        </p:cxnSp>
+        <p:cxnSp>
+          <p:nvCxnSpPr>
+            <p:cNvPr id="17" name="Gerader Verbinder 16">
+              <a:extLst>
+                <a:ext uri="{FF2B5EF4-FFF2-40B4-BE49-F238E27FC236}">
+                  <a16:creationId xmlns:a16="http://schemas.microsoft.com/office/drawing/2014/main" id="{2D6E0B11-D1CC-4669-9A4E-F7537E7EE9A8}"/>
+                </a:ext>
+              </a:extLst>
+            </p:cNvPr>
+            <p:cNvCxnSpPr>
+              <a:cxnSpLocks/>
+              <a:stCxn id="40" idx="2"/>
+              <a:endCxn id="36" idx="6"/>
+            </p:cNvCxnSpPr>
+            <p:nvPr/>
+          </p:nvCxnSpPr>
+          <p:spPr>
+            <a:xfrm flipH="1">
+              <a:off x="5806800" y="3429000"/>
+              <a:ext cx="360000" cy="0"/>
+            </a:xfrm>
+            <a:prstGeom prst="line">
+              <a:avLst/>
+            </a:prstGeom>
+            <a:solidFill>
+              <a:srgbClr val="2A82DA"/>
+            </a:solidFill>
+            <a:ln w="28575">
+              <a:solidFill>
+                <a:srgbClr val="2A82DA"/>
+              </a:solidFill>
+            </a:ln>
+          </p:spPr>
+          <p:style>
+            <a:lnRef idx="1">
+              <a:schemeClr val="accent1"/>
+            </a:lnRef>
+            <a:fillRef idx="0">
+              <a:schemeClr val="accent1"/>
+            </a:fillRef>
+            <a:effectRef idx="0">
+              <a:schemeClr val="accent1"/>
+            </a:effectRef>
+            <a:fontRef idx="minor">
+              <a:schemeClr val="tx1"/>
+            </a:fontRef>
+          </p:style>
+        </p:cxnSp>
+        <p:sp>
+          <p:nvSpPr>
+            <p:cNvPr id="7" name="Ellipse 6"/>
+            <p:cNvSpPr/>
+            <p:nvPr/>
+          </p:nvSpPr>
+          <p:spPr>
+            <a:xfrm>
+              <a:off x="4440600" y="3393000"/>
+              <a:ext cx="72000" cy="72000"/>
+            </a:xfrm>
+            <a:prstGeom prst="ellipse">
+              <a:avLst/>
+            </a:prstGeom>
+            <a:solidFill>
+              <a:srgbClr val="2A82DA"/>
+            </a:solidFill>
+            <a:ln w="38100">
+              <a:solidFill>
+                <a:srgbClr val="2A82DA"/>
+              </a:solidFill>
+            </a:ln>
+          </p:spPr>
+          <p:style>
+            <a:lnRef idx="2">
+              <a:schemeClr val="accent1">
+                <a:shade val="50000"/>
+              </a:schemeClr>
+            </a:lnRef>
+            <a:fillRef idx="1">
+              <a:schemeClr val="accent1"/>
+            </a:fillRef>
+            <a:effectRef idx="0">
+              <a:schemeClr val="accent1"/>
+            </a:effectRef>
+            <a:fontRef idx="minor">
+              <a:schemeClr val="lt1"/>
+            </a:fontRef>
+          </p:style>
+          <p:txBody>
+            <a:bodyPr rtlCol="0" anchor="ctr"/>
+            <a:lstStyle/>
+            <a:p>
+              <a:pPr algn="ctr"/>
+              <a:endParaRPr lang="de-DE">
+                <a:ln>
+                  <a:solidFill>
+                    <a:sysClr val="windowText" lastClr="000000"/>
+                  </a:solidFill>
+                </a:ln>
+              </a:endParaRPr>
+            </a:p>
+          </p:txBody>
+        </p:sp>
+        <p:sp>
+          <p:nvSpPr>
+            <p:cNvPr id="25" name="Ellipse 24">
+              <a:extLst>
+                <a:ext uri="{FF2B5EF4-FFF2-40B4-BE49-F238E27FC236}">
+                  <a16:creationId xmlns:a16="http://schemas.microsoft.com/office/drawing/2014/main" id="{53C71244-523D-49A1-AA2B-AF651BE3C901}"/>
+                </a:ext>
+              </a:extLst>
+            </p:cNvPr>
+            <p:cNvSpPr/>
+            <p:nvPr/>
+          </p:nvSpPr>
+          <p:spPr>
+            <a:xfrm>
+              <a:off x="4870800" y="3393000"/>
+              <a:ext cx="72000" cy="72000"/>
+            </a:xfrm>
+            <a:prstGeom prst="ellipse">
+              <a:avLst/>
+            </a:prstGeom>
+            <a:solidFill>
+              <a:srgbClr val="2A82DA"/>
+            </a:solidFill>
+            <a:ln w="38100">
+              <a:solidFill>
+                <a:srgbClr val="2A82DA"/>
+              </a:solidFill>
+            </a:ln>
+          </p:spPr>
+          <p:style>
+            <a:lnRef idx="2">
+              <a:schemeClr val="accent1">
+                <a:shade val="50000"/>
+              </a:schemeClr>
+            </a:lnRef>
+            <a:fillRef idx="1">
+              <a:schemeClr val="accent1"/>
+            </a:fillRef>
+            <a:effectRef idx="0">
+              <a:schemeClr val="accent1"/>
+            </a:effectRef>
+            <a:fontRef idx="minor">
+              <a:schemeClr val="lt1"/>
+            </a:fontRef>
+          </p:style>
+          <p:txBody>
+            <a:bodyPr rtlCol="0" anchor="ctr"/>
+            <a:lstStyle/>
+            <a:p>
+              <a:pPr algn="ctr"/>
+              <a:endParaRPr lang="de-DE" dirty="0">
+                <a:ln>
+                  <a:solidFill>
+                    <a:sysClr val="windowText" lastClr="000000"/>
+                  </a:solidFill>
+                </a:ln>
+              </a:endParaRPr>
+            </a:p>
+          </p:txBody>
+        </p:sp>
+        <p:sp>
+          <p:nvSpPr>
+            <p:cNvPr id="28" name="Ellipse 27">
+              <a:extLst>
+                <a:ext uri="{FF2B5EF4-FFF2-40B4-BE49-F238E27FC236}">
+                  <a16:creationId xmlns:a16="http://schemas.microsoft.com/office/drawing/2014/main" id="{92ABA44F-D000-4240-A7E6-0C8D7B74E95B}"/>
+                </a:ext>
+              </a:extLst>
+            </p:cNvPr>
+            <p:cNvSpPr/>
+            <p:nvPr/>
+          </p:nvSpPr>
+          <p:spPr>
+            <a:xfrm>
+              <a:off x="5302800" y="3393000"/>
+              <a:ext cx="72000" cy="72000"/>
+            </a:xfrm>
+            <a:prstGeom prst="ellipse">
+              <a:avLst/>
+            </a:prstGeom>
+            <a:solidFill>
+              <a:srgbClr val="2A82DA"/>
+            </a:solidFill>
+            <a:ln w="38100">
+              <a:solidFill>
+                <a:srgbClr val="2A82DA"/>
+              </a:solidFill>
+            </a:ln>
+          </p:spPr>
+          <p:style>
+            <a:lnRef idx="2">
+              <a:schemeClr val="accent1">
+                <a:shade val="50000"/>
+              </a:schemeClr>
+            </a:lnRef>
+            <a:fillRef idx="1">
+              <a:schemeClr val="accent1"/>
+            </a:fillRef>
+            <a:effectRef idx="0">
+              <a:schemeClr val="accent1"/>
+            </a:effectRef>
+            <a:fontRef idx="minor">
+              <a:schemeClr val="lt1"/>
+            </a:fontRef>
+          </p:style>
+          <p:txBody>
+            <a:bodyPr rtlCol="0" anchor="ctr"/>
+            <a:lstStyle/>
+            <a:p>
+              <a:pPr algn="ctr"/>
+              <a:endParaRPr lang="de-DE">
+                <a:ln>
+                  <a:solidFill>
+                    <a:sysClr val="windowText" lastClr="000000"/>
+                  </a:solidFill>
+                </a:ln>
+              </a:endParaRPr>
+            </a:p>
+          </p:txBody>
+        </p:sp>
+        <p:sp>
+          <p:nvSpPr>
+            <p:cNvPr id="36" name="Ellipse 35">
+              <a:extLst>
+                <a:ext uri="{FF2B5EF4-FFF2-40B4-BE49-F238E27FC236}">
+                  <a16:creationId xmlns:a16="http://schemas.microsoft.com/office/drawing/2014/main" id="{6BE9A1AD-F1D4-49A6-8FBF-853ABAD3AF36}"/>
+                </a:ext>
+              </a:extLst>
+            </p:cNvPr>
+            <p:cNvSpPr/>
+            <p:nvPr/>
+          </p:nvSpPr>
+          <p:spPr>
+            <a:xfrm>
+              <a:off x="5734800" y="3393000"/>
+              <a:ext cx="72000" cy="72000"/>
+            </a:xfrm>
+            <a:prstGeom prst="ellipse">
+              <a:avLst/>
+            </a:prstGeom>
+            <a:solidFill>
+              <a:srgbClr val="2A82DA"/>
+            </a:solidFill>
+            <a:ln w="38100">
+              <a:solidFill>
+                <a:srgbClr val="2A82DA"/>
+              </a:solidFill>
+            </a:ln>
+          </p:spPr>
+          <p:style>
+            <a:lnRef idx="2">
+              <a:schemeClr val="accent1">
+                <a:shade val="50000"/>
+              </a:schemeClr>
+            </a:lnRef>
+            <a:fillRef idx="1">
+              <a:schemeClr val="accent1"/>
+            </a:fillRef>
+            <a:effectRef idx="0">
+              <a:schemeClr val="accent1"/>
+            </a:effectRef>
+            <a:fontRef idx="minor">
+              <a:schemeClr val="lt1"/>
+            </a:fontRef>
+          </p:style>
+          <p:txBody>
+            <a:bodyPr rtlCol="0" anchor="ctr"/>
+            <a:lstStyle/>
+            <a:p>
+              <a:pPr algn="ctr"/>
+              <a:endParaRPr lang="de-DE">
+                <a:ln>
+                  <a:solidFill>
+                    <a:sysClr val="windowText" lastClr="000000"/>
+                  </a:solidFill>
+                </a:ln>
+              </a:endParaRPr>
+            </a:p>
+          </p:txBody>
+        </p:sp>
+        <p:sp>
+          <p:nvSpPr>
+            <p:cNvPr id="40" name="Ellipse 39">
+              <a:extLst>
+                <a:ext uri="{FF2B5EF4-FFF2-40B4-BE49-F238E27FC236}">
+                  <a16:creationId xmlns:a16="http://schemas.microsoft.com/office/drawing/2014/main" id="{6809AB47-4D7C-43E9-A22B-561318E73EF5}"/>
+                </a:ext>
+              </a:extLst>
+            </p:cNvPr>
+            <p:cNvSpPr/>
+            <p:nvPr/>
+          </p:nvSpPr>
+          <p:spPr>
+            <a:xfrm>
+              <a:off x="6166800" y="3393000"/>
+              <a:ext cx="72000" cy="72000"/>
+            </a:xfrm>
+            <a:prstGeom prst="ellipse">
+              <a:avLst/>
+            </a:prstGeom>
+            <a:solidFill>
+              <a:srgbClr val="2A82DA"/>
+            </a:solidFill>
+            <a:ln w="38100">
+              <a:solidFill>
+                <a:srgbClr val="2A82DA"/>
+              </a:solidFill>
+            </a:ln>
+          </p:spPr>
+          <p:style>
+            <a:lnRef idx="2">
+              <a:schemeClr val="accent1">
+                <a:shade val="50000"/>
+              </a:schemeClr>
+            </a:lnRef>
+            <a:fillRef idx="1">
+              <a:schemeClr val="accent1"/>
+            </a:fillRef>
+            <a:effectRef idx="0">
+              <a:schemeClr val="accent1"/>
+            </a:effectRef>
+            <a:fontRef idx="minor">
+              <a:schemeClr val="lt1"/>
+            </a:fontRef>
+          </p:style>
+          <p:txBody>
+            <a:bodyPr rtlCol="0" anchor="ctr"/>
+            <a:lstStyle/>
+            <a:p>
+              <a:pPr algn="ctr"/>
+              <a:endParaRPr lang="de-DE">
+                <a:ln>
+                  <a:solidFill>
+                    <a:sysClr val="windowText" lastClr="000000"/>
+                  </a:solidFill>
+                </a:ln>
+              </a:endParaRPr>
+            </a:p>
+          </p:txBody>
+        </p:sp>
+        <p:sp>
+          <p:nvSpPr>
+            <p:cNvPr id="19" name="Ellipse 18">
+              <a:extLst>
+                <a:ext uri="{FF2B5EF4-FFF2-40B4-BE49-F238E27FC236}">
+                  <a16:creationId xmlns:a16="http://schemas.microsoft.com/office/drawing/2014/main" id="{C44CCA6C-62DA-4D78-856E-4AADFFA00B8C}"/>
+                </a:ext>
+              </a:extLst>
+            </p:cNvPr>
+            <p:cNvSpPr/>
+            <p:nvPr/>
+          </p:nvSpPr>
+          <p:spPr>
+            <a:xfrm>
+              <a:off x="6598800" y="3393000"/>
+              <a:ext cx="72000" cy="72000"/>
+            </a:xfrm>
+            <a:prstGeom prst="ellipse">
+              <a:avLst/>
+            </a:prstGeom>
+            <a:solidFill>
+              <a:srgbClr val="232323"/>
+            </a:solidFill>
+            <a:ln w="38100">
+              <a:solidFill>
+                <a:srgbClr val="232323"/>
+              </a:solidFill>
+            </a:ln>
+          </p:spPr>
+          <p:style>
+            <a:lnRef idx="2">
+              <a:schemeClr val="accent1">
+                <a:shade val="50000"/>
+              </a:schemeClr>
+            </a:lnRef>
+            <a:fillRef idx="1">
+              <a:schemeClr val="accent1"/>
+            </a:fillRef>
+            <a:effectRef idx="0">
+              <a:schemeClr val="accent1"/>
+            </a:effectRef>
+            <a:fontRef idx="minor">
+              <a:schemeClr val="lt1"/>
+            </a:fontRef>
+          </p:style>
+          <p:txBody>
+            <a:bodyPr rtlCol="0" anchor="ctr"/>
+            <a:lstStyle/>
+            <a:p>
+              <a:pPr algn="ctr"/>
+              <a:endParaRPr lang="de-DE">
+                <a:ln>
+                  <a:solidFill>
+                    <a:sysClr val="windowText" lastClr="000000"/>
+                  </a:solidFill>
+                </a:ln>
+              </a:endParaRPr>
+            </a:p>
+          </p:txBody>
+        </p:sp>
+      </p:grpSp>
+    </p:spTree>
+    <p:extLst>
+      <p:ext uri="{BB962C8B-B14F-4D97-AF65-F5344CB8AC3E}">
+        <p14:creationId xmlns:p14="http://schemas.microsoft.com/office/powerpoint/2010/main" val="2062274381"/>
+      </p:ext>
+    </p:extLst>
+  </p:cSld>
+  <p:clrMapOvr>
+    <a:masterClrMapping/>
+  </p:clrMapOvr>
+</p:sld>
+</file>
+
+<file path=ppt/slides/slide15.xml><?xml version="1.0" encoding="utf-8"?>
+<p:sld xmlns:a="http://schemas.openxmlformats.org/drawingml/2006/main" xmlns:r="http://schemas.openxmlformats.org/officeDocument/2006/relationships" xmlns:p="http://schemas.openxmlformats.org/presentationml/2006/main">
+  <p:cSld>
+    <p:spTree>
+      <p:nvGrpSpPr>
+        <p:cNvPr id="1" name=""/>
+        <p:cNvGrpSpPr/>
+        <p:nvPr/>
+      </p:nvGrpSpPr>
+      <p:grpSpPr>
+        <a:xfrm>
+          <a:off x="0" y="0"/>
+          <a:ext cx="0" cy="0"/>
+          <a:chOff x="0" y="0"/>
+          <a:chExt cx="0" cy="0"/>
+        </a:xfrm>
+      </p:grpSpPr>
+      <p:grpSp>
+        <p:nvGrpSpPr>
+          <p:cNvPr id="53" name="Gruppieren 52">
+            <a:extLst>
+              <a:ext uri="{FF2B5EF4-FFF2-40B4-BE49-F238E27FC236}">
+                <a16:creationId xmlns:a16="http://schemas.microsoft.com/office/drawing/2014/main" id="{5051D944-57E6-4F35-9806-6B25FD5E49B2}"/>
+              </a:ext>
+            </a:extLst>
+          </p:cNvPr>
+          <p:cNvGrpSpPr/>
+          <p:nvPr/>
+        </p:nvGrpSpPr>
+        <p:grpSpPr>
+          <a:xfrm>
+            <a:off x="4980900" y="3393000"/>
+            <a:ext cx="2230200" cy="72000"/>
+            <a:chOff x="4440600" y="3393000"/>
+            <a:chExt cx="2230200" cy="72000"/>
+          </a:xfrm>
+        </p:grpSpPr>
+        <p:cxnSp>
+          <p:nvCxnSpPr>
+            <p:cNvPr id="13" name="Gerader Verbinder 12">
+              <a:extLst>
+                <a:ext uri="{FF2B5EF4-FFF2-40B4-BE49-F238E27FC236}">
+                  <a16:creationId xmlns:a16="http://schemas.microsoft.com/office/drawing/2014/main" id="{6EB74C79-4142-48B4-8EDE-61991D82CDD6}"/>
+                </a:ext>
+              </a:extLst>
+            </p:cNvPr>
+            <p:cNvCxnSpPr>
+              <a:cxnSpLocks/>
+              <a:stCxn id="19" idx="2"/>
+              <a:endCxn id="40" idx="6"/>
+            </p:cNvCxnSpPr>
+            <p:nvPr/>
+          </p:nvCxnSpPr>
+          <p:spPr>
+            <a:xfrm flipH="1">
+              <a:off x="6238800" y="3429000"/>
+              <a:ext cx="360000" cy="0"/>
+            </a:xfrm>
+            <a:prstGeom prst="line">
+              <a:avLst/>
+            </a:prstGeom>
+            <a:solidFill>
+              <a:srgbClr val="2A82DA"/>
+            </a:solidFill>
+            <a:ln w="28575">
+              <a:solidFill>
+                <a:srgbClr val="2A82DA"/>
+              </a:solidFill>
+            </a:ln>
+          </p:spPr>
+          <p:style>
+            <a:lnRef idx="1">
+              <a:schemeClr val="accent1"/>
+            </a:lnRef>
+            <a:fillRef idx="0">
+              <a:schemeClr val="accent1"/>
+            </a:fillRef>
+            <a:effectRef idx="0">
+              <a:schemeClr val="accent1"/>
+            </a:effectRef>
+            <a:fontRef idx="minor">
+              <a:schemeClr val="tx1"/>
+            </a:fontRef>
+          </p:style>
+        </p:cxnSp>
+        <p:cxnSp>
+          <p:nvCxnSpPr>
+            <p:cNvPr id="23" name="Gerader Verbinder 22"/>
+            <p:cNvCxnSpPr>
+              <a:cxnSpLocks/>
+              <a:stCxn id="25" idx="2"/>
+              <a:endCxn id="7" idx="6"/>
+            </p:cNvCxnSpPr>
+            <p:nvPr/>
+          </p:nvCxnSpPr>
+          <p:spPr>
+            <a:xfrm flipH="1">
+              <a:off x="4512600" y="3429000"/>
+              <a:ext cx="358200" cy="0"/>
+            </a:xfrm>
+            <a:prstGeom prst="line">
+              <a:avLst/>
+            </a:prstGeom>
+            <a:solidFill>
+              <a:srgbClr val="2A82DA"/>
+            </a:solidFill>
+            <a:ln w="28575">
+              <a:solidFill>
+                <a:srgbClr val="2A82DA"/>
+              </a:solidFill>
+            </a:ln>
+          </p:spPr>
+          <p:style>
+            <a:lnRef idx="1">
+              <a:schemeClr val="accent1"/>
+            </a:lnRef>
+            <a:fillRef idx="0">
+              <a:schemeClr val="accent1"/>
+            </a:fillRef>
+            <a:effectRef idx="0">
+              <a:schemeClr val="accent1"/>
+            </a:effectRef>
+            <a:fontRef idx="minor">
+              <a:schemeClr val="tx1"/>
+            </a:fontRef>
+          </p:style>
+        </p:cxnSp>
+        <p:cxnSp>
+          <p:nvCxnSpPr>
+            <p:cNvPr id="15" name="Gerader Verbinder 14">
+              <a:extLst>
+                <a:ext uri="{FF2B5EF4-FFF2-40B4-BE49-F238E27FC236}">
+                  <a16:creationId xmlns:a16="http://schemas.microsoft.com/office/drawing/2014/main" id="{3FE5D68D-4180-44E5-B296-4BF77BC51989}"/>
+                </a:ext>
+              </a:extLst>
+            </p:cNvPr>
+            <p:cNvCxnSpPr>
+              <a:cxnSpLocks/>
+              <a:stCxn id="28" idx="2"/>
+              <a:endCxn id="25" idx="6"/>
+            </p:cNvCxnSpPr>
+            <p:nvPr/>
+          </p:nvCxnSpPr>
+          <p:spPr>
+            <a:xfrm flipH="1">
+              <a:off x="4942800" y="3429000"/>
+              <a:ext cx="360000" cy="0"/>
+            </a:xfrm>
+            <a:prstGeom prst="line">
+              <a:avLst/>
+            </a:prstGeom>
+            <a:solidFill>
+              <a:srgbClr val="2A82DA"/>
+            </a:solidFill>
+            <a:ln w="28575">
+              <a:solidFill>
+                <a:srgbClr val="2A82DA"/>
+              </a:solidFill>
+            </a:ln>
+          </p:spPr>
+          <p:style>
+            <a:lnRef idx="1">
+              <a:schemeClr val="accent1"/>
+            </a:lnRef>
+            <a:fillRef idx="0">
+              <a:schemeClr val="accent1"/>
+            </a:fillRef>
+            <a:effectRef idx="0">
+              <a:schemeClr val="accent1"/>
+            </a:effectRef>
+            <a:fontRef idx="minor">
+              <a:schemeClr val="tx1"/>
+            </a:fontRef>
+          </p:style>
+        </p:cxnSp>
+        <p:cxnSp>
+          <p:nvCxnSpPr>
+            <p:cNvPr id="16" name="Gerader Verbinder 15">
+              <a:extLst>
+                <a:ext uri="{FF2B5EF4-FFF2-40B4-BE49-F238E27FC236}">
+                  <a16:creationId xmlns:a16="http://schemas.microsoft.com/office/drawing/2014/main" id="{54B2CB90-7345-4A82-8B57-091E6BE8D471}"/>
+                </a:ext>
+              </a:extLst>
+            </p:cNvPr>
+            <p:cNvCxnSpPr>
+              <a:cxnSpLocks/>
+              <a:stCxn id="36" idx="2"/>
+              <a:endCxn id="28" idx="6"/>
+            </p:cNvCxnSpPr>
+            <p:nvPr/>
+          </p:nvCxnSpPr>
+          <p:spPr>
+            <a:xfrm flipH="1">
+              <a:off x="5374800" y="3429000"/>
+              <a:ext cx="360000" cy="0"/>
+            </a:xfrm>
+            <a:prstGeom prst="line">
+              <a:avLst/>
+            </a:prstGeom>
+            <a:solidFill>
+              <a:srgbClr val="2A82DA"/>
+            </a:solidFill>
+            <a:ln w="28575">
+              <a:solidFill>
+                <a:srgbClr val="2A82DA"/>
+              </a:solidFill>
+            </a:ln>
+          </p:spPr>
+          <p:style>
+            <a:lnRef idx="1">
+              <a:schemeClr val="accent1"/>
+            </a:lnRef>
+            <a:fillRef idx="0">
+              <a:schemeClr val="accent1"/>
+            </a:fillRef>
+            <a:effectRef idx="0">
+              <a:schemeClr val="accent1"/>
+            </a:effectRef>
+            <a:fontRef idx="minor">
+              <a:schemeClr val="tx1"/>
+            </a:fontRef>
+          </p:style>
+        </p:cxnSp>
+        <p:cxnSp>
+          <p:nvCxnSpPr>
+            <p:cNvPr id="17" name="Gerader Verbinder 16">
+              <a:extLst>
+                <a:ext uri="{FF2B5EF4-FFF2-40B4-BE49-F238E27FC236}">
+                  <a16:creationId xmlns:a16="http://schemas.microsoft.com/office/drawing/2014/main" id="{2D6E0B11-D1CC-4669-9A4E-F7537E7EE9A8}"/>
+                </a:ext>
+              </a:extLst>
+            </p:cNvPr>
+            <p:cNvCxnSpPr>
+              <a:cxnSpLocks/>
+              <a:stCxn id="40" idx="2"/>
+              <a:endCxn id="36" idx="6"/>
+            </p:cNvCxnSpPr>
+            <p:nvPr/>
+          </p:nvCxnSpPr>
+          <p:spPr>
+            <a:xfrm flipH="1">
+              <a:off x="5806800" y="3429000"/>
+              <a:ext cx="360000" cy="0"/>
+            </a:xfrm>
+            <a:prstGeom prst="line">
+              <a:avLst/>
+            </a:prstGeom>
+            <a:solidFill>
+              <a:srgbClr val="2A82DA"/>
+            </a:solidFill>
+            <a:ln w="28575">
+              <a:solidFill>
+                <a:srgbClr val="2A82DA"/>
+              </a:solidFill>
+            </a:ln>
+          </p:spPr>
+          <p:style>
+            <a:lnRef idx="1">
+              <a:schemeClr val="accent1"/>
+            </a:lnRef>
+            <a:fillRef idx="0">
+              <a:schemeClr val="accent1"/>
+            </a:fillRef>
+            <a:effectRef idx="0">
+              <a:schemeClr val="accent1"/>
+            </a:effectRef>
+            <a:fontRef idx="minor">
+              <a:schemeClr val="tx1"/>
+            </a:fontRef>
+          </p:style>
+        </p:cxnSp>
+        <p:sp>
+          <p:nvSpPr>
+            <p:cNvPr id="7" name="Ellipse 6"/>
+            <p:cNvSpPr/>
+            <p:nvPr/>
+          </p:nvSpPr>
+          <p:spPr>
+            <a:xfrm>
+              <a:off x="4440600" y="3393000"/>
+              <a:ext cx="72000" cy="72000"/>
+            </a:xfrm>
+            <a:prstGeom prst="ellipse">
+              <a:avLst/>
+            </a:prstGeom>
+            <a:solidFill>
+              <a:srgbClr val="2A82DA"/>
+            </a:solidFill>
+            <a:ln w="38100">
+              <a:solidFill>
+                <a:srgbClr val="2A82DA"/>
+              </a:solidFill>
+            </a:ln>
+          </p:spPr>
+          <p:style>
+            <a:lnRef idx="2">
+              <a:schemeClr val="accent1">
+                <a:shade val="50000"/>
+              </a:schemeClr>
+            </a:lnRef>
+            <a:fillRef idx="1">
+              <a:schemeClr val="accent1"/>
+            </a:fillRef>
+            <a:effectRef idx="0">
+              <a:schemeClr val="accent1"/>
+            </a:effectRef>
+            <a:fontRef idx="minor">
+              <a:schemeClr val="lt1"/>
+            </a:fontRef>
+          </p:style>
+          <p:txBody>
+            <a:bodyPr rtlCol="0" anchor="ctr"/>
+            <a:lstStyle/>
+            <a:p>
+              <a:pPr algn="ctr"/>
+              <a:endParaRPr lang="de-DE">
+                <a:ln>
+                  <a:solidFill>
+                    <a:sysClr val="windowText" lastClr="000000"/>
+                  </a:solidFill>
+                </a:ln>
+              </a:endParaRPr>
+            </a:p>
+          </p:txBody>
+        </p:sp>
+        <p:sp>
+          <p:nvSpPr>
+            <p:cNvPr id="25" name="Ellipse 24">
+              <a:extLst>
+                <a:ext uri="{FF2B5EF4-FFF2-40B4-BE49-F238E27FC236}">
+                  <a16:creationId xmlns:a16="http://schemas.microsoft.com/office/drawing/2014/main" id="{53C71244-523D-49A1-AA2B-AF651BE3C901}"/>
+                </a:ext>
+              </a:extLst>
+            </p:cNvPr>
+            <p:cNvSpPr/>
+            <p:nvPr/>
+          </p:nvSpPr>
+          <p:spPr>
+            <a:xfrm>
+              <a:off x="4870800" y="3393000"/>
+              <a:ext cx="72000" cy="72000"/>
+            </a:xfrm>
+            <a:prstGeom prst="ellipse">
+              <a:avLst/>
+            </a:prstGeom>
+            <a:solidFill>
+              <a:srgbClr val="2A82DA"/>
+            </a:solidFill>
+            <a:ln w="38100">
+              <a:solidFill>
+                <a:srgbClr val="2A82DA"/>
+              </a:solidFill>
+            </a:ln>
+          </p:spPr>
+          <p:style>
+            <a:lnRef idx="2">
+              <a:schemeClr val="accent1">
+                <a:shade val="50000"/>
+              </a:schemeClr>
+            </a:lnRef>
+            <a:fillRef idx="1">
+              <a:schemeClr val="accent1"/>
+            </a:fillRef>
+            <a:effectRef idx="0">
+              <a:schemeClr val="accent1"/>
+            </a:effectRef>
+            <a:fontRef idx="minor">
+              <a:schemeClr val="lt1"/>
+            </a:fontRef>
+          </p:style>
+          <p:txBody>
+            <a:bodyPr rtlCol="0" anchor="ctr"/>
+            <a:lstStyle/>
+            <a:p>
+              <a:pPr algn="ctr"/>
+              <a:endParaRPr lang="de-DE" dirty="0">
+                <a:ln>
+                  <a:solidFill>
+                    <a:sysClr val="windowText" lastClr="000000"/>
+                  </a:solidFill>
+                </a:ln>
+              </a:endParaRPr>
+            </a:p>
+          </p:txBody>
+        </p:sp>
+        <p:sp>
+          <p:nvSpPr>
+            <p:cNvPr id="28" name="Ellipse 27">
+              <a:extLst>
+                <a:ext uri="{FF2B5EF4-FFF2-40B4-BE49-F238E27FC236}">
+                  <a16:creationId xmlns:a16="http://schemas.microsoft.com/office/drawing/2014/main" id="{92ABA44F-D000-4240-A7E6-0C8D7B74E95B}"/>
+                </a:ext>
+              </a:extLst>
+            </p:cNvPr>
+            <p:cNvSpPr/>
+            <p:nvPr/>
+          </p:nvSpPr>
+          <p:spPr>
+            <a:xfrm>
+              <a:off x="5302800" y="3393000"/>
+              <a:ext cx="72000" cy="72000"/>
+            </a:xfrm>
+            <a:prstGeom prst="ellipse">
+              <a:avLst/>
+            </a:prstGeom>
+            <a:solidFill>
+              <a:srgbClr val="2A82DA"/>
+            </a:solidFill>
+            <a:ln w="38100">
+              <a:solidFill>
+                <a:srgbClr val="2A82DA"/>
+              </a:solidFill>
+            </a:ln>
+          </p:spPr>
+          <p:style>
+            <a:lnRef idx="2">
+              <a:schemeClr val="accent1">
+                <a:shade val="50000"/>
+              </a:schemeClr>
+            </a:lnRef>
+            <a:fillRef idx="1">
+              <a:schemeClr val="accent1"/>
+            </a:fillRef>
+            <a:effectRef idx="0">
+              <a:schemeClr val="accent1"/>
+            </a:effectRef>
+            <a:fontRef idx="minor">
+              <a:schemeClr val="lt1"/>
+            </a:fontRef>
+          </p:style>
+          <p:txBody>
+            <a:bodyPr rtlCol="0" anchor="ctr"/>
+            <a:lstStyle/>
+            <a:p>
+              <a:pPr algn="ctr"/>
+              <a:endParaRPr lang="de-DE">
+                <a:ln>
+                  <a:solidFill>
+                    <a:sysClr val="windowText" lastClr="000000"/>
+                  </a:solidFill>
+                </a:ln>
+              </a:endParaRPr>
+            </a:p>
+          </p:txBody>
+        </p:sp>
+        <p:sp>
+          <p:nvSpPr>
+            <p:cNvPr id="36" name="Ellipse 35">
+              <a:extLst>
+                <a:ext uri="{FF2B5EF4-FFF2-40B4-BE49-F238E27FC236}">
+                  <a16:creationId xmlns:a16="http://schemas.microsoft.com/office/drawing/2014/main" id="{6BE9A1AD-F1D4-49A6-8FBF-853ABAD3AF36}"/>
+                </a:ext>
+              </a:extLst>
+            </p:cNvPr>
+            <p:cNvSpPr/>
+            <p:nvPr/>
+          </p:nvSpPr>
+          <p:spPr>
+            <a:xfrm>
+              <a:off x="5734800" y="3393000"/>
+              <a:ext cx="72000" cy="72000"/>
+            </a:xfrm>
+            <a:prstGeom prst="ellipse">
+              <a:avLst/>
+            </a:prstGeom>
+            <a:solidFill>
+              <a:srgbClr val="2A82DA"/>
+            </a:solidFill>
+            <a:ln w="38100">
+              <a:solidFill>
+                <a:srgbClr val="2A82DA"/>
+              </a:solidFill>
+            </a:ln>
+          </p:spPr>
+          <p:style>
+            <a:lnRef idx="2">
+              <a:schemeClr val="accent1">
+                <a:shade val="50000"/>
+              </a:schemeClr>
+            </a:lnRef>
+            <a:fillRef idx="1">
+              <a:schemeClr val="accent1"/>
+            </a:fillRef>
+            <a:effectRef idx="0">
+              <a:schemeClr val="accent1"/>
+            </a:effectRef>
+            <a:fontRef idx="minor">
+              <a:schemeClr val="lt1"/>
+            </a:fontRef>
+          </p:style>
+          <p:txBody>
+            <a:bodyPr rtlCol="0" anchor="ctr"/>
+            <a:lstStyle/>
+            <a:p>
+              <a:pPr algn="ctr"/>
+              <a:endParaRPr lang="de-DE">
+                <a:ln>
+                  <a:solidFill>
+                    <a:sysClr val="windowText" lastClr="000000"/>
+                  </a:solidFill>
+                </a:ln>
+              </a:endParaRPr>
+            </a:p>
+          </p:txBody>
+        </p:sp>
+        <p:sp>
+          <p:nvSpPr>
+            <p:cNvPr id="40" name="Ellipse 39">
+              <a:extLst>
+                <a:ext uri="{FF2B5EF4-FFF2-40B4-BE49-F238E27FC236}">
+                  <a16:creationId xmlns:a16="http://schemas.microsoft.com/office/drawing/2014/main" id="{6809AB47-4D7C-43E9-A22B-561318E73EF5}"/>
+                </a:ext>
+              </a:extLst>
+            </p:cNvPr>
+            <p:cNvSpPr/>
+            <p:nvPr/>
+          </p:nvSpPr>
+          <p:spPr>
+            <a:xfrm>
+              <a:off x="6166800" y="3393000"/>
+              <a:ext cx="72000" cy="72000"/>
+            </a:xfrm>
+            <a:prstGeom prst="ellipse">
+              <a:avLst/>
+            </a:prstGeom>
+            <a:solidFill>
+              <a:srgbClr val="2A82DA"/>
+            </a:solidFill>
+            <a:ln w="38100">
+              <a:solidFill>
+                <a:srgbClr val="2A82DA"/>
+              </a:solidFill>
+            </a:ln>
+          </p:spPr>
+          <p:style>
+            <a:lnRef idx="2">
+              <a:schemeClr val="accent1">
+                <a:shade val="50000"/>
+              </a:schemeClr>
+            </a:lnRef>
+            <a:fillRef idx="1">
+              <a:schemeClr val="accent1"/>
+            </a:fillRef>
+            <a:effectRef idx="0">
+              <a:schemeClr val="accent1"/>
+            </a:effectRef>
+            <a:fontRef idx="minor">
+              <a:schemeClr val="lt1"/>
+            </a:fontRef>
+          </p:style>
+          <p:txBody>
+            <a:bodyPr rtlCol="0" anchor="ctr"/>
+            <a:lstStyle/>
+            <a:p>
+              <a:pPr algn="ctr"/>
+              <a:endParaRPr lang="de-DE">
+                <a:ln>
+                  <a:solidFill>
+                    <a:sysClr val="windowText" lastClr="000000"/>
+                  </a:solidFill>
+                </a:ln>
+              </a:endParaRPr>
+            </a:p>
+          </p:txBody>
+        </p:sp>
+        <p:sp>
+          <p:nvSpPr>
+            <p:cNvPr id="19" name="Ellipse 18">
+              <a:extLst>
+                <a:ext uri="{FF2B5EF4-FFF2-40B4-BE49-F238E27FC236}">
+                  <a16:creationId xmlns:a16="http://schemas.microsoft.com/office/drawing/2014/main" id="{C44CCA6C-62DA-4D78-856E-4AADFFA00B8C}"/>
+                </a:ext>
+              </a:extLst>
+            </p:cNvPr>
+            <p:cNvSpPr/>
+            <p:nvPr/>
+          </p:nvSpPr>
+          <p:spPr>
+            <a:xfrm>
+              <a:off x="6598800" y="3393000"/>
+              <a:ext cx="72000" cy="72000"/>
+            </a:xfrm>
+            <a:prstGeom prst="ellipse">
+              <a:avLst/>
+            </a:prstGeom>
+            <a:solidFill>
+              <a:srgbClr val="2A82DA"/>
+            </a:solidFill>
+            <a:ln w="38100">
+              <a:solidFill>
+                <a:srgbClr val="2A82DA"/>
+              </a:solidFill>
+            </a:ln>
+          </p:spPr>
+          <p:style>
+            <a:lnRef idx="2">
+              <a:schemeClr val="accent1">
+                <a:shade val="50000"/>
+              </a:schemeClr>
+            </a:lnRef>
+            <a:fillRef idx="1">
+              <a:schemeClr val="accent1"/>
+            </a:fillRef>
+            <a:effectRef idx="0">
+              <a:schemeClr val="accent1"/>
+            </a:effectRef>
+            <a:fontRef idx="minor">
+              <a:schemeClr val="lt1"/>
+            </a:fontRef>
+          </p:style>
+          <p:txBody>
+            <a:bodyPr rtlCol="0" anchor="ctr"/>
+            <a:lstStyle/>
+            <a:p>
+              <a:pPr algn="ctr"/>
+              <a:endParaRPr lang="de-DE">
+                <a:ln>
+                  <a:solidFill>
+                    <a:sysClr val="windowText" lastClr="000000"/>
+                  </a:solidFill>
+                </a:ln>
+              </a:endParaRPr>
+            </a:p>
+          </p:txBody>
+        </p:sp>
+      </p:grpSp>
+    </p:spTree>
+    <p:extLst>
+      <p:ext uri="{BB962C8B-B14F-4D97-AF65-F5344CB8AC3E}">
+        <p14:creationId xmlns:p14="http://schemas.microsoft.com/office/powerpoint/2010/main" val="166108585"/>
       </p:ext>
     </p:extLst>
   </p:cSld>
@@ -3872,11 +7043,11 @@
               <a:avLst/>
             </a:prstGeom>
             <a:solidFill>
-              <a:srgbClr val="2A82DA"/>
+              <a:srgbClr val="232323"/>
             </a:solidFill>
             <a:ln w="28575">
               <a:solidFill>
-                <a:srgbClr val="2A82DA"/>
+                <a:srgbClr val="232323"/>
               </a:solidFill>
             </a:ln>
           </p:spPr>
@@ -4114,11 +7285,11 @@
               <a:avLst/>
             </a:prstGeom>
             <a:solidFill>
-              <a:srgbClr val="2A82DA"/>
+              <a:srgbClr val="232323"/>
             </a:solidFill>
             <a:ln w="38100">
               <a:solidFill>
-                <a:srgbClr val="2A82DA"/>
+                <a:srgbClr val="232323"/>
               </a:solidFill>
             </a:ln>
           </p:spPr>
@@ -4457,7 +7628,7 @@
     </p:spTree>
     <p:extLst>
       <p:ext uri="{BB962C8B-B14F-4D97-AF65-F5344CB8AC3E}">
-        <p14:creationId xmlns:p14="http://schemas.microsoft.com/office/powerpoint/2010/main" val="175265622"/>
+        <p14:creationId xmlns:p14="http://schemas.microsoft.com/office/powerpoint/2010/main" val="2795447465"/>
       </p:ext>
     </p:extLst>
   </p:cSld>
@@ -4667,11 +7838,11 @@
               <a:avLst/>
             </a:prstGeom>
             <a:solidFill>
-              <a:srgbClr val="2A82DA"/>
+              <a:srgbClr val="232323"/>
             </a:solidFill>
             <a:ln w="28575">
               <a:solidFill>
-                <a:srgbClr val="2A82DA"/>
+                <a:srgbClr val="232323"/>
               </a:solidFill>
             </a:ln>
           </p:spPr>
@@ -4921,11 +8092,11 @@
               <a:avLst/>
             </a:prstGeom>
             <a:solidFill>
-              <a:srgbClr val="2A82DA"/>
+              <a:srgbClr val="232323"/>
             </a:solidFill>
             <a:ln w="38100">
               <a:solidFill>
-                <a:srgbClr val="2A82DA"/>
+                <a:srgbClr val="232323"/>
               </a:solidFill>
             </a:ln>
           </p:spPr>
@@ -5204,7 +8375,7 @@
     </p:spTree>
     <p:extLst>
       <p:ext uri="{BB962C8B-B14F-4D97-AF65-F5344CB8AC3E}">
-        <p14:creationId xmlns:p14="http://schemas.microsoft.com/office/powerpoint/2010/main" val="2801816597"/>
+        <p14:creationId xmlns:p14="http://schemas.microsoft.com/office/powerpoint/2010/main" val="175265622"/>
       </p:ext>
     </p:extLst>
   </p:cSld>
@@ -5462,11 +8633,11 @@
               <a:avLst/>
             </a:prstGeom>
             <a:solidFill>
-              <a:srgbClr val="2A82DA"/>
+              <a:srgbClr val="232323"/>
             </a:solidFill>
             <a:ln w="28575">
               <a:solidFill>
-                <a:srgbClr val="2A82DA"/>
+                <a:srgbClr val="232323"/>
               </a:solidFill>
             </a:ln>
           </p:spPr>
@@ -5728,11 +8899,11 @@
               <a:avLst/>
             </a:prstGeom>
             <a:solidFill>
-              <a:srgbClr val="2A82DA"/>
+              <a:srgbClr val="232323"/>
             </a:solidFill>
             <a:ln w="38100">
               <a:solidFill>
-                <a:srgbClr val="2A82DA"/>
+                <a:srgbClr val="232323"/>
               </a:solidFill>
             </a:ln>
           </p:spPr>
@@ -5951,7 +9122,7 @@
     </p:spTree>
     <p:extLst>
       <p:ext uri="{BB962C8B-B14F-4D97-AF65-F5344CB8AC3E}">
-        <p14:creationId xmlns:p14="http://schemas.microsoft.com/office/powerpoint/2010/main" val="2561281068"/>
+        <p14:creationId xmlns:p14="http://schemas.microsoft.com/office/powerpoint/2010/main" val="2801816597"/>
       </p:ext>
     </p:extLst>
   </p:cSld>
@@ -6257,11 +9428,11 @@
               <a:avLst/>
             </a:prstGeom>
             <a:solidFill>
-              <a:srgbClr val="2A82DA"/>
+              <a:srgbClr val="232323"/>
             </a:solidFill>
             <a:ln w="28575">
               <a:solidFill>
-                <a:srgbClr val="2A82DA"/>
+                <a:srgbClr val="232323"/>
               </a:solidFill>
             </a:ln>
           </p:spPr>
@@ -6535,11 +9706,11 @@
               <a:avLst/>
             </a:prstGeom>
             <a:solidFill>
-              <a:srgbClr val="2A82DA"/>
+              <a:srgbClr val="232323"/>
             </a:solidFill>
             <a:ln w="38100">
               <a:solidFill>
-                <a:srgbClr val="2A82DA"/>
+                <a:srgbClr val="232323"/>
               </a:solidFill>
             </a:ln>
           </p:spPr>
@@ -6698,7 +9869,7 @@
     </p:spTree>
     <p:extLst>
       <p:ext uri="{BB962C8B-B14F-4D97-AF65-F5344CB8AC3E}">
-        <p14:creationId xmlns:p14="http://schemas.microsoft.com/office/powerpoint/2010/main" val="4247662405"/>
+        <p14:creationId xmlns:p14="http://schemas.microsoft.com/office/powerpoint/2010/main" val="2561281068"/>
       </p:ext>
     </p:extLst>
   </p:cSld>
@@ -6770,11 +9941,11 @@
               <a:avLst/>
             </a:prstGeom>
             <a:solidFill>
-              <a:srgbClr val="2A82DA"/>
+              <a:srgbClr val="232323"/>
             </a:solidFill>
             <a:ln w="28575">
               <a:solidFill>
-                <a:srgbClr val="2A82DA"/>
+                <a:srgbClr val="232323"/>
               </a:solidFill>
             </a:ln>
           </p:spPr>
@@ -7342,11 +10513,11 @@
               <a:avLst/>
             </a:prstGeom>
             <a:solidFill>
-              <a:srgbClr val="2A82DA"/>
+              <a:srgbClr val="232323"/>
             </a:solidFill>
             <a:ln w="38100">
               <a:solidFill>
-                <a:srgbClr val="2A82DA"/>
+                <a:srgbClr val="232323"/>
               </a:solidFill>
             </a:ln>
           </p:spPr>
@@ -7445,7 +10616,7 @@
     </p:spTree>
     <p:extLst>
       <p:ext uri="{BB962C8B-B14F-4D97-AF65-F5344CB8AC3E}">
-        <p14:creationId xmlns:p14="http://schemas.microsoft.com/office/powerpoint/2010/main" val="2273263259"/>
+        <p14:creationId xmlns:p14="http://schemas.microsoft.com/office/powerpoint/2010/main" val="4247662405"/>
       </p:ext>
     </p:extLst>
   </p:cSld>
@@ -7491,6 +10662,753 @@
             <a:chOff x="4440600" y="3393000"/>
             <a:chExt cx="2662200" cy="72000"/>
           </a:xfrm>
+        </p:grpSpPr>
+        <p:cxnSp>
+          <p:nvCxnSpPr>
+            <p:cNvPr id="13" name="Gerader Verbinder 12">
+              <a:extLst>
+                <a:ext uri="{FF2B5EF4-FFF2-40B4-BE49-F238E27FC236}">
+                  <a16:creationId xmlns:a16="http://schemas.microsoft.com/office/drawing/2014/main" id="{6EB74C79-4142-48B4-8EDE-61991D82CDD6}"/>
+                </a:ext>
+              </a:extLst>
+            </p:cNvPr>
+            <p:cNvCxnSpPr>
+              <a:cxnSpLocks/>
+              <a:stCxn id="19" idx="2"/>
+              <a:endCxn id="40" idx="6"/>
+            </p:cNvCxnSpPr>
+            <p:nvPr/>
+          </p:nvCxnSpPr>
+          <p:spPr>
+            <a:xfrm flipH="1">
+              <a:off x="6238800" y="3429000"/>
+              <a:ext cx="360000" cy="0"/>
+            </a:xfrm>
+            <a:prstGeom prst="line">
+              <a:avLst/>
+            </a:prstGeom>
+            <a:solidFill>
+              <a:srgbClr val="2A82DA"/>
+            </a:solidFill>
+            <a:ln w="28575">
+              <a:solidFill>
+                <a:srgbClr val="2A82DA"/>
+              </a:solidFill>
+            </a:ln>
+          </p:spPr>
+          <p:style>
+            <a:lnRef idx="1">
+              <a:schemeClr val="accent1"/>
+            </a:lnRef>
+            <a:fillRef idx="0">
+              <a:schemeClr val="accent1"/>
+            </a:fillRef>
+            <a:effectRef idx="0">
+              <a:schemeClr val="accent1"/>
+            </a:effectRef>
+            <a:fontRef idx="minor">
+              <a:schemeClr val="tx1"/>
+            </a:fontRef>
+          </p:style>
+        </p:cxnSp>
+        <p:cxnSp>
+          <p:nvCxnSpPr>
+            <p:cNvPr id="18" name="Gerader Verbinder 17">
+              <a:extLst>
+                <a:ext uri="{FF2B5EF4-FFF2-40B4-BE49-F238E27FC236}">
+                  <a16:creationId xmlns:a16="http://schemas.microsoft.com/office/drawing/2014/main" id="{FA48D157-0DD1-4567-94B0-0AB4868E119F}"/>
+                </a:ext>
+              </a:extLst>
+            </p:cNvPr>
+            <p:cNvCxnSpPr>
+              <a:cxnSpLocks/>
+              <a:stCxn id="20" idx="2"/>
+              <a:endCxn id="19" idx="6"/>
+            </p:cNvCxnSpPr>
+            <p:nvPr/>
+          </p:nvCxnSpPr>
+          <p:spPr>
+            <a:xfrm flipH="1">
+              <a:off x="6670800" y="3429000"/>
+              <a:ext cx="360000" cy="0"/>
+            </a:xfrm>
+            <a:prstGeom prst="line">
+              <a:avLst/>
+            </a:prstGeom>
+            <a:solidFill>
+              <a:srgbClr val="232323"/>
+            </a:solidFill>
+            <a:ln w="28575">
+              <a:solidFill>
+                <a:srgbClr val="232323"/>
+              </a:solidFill>
+            </a:ln>
+          </p:spPr>
+          <p:style>
+            <a:lnRef idx="1">
+              <a:schemeClr val="accent1"/>
+            </a:lnRef>
+            <a:fillRef idx="0">
+              <a:schemeClr val="accent1"/>
+            </a:fillRef>
+            <a:effectRef idx="0">
+              <a:schemeClr val="accent1"/>
+            </a:effectRef>
+            <a:fontRef idx="minor">
+              <a:schemeClr val="tx1"/>
+            </a:fontRef>
+          </p:style>
+        </p:cxnSp>
+        <p:cxnSp>
+          <p:nvCxnSpPr>
+            <p:cNvPr id="23" name="Gerader Verbinder 22"/>
+            <p:cNvCxnSpPr>
+              <a:cxnSpLocks/>
+              <a:stCxn id="25" idx="2"/>
+              <a:endCxn id="7" idx="6"/>
+            </p:cNvCxnSpPr>
+            <p:nvPr/>
+          </p:nvCxnSpPr>
+          <p:spPr>
+            <a:xfrm flipH="1">
+              <a:off x="4512600" y="3429000"/>
+              <a:ext cx="358200" cy="0"/>
+            </a:xfrm>
+            <a:prstGeom prst="line">
+              <a:avLst/>
+            </a:prstGeom>
+            <a:solidFill>
+              <a:srgbClr val="2A82DA"/>
+            </a:solidFill>
+            <a:ln w="28575">
+              <a:solidFill>
+                <a:srgbClr val="2A82DA"/>
+              </a:solidFill>
+            </a:ln>
+          </p:spPr>
+          <p:style>
+            <a:lnRef idx="1">
+              <a:schemeClr val="accent1"/>
+            </a:lnRef>
+            <a:fillRef idx="0">
+              <a:schemeClr val="accent1"/>
+            </a:fillRef>
+            <a:effectRef idx="0">
+              <a:schemeClr val="accent1"/>
+            </a:effectRef>
+            <a:fontRef idx="minor">
+              <a:schemeClr val="tx1"/>
+            </a:fontRef>
+          </p:style>
+        </p:cxnSp>
+        <p:cxnSp>
+          <p:nvCxnSpPr>
+            <p:cNvPr id="15" name="Gerader Verbinder 14">
+              <a:extLst>
+                <a:ext uri="{FF2B5EF4-FFF2-40B4-BE49-F238E27FC236}">
+                  <a16:creationId xmlns:a16="http://schemas.microsoft.com/office/drawing/2014/main" id="{3FE5D68D-4180-44E5-B296-4BF77BC51989}"/>
+                </a:ext>
+              </a:extLst>
+            </p:cNvPr>
+            <p:cNvCxnSpPr>
+              <a:cxnSpLocks/>
+              <a:stCxn id="28" idx="2"/>
+              <a:endCxn id="25" idx="6"/>
+            </p:cNvCxnSpPr>
+            <p:nvPr/>
+          </p:nvCxnSpPr>
+          <p:spPr>
+            <a:xfrm flipH="1">
+              <a:off x="4942800" y="3429000"/>
+              <a:ext cx="360000" cy="0"/>
+            </a:xfrm>
+            <a:prstGeom prst="line">
+              <a:avLst/>
+            </a:prstGeom>
+            <a:solidFill>
+              <a:srgbClr val="2A82DA"/>
+            </a:solidFill>
+            <a:ln w="28575">
+              <a:solidFill>
+                <a:srgbClr val="2A82DA"/>
+              </a:solidFill>
+            </a:ln>
+          </p:spPr>
+          <p:style>
+            <a:lnRef idx="1">
+              <a:schemeClr val="accent1"/>
+            </a:lnRef>
+            <a:fillRef idx="0">
+              <a:schemeClr val="accent1"/>
+            </a:fillRef>
+            <a:effectRef idx="0">
+              <a:schemeClr val="accent1"/>
+            </a:effectRef>
+            <a:fontRef idx="minor">
+              <a:schemeClr val="tx1"/>
+            </a:fontRef>
+          </p:style>
+        </p:cxnSp>
+        <p:cxnSp>
+          <p:nvCxnSpPr>
+            <p:cNvPr id="16" name="Gerader Verbinder 15">
+              <a:extLst>
+                <a:ext uri="{FF2B5EF4-FFF2-40B4-BE49-F238E27FC236}">
+                  <a16:creationId xmlns:a16="http://schemas.microsoft.com/office/drawing/2014/main" id="{54B2CB90-7345-4A82-8B57-091E6BE8D471}"/>
+                </a:ext>
+              </a:extLst>
+            </p:cNvPr>
+            <p:cNvCxnSpPr>
+              <a:cxnSpLocks/>
+              <a:stCxn id="36" idx="2"/>
+              <a:endCxn id="28" idx="6"/>
+            </p:cNvCxnSpPr>
+            <p:nvPr/>
+          </p:nvCxnSpPr>
+          <p:spPr>
+            <a:xfrm flipH="1">
+              <a:off x="5374800" y="3429000"/>
+              <a:ext cx="360000" cy="0"/>
+            </a:xfrm>
+            <a:prstGeom prst="line">
+              <a:avLst/>
+            </a:prstGeom>
+            <a:solidFill>
+              <a:srgbClr val="2A82DA"/>
+            </a:solidFill>
+            <a:ln w="28575">
+              <a:solidFill>
+                <a:srgbClr val="2A82DA"/>
+              </a:solidFill>
+            </a:ln>
+          </p:spPr>
+          <p:style>
+            <a:lnRef idx="1">
+              <a:schemeClr val="accent1"/>
+            </a:lnRef>
+            <a:fillRef idx="0">
+              <a:schemeClr val="accent1"/>
+            </a:fillRef>
+            <a:effectRef idx="0">
+              <a:schemeClr val="accent1"/>
+            </a:effectRef>
+            <a:fontRef idx="minor">
+              <a:schemeClr val="tx1"/>
+            </a:fontRef>
+          </p:style>
+        </p:cxnSp>
+        <p:cxnSp>
+          <p:nvCxnSpPr>
+            <p:cNvPr id="17" name="Gerader Verbinder 16">
+              <a:extLst>
+                <a:ext uri="{FF2B5EF4-FFF2-40B4-BE49-F238E27FC236}">
+                  <a16:creationId xmlns:a16="http://schemas.microsoft.com/office/drawing/2014/main" id="{2D6E0B11-D1CC-4669-9A4E-F7537E7EE9A8}"/>
+                </a:ext>
+              </a:extLst>
+            </p:cNvPr>
+            <p:cNvCxnSpPr>
+              <a:cxnSpLocks/>
+              <a:stCxn id="40" idx="2"/>
+              <a:endCxn id="36" idx="6"/>
+            </p:cNvCxnSpPr>
+            <p:nvPr/>
+          </p:nvCxnSpPr>
+          <p:spPr>
+            <a:xfrm flipH="1">
+              <a:off x="5806800" y="3429000"/>
+              <a:ext cx="360000" cy="0"/>
+            </a:xfrm>
+            <a:prstGeom prst="line">
+              <a:avLst/>
+            </a:prstGeom>
+            <a:solidFill>
+              <a:srgbClr val="2A82DA"/>
+            </a:solidFill>
+            <a:ln w="28575">
+              <a:solidFill>
+                <a:srgbClr val="2A82DA"/>
+              </a:solidFill>
+            </a:ln>
+          </p:spPr>
+          <p:style>
+            <a:lnRef idx="1">
+              <a:schemeClr val="accent1"/>
+            </a:lnRef>
+            <a:fillRef idx="0">
+              <a:schemeClr val="accent1"/>
+            </a:fillRef>
+            <a:effectRef idx="0">
+              <a:schemeClr val="accent1"/>
+            </a:effectRef>
+            <a:fontRef idx="minor">
+              <a:schemeClr val="tx1"/>
+            </a:fontRef>
+          </p:style>
+        </p:cxnSp>
+        <p:sp>
+          <p:nvSpPr>
+            <p:cNvPr id="7" name="Ellipse 6"/>
+            <p:cNvSpPr/>
+            <p:nvPr/>
+          </p:nvSpPr>
+          <p:spPr>
+            <a:xfrm>
+              <a:off x="4440600" y="3393000"/>
+              <a:ext cx="72000" cy="72000"/>
+            </a:xfrm>
+            <a:prstGeom prst="ellipse">
+              <a:avLst/>
+            </a:prstGeom>
+            <a:solidFill>
+              <a:srgbClr val="2A82DA"/>
+            </a:solidFill>
+            <a:ln w="38100">
+              <a:solidFill>
+                <a:srgbClr val="2A82DA"/>
+              </a:solidFill>
+            </a:ln>
+          </p:spPr>
+          <p:style>
+            <a:lnRef idx="2">
+              <a:schemeClr val="accent1">
+                <a:shade val="50000"/>
+              </a:schemeClr>
+            </a:lnRef>
+            <a:fillRef idx="1">
+              <a:schemeClr val="accent1"/>
+            </a:fillRef>
+            <a:effectRef idx="0">
+              <a:schemeClr val="accent1"/>
+            </a:effectRef>
+            <a:fontRef idx="minor">
+              <a:schemeClr val="lt1"/>
+            </a:fontRef>
+          </p:style>
+          <p:txBody>
+            <a:bodyPr rtlCol="0" anchor="ctr"/>
+            <a:lstStyle/>
+            <a:p>
+              <a:pPr algn="ctr"/>
+              <a:endParaRPr lang="de-DE">
+                <a:ln>
+                  <a:solidFill>
+                    <a:sysClr val="windowText" lastClr="000000"/>
+                  </a:solidFill>
+                </a:ln>
+              </a:endParaRPr>
+            </a:p>
+          </p:txBody>
+        </p:sp>
+        <p:sp>
+          <p:nvSpPr>
+            <p:cNvPr id="25" name="Ellipse 24">
+              <a:extLst>
+                <a:ext uri="{FF2B5EF4-FFF2-40B4-BE49-F238E27FC236}">
+                  <a16:creationId xmlns:a16="http://schemas.microsoft.com/office/drawing/2014/main" id="{53C71244-523D-49A1-AA2B-AF651BE3C901}"/>
+                </a:ext>
+              </a:extLst>
+            </p:cNvPr>
+            <p:cNvSpPr/>
+            <p:nvPr/>
+          </p:nvSpPr>
+          <p:spPr>
+            <a:xfrm>
+              <a:off x="4870800" y="3393000"/>
+              <a:ext cx="72000" cy="72000"/>
+            </a:xfrm>
+            <a:prstGeom prst="ellipse">
+              <a:avLst/>
+            </a:prstGeom>
+            <a:solidFill>
+              <a:srgbClr val="2A82DA"/>
+            </a:solidFill>
+            <a:ln w="38100">
+              <a:solidFill>
+                <a:srgbClr val="2A82DA"/>
+              </a:solidFill>
+            </a:ln>
+          </p:spPr>
+          <p:style>
+            <a:lnRef idx="2">
+              <a:schemeClr val="accent1">
+                <a:shade val="50000"/>
+              </a:schemeClr>
+            </a:lnRef>
+            <a:fillRef idx="1">
+              <a:schemeClr val="accent1"/>
+            </a:fillRef>
+            <a:effectRef idx="0">
+              <a:schemeClr val="accent1"/>
+            </a:effectRef>
+            <a:fontRef idx="minor">
+              <a:schemeClr val="lt1"/>
+            </a:fontRef>
+          </p:style>
+          <p:txBody>
+            <a:bodyPr rtlCol="0" anchor="ctr"/>
+            <a:lstStyle/>
+            <a:p>
+              <a:pPr algn="ctr"/>
+              <a:endParaRPr lang="de-DE" dirty="0">
+                <a:ln>
+                  <a:solidFill>
+                    <a:sysClr val="windowText" lastClr="000000"/>
+                  </a:solidFill>
+                </a:ln>
+              </a:endParaRPr>
+            </a:p>
+          </p:txBody>
+        </p:sp>
+        <p:sp>
+          <p:nvSpPr>
+            <p:cNvPr id="28" name="Ellipse 27">
+              <a:extLst>
+                <a:ext uri="{FF2B5EF4-FFF2-40B4-BE49-F238E27FC236}">
+                  <a16:creationId xmlns:a16="http://schemas.microsoft.com/office/drawing/2014/main" id="{92ABA44F-D000-4240-A7E6-0C8D7B74E95B}"/>
+                </a:ext>
+              </a:extLst>
+            </p:cNvPr>
+            <p:cNvSpPr/>
+            <p:nvPr/>
+          </p:nvSpPr>
+          <p:spPr>
+            <a:xfrm>
+              <a:off x="5302800" y="3393000"/>
+              <a:ext cx="72000" cy="72000"/>
+            </a:xfrm>
+            <a:prstGeom prst="ellipse">
+              <a:avLst/>
+            </a:prstGeom>
+            <a:solidFill>
+              <a:srgbClr val="2A82DA"/>
+            </a:solidFill>
+            <a:ln w="38100">
+              <a:solidFill>
+                <a:srgbClr val="2A82DA"/>
+              </a:solidFill>
+            </a:ln>
+          </p:spPr>
+          <p:style>
+            <a:lnRef idx="2">
+              <a:schemeClr val="accent1">
+                <a:shade val="50000"/>
+              </a:schemeClr>
+            </a:lnRef>
+            <a:fillRef idx="1">
+              <a:schemeClr val="accent1"/>
+            </a:fillRef>
+            <a:effectRef idx="0">
+              <a:schemeClr val="accent1"/>
+            </a:effectRef>
+            <a:fontRef idx="minor">
+              <a:schemeClr val="lt1"/>
+            </a:fontRef>
+          </p:style>
+          <p:txBody>
+            <a:bodyPr rtlCol="0" anchor="ctr"/>
+            <a:lstStyle/>
+            <a:p>
+              <a:pPr algn="ctr"/>
+              <a:endParaRPr lang="de-DE">
+                <a:ln>
+                  <a:solidFill>
+                    <a:sysClr val="windowText" lastClr="000000"/>
+                  </a:solidFill>
+                </a:ln>
+              </a:endParaRPr>
+            </a:p>
+          </p:txBody>
+        </p:sp>
+        <p:sp>
+          <p:nvSpPr>
+            <p:cNvPr id="36" name="Ellipse 35">
+              <a:extLst>
+                <a:ext uri="{FF2B5EF4-FFF2-40B4-BE49-F238E27FC236}">
+                  <a16:creationId xmlns:a16="http://schemas.microsoft.com/office/drawing/2014/main" id="{6BE9A1AD-F1D4-49A6-8FBF-853ABAD3AF36}"/>
+                </a:ext>
+              </a:extLst>
+            </p:cNvPr>
+            <p:cNvSpPr/>
+            <p:nvPr/>
+          </p:nvSpPr>
+          <p:spPr>
+            <a:xfrm>
+              <a:off x="5734800" y="3393000"/>
+              <a:ext cx="72000" cy="72000"/>
+            </a:xfrm>
+            <a:prstGeom prst="ellipse">
+              <a:avLst/>
+            </a:prstGeom>
+            <a:solidFill>
+              <a:srgbClr val="2A82DA"/>
+            </a:solidFill>
+            <a:ln w="38100">
+              <a:solidFill>
+                <a:srgbClr val="2A82DA"/>
+              </a:solidFill>
+            </a:ln>
+          </p:spPr>
+          <p:style>
+            <a:lnRef idx="2">
+              <a:schemeClr val="accent1">
+                <a:shade val="50000"/>
+              </a:schemeClr>
+            </a:lnRef>
+            <a:fillRef idx="1">
+              <a:schemeClr val="accent1"/>
+            </a:fillRef>
+            <a:effectRef idx="0">
+              <a:schemeClr val="accent1"/>
+            </a:effectRef>
+            <a:fontRef idx="minor">
+              <a:schemeClr val="lt1"/>
+            </a:fontRef>
+          </p:style>
+          <p:txBody>
+            <a:bodyPr rtlCol="0" anchor="ctr"/>
+            <a:lstStyle/>
+            <a:p>
+              <a:pPr algn="ctr"/>
+              <a:endParaRPr lang="de-DE">
+                <a:ln>
+                  <a:solidFill>
+                    <a:sysClr val="windowText" lastClr="000000"/>
+                  </a:solidFill>
+                </a:ln>
+              </a:endParaRPr>
+            </a:p>
+          </p:txBody>
+        </p:sp>
+        <p:sp>
+          <p:nvSpPr>
+            <p:cNvPr id="40" name="Ellipse 39">
+              <a:extLst>
+                <a:ext uri="{FF2B5EF4-FFF2-40B4-BE49-F238E27FC236}">
+                  <a16:creationId xmlns:a16="http://schemas.microsoft.com/office/drawing/2014/main" id="{6809AB47-4D7C-43E9-A22B-561318E73EF5}"/>
+                </a:ext>
+              </a:extLst>
+            </p:cNvPr>
+            <p:cNvSpPr/>
+            <p:nvPr/>
+          </p:nvSpPr>
+          <p:spPr>
+            <a:xfrm>
+              <a:off x="6166800" y="3393000"/>
+              <a:ext cx="72000" cy="72000"/>
+            </a:xfrm>
+            <a:prstGeom prst="ellipse">
+              <a:avLst/>
+            </a:prstGeom>
+            <a:solidFill>
+              <a:srgbClr val="2A82DA"/>
+            </a:solidFill>
+            <a:ln w="38100">
+              <a:solidFill>
+                <a:srgbClr val="2A82DA"/>
+              </a:solidFill>
+            </a:ln>
+          </p:spPr>
+          <p:style>
+            <a:lnRef idx="2">
+              <a:schemeClr val="accent1">
+                <a:shade val="50000"/>
+              </a:schemeClr>
+            </a:lnRef>
+            <a:fillRef idx="1">
+              <a:schemeClr val="accent1"/>
+            </a:fillRef>
+            <a:effectRef idx="0">
+              <a:schemeClr val="accent1"/>
+            </a:effectRef>
+            <a:fontRef idx="minor">
+              <a:schemeClr val="lt1"/>
+            </a:fontRef>
+          </p:style>
+          <p:txBody>
+            <a:bodyPr rtlCol="0" anchor="ctr"/>
+            <a:lstStyle/>
+            <a:p>
+              <a:pPr algn="ctr"/>
+              <a:endParaRPr lang="de-DE">
+                <a:ln>
+                  <a:solidFill>
+                    <a:sysClr val="windowText" lastClr="000000"/>
+                  </a:solidFill>
+                </a:ln>
+              </a:endParaRPr>
+            </a:p>
+          </p:txBody>
+        </p:sp>
+        <p:sp>
+          <p:nvSpPr>
+            <p:cNvPr id="19" name="Ellipse 18">
+              <a:extLst>
+                <a:ext uri="{FF2B5EF4-FFF2-40B4-BE49-F238E27FC236}">
+                  <a16:creationId xmlns:a16="http://schemas.microsoft.com/office/drawing/2014/main" id="{C44CCA6C-62DA-4D78-856E-4AADFFA00B8C}"/>
+                </a:ext>
+              </a:extLst>
+            </p:cNvPr>
+            <p:cNvSpPr/>
+            <p:nvPr/>
+          </p:nvSpPr>
+          <p:spPr>
+            <a:xfrm>
+              <a:off x="6598800" y="3393000"/>
+              <a:ext cx="72000" cy="72000"/>
+            </a:xfrm>
+            <a:prstGeom prst="ellipse">
+              <a:avLst/>
+            </a:prstGeom>
+            <a:solidFill>
+              <a:srgbClr val="2A82DA"/>
+            </a:solidFill>
+            <a:ln w="38100">
+              <a:solidFill>
+                <a:srgbClr val="2A82DA"/>
+              </a:solidFill>
+            </a:ln>
+          </p:spPr>
+          <p:style>
+            <a:lnRef idx="2">
+              <a:schemeClr val="accent1">
+                <a:shade val="50000"/>
+              </a:schemeClr>
+            </a:lnRef>
+            <a:fillRef idx="1">
+              <a:schemeClr val="accent1"/>
+            </a:fillRef>
+            <a:effectRef idx="0">
+              <a:schemeClr val="accent1"/>
+            </a:effectRef>
+            <a:fontRef idx="minor">
+              <a:schemeClr val="lt1"/>
+            </a:fontRef>
+          </p:style>
+          <p:txBody>
+            <a:bodyPr rtlCol="0" anchor="ctr"/>
+            <a:lstStyle/>
+            <a:p>
+              <a:pPr algn="ctr"/>
+              <a:endParaRPr lang="de-DE">
+                <a:ln>
+                  <a:solidFill>
+                    <a:sysClr val="windowText" lastClr="000000"/>
+                  </a:solidFill>
+                </a:ln>
+              </a:endParaRPr>
+            </a:p>
+          </p:txBody>
+        </p:sp>
+        <p:sp>
+          <p:nvSpPr>
+            <p:cNvPr id="20" name="Ellipse 19">
+              <a:extLst>
+                <a:ext uri="{FF2B5EF4-FFF2-40B4-BE49-F238E27FC236}">
+                  <a16:creationId xmlns:a16="http://schemas.microsoft.com/office/drawing/2014/main" id="{39CD0E17-B7FA-438B-BD86-4CE0DD3D8341}"/>
+                </a:ext>
+              </a:extLst>
+            </p:cNvPr>
+            <p:cNvSpPr/>
+            <p:nvPr/>
+          </p:nvSpPr>
+          <p:spPr>
+            <a:xfrm>
+              <a:off x="7030800" y="3393000"/>
+              <a:ext cx="72000" cy="72000"/>
+            </a:xfrm>
+            <a:prstGeom prst="ellipse">
+              <a:avLst/>
+            </a:prstGeom>
+            <a:solidFill>
+              <a:srgbClr val="232323"/>
+            </a:solidFill>
+            <a:ln w="38100">
+              <a:solidFill>
+                <a:srgbClr val="232323"/>
+              </a:solidFill>
+            </a:ln>
+          </p:spPr>
+          <p:style>
+            <a:lnRef idx="2">
+              <a:schemeClr val="accent1">
+                <a:shade val="50000"/>
+              </a:schemeClr>
+            </a:lnRef>
+            <a:fillRef idx="1">
+              <a:schemeClr val="accent1"/>
+            </a:fillRef>
+            <a:effectRef idx="0">
+              <a:schemeClr val="accent1"/>
+            </a:effectRef>
+            <a:fontRef idx="minor">
+              <a:schemeClr val="lt1"/>
+            </a:fontRef>
+          </p:style>
+          <p:txBody>
+            <a:bodyPr rtlCol="0" anchor="ctr"/>
+            <a:lstStyle/>
+            <a:p>
+              <a:pPr algn="ctr"/>
+              <a:endParaRPr lang="de-DE">
+                <a:ln>
+                  <a:solidFill>
+                    <a:sysClr val="windowText" lastClr="000000"/>
+                  </a:solidFill>
+                </a:ln>
+              </a:endParaRPr>
+            </a:p>
+          </p:txBody>
+        </p:sp>
+      </p:grpSp>
+    </p:spTree>
+    <p:extLst>
+      <p:ext uri="{BB962C8B-B14F-4D97-AF65-F5344CB8AC3E}">
+        <p14:creationId xmlns:p14="http://schemas.microsoft.com/office/powerpoint/2010/main" val="2273263259"/>
+      </p:ext>
+    </p:extLst>
+  </p:cSld>
+  <p:clrMapOvr>
+    <a:masterClrMapping/>
+  </p:clrMapOvr>
+</p:sld>
+</file>
+
+<file path=ppt/slides/slide8.xml><?xml version="1.0" encoding="utf-8"?>
+<p:sld xmlns:a="http://schemas.openxmlformats.org/drawingml/2006/main" xmlns:r="http://schemas.openxmlformats.org/officeDocument/2006/relationships" xmlns:p="http://schemas.openxmlformats.org/presentationml/2006/main">
+  <p:cSld>
+    <p:spTree>
+      <p:nvGrpSpPr>
+        <p:cNvPr id="1" name=""/>
+        <p:cNvGrpSpPr/>
+        <p:nvPr/>
+      </p:nvGrpSpPr>
+      <p:grpSpPr>
+        <a:xfrm>
+          <a:off x="0" y="0"/>
+          <a:ext cx="0" cy="0"/>
+          <a:chOff x="0" y="0"/>
+          <a:chExt cx="0" cy="0"/>
+        </a:xfrm>
+      </p:grpSpPr>
+      <p:grpSp>
+        <p:nvGrpSpPr>
+          <p:cNvPr id="53" name="Gruppieren 52">
+            <a:extLst>
+              <a:ext uri="{FF2B5EF4-FFF2-40B4-BE49-F238E27FC236}">
+                <a16:creationId xmlns:a16="http://schemas.microsoft.com/office/drawing/2014/main" id="{5051D944-57E6-4F35-9806-6B25FD5E49B2}"/>
+              </a:ext>
+            </a:extLst>
+          </p:cNvPr>
+          <p:cNvGrpSpPr/>
+          <p:nvPr/>
+        </p:nvGrpSpPr>
+        <p:grpSpPr>
+          <a:xfrm>
+            <a:off x="4764900" y="3393000"/>
+            <a:ext cx="2662200" cy="72000"/>
+            <a:chOff x="4440600" y="3393000"/>
+            <a:chExt cx="2662200" cy="72000"/>
+          </a:xfrm>
           <a:solidFill>
             <a:srgbClr val="2A82DA"/>
           </a:solidFill>
@@ -8170,6 +12088,63 @@
     <p:extLst>
       <p:ext uri="{BB962C8B-B14F-4D97-AF65-F5344CB8AC3E}">
         <p14:creationId xmlns:p14="http://schemas.microsoft.com/office/powerpoint/2010/main" val="2830860721"/>
+      </p:ext>
+    </p:extLst>
+  </p:cSld>
+  <p:clrMapOvr>
+    <a:masterClrMapping/>
+  </p:clrMapOvr>
+</p:sld>
+</file>
+
+<file path=ppt/slides/slide9.xml><?xml version="1.0" encoding="utf-8"?>
+<p:sld xmlns:a="http://schemas.openxmlformats.org/drawingml/2006/main" xmlns:r="http://schemas.openxmlformats.org/officeDocument/2006/relationships" xmlns:p="http://schemas.openxmlformats.org/presentationml/2006/main">
+  <p:cSld>
+    <p:spTree>
+      <p:nvGrpSpPr>
+        <p:cNvPr id="1" name=""/>
+        <p:cNvGrpSpPr/>
+        <p:nvPr/>
+      </p:nvGrpSpPr>
+      <p:grpSpPr>
+        <a:xfrm>
+          <a:off x="0" y="0"/>
+          <a:ext cx="0" cy="0"/>
+          <a:chOff x="0" y="0"/>
+          <a:chExt cx="0" cy="0"/>
+        </a:xfrm>
+      </p:grpSpPr>
+      <p:sp>
+        <p:nvSpPr>
+          <p:cNvPr id="2" name="Titel 1"/>
+          <p:cNvSpPr>
+            <a:spLocks noGrp="1"/>
+          </p:cNvSpPr>
+          <p:nvPr>
+            <p:ph type="title"/>
+          </p:nvPr>
+        </p:nvSpPr>
+        <p:spPr/>
+        <p:txBody>
+          <a:bodyPr/>
+          <a:lstStyle/>
+          <a:p>
+            <a:r>
+              <a:rPr lang="de-DE" dirty="0" smtClean="0"/>
+              <a:t>6 </a:t>
+            </a:r>
+            <a:r>
+              <a:rPr lang="de-DE" dirty="0" err="1" smtClean="0"/>
+              <a:t>steps</a:t>
+            </a:r>
+            <a:endParaRPr lang="de-DE" dirty="0"/>
+          </a:p>
+        </p:txBody>
+      </p:sp>
+    </p:spTree>
+    <p:extLst>
+      <p:ext uri="{BB962C8B-B14F-4D97-AF65-F5344CB8AC3E}">
+        <p14:creationId xmlns:p14="http://schemas.microsoft.com/office/powerpoint/2010/main" val="3174740679"/>
       </p:ext>
     </p:extLst>
   </p:cSld>

--- a/src/GUILayout/Images/GUI_progress_bar/progress_bar.pptx
+++ b/src/GUILayout/Images/GUI_progress_bar/progress_bar.pptx
@@ -20,6 +20,12 @@
     <p:sldId id="282" r:id="rId14"/>
     <p:sldId id="283" r:id="rId15"/>
     <p:sldId id="284" r:id="rId16"/>
+    <p:sldId id="286" r:id="rId17"/>
+    <p:sldId id="287" r:id="rId18"/>
+    <p:sldId id="288" r:id="rId19"/>
+    <p:sldId id="289" r:id="rId20"/>
+    <p:sldId id="290" r:id="rId21"/>
+    <p:sldId id="291" r:id="rId22"/>
   </p:sldIdLst>
   <p:sldSz cx="12192000" cy="6858000"/>
   <p:notesSz cx="6858000" cy="9144000"/>
@@ -268,7 +274,7 @@
           <a:p>
             <a:fld id="{8487EC4D-881D-49D9-96DC-4A50E5093F85}" type="datetimeFigureOut">
               <a:rPr lang="de-DE" smtClean="0"/>
-              <a:t>15.02.2022</a:t>
+              <a:t>17.02.2022</a:t>
             </a:fld>
             <a:endParaRPr lang="de-DE"/>
           </a:p>
@@ -438,7 +444,7 @@
           <a:p>
             <a:fld id="{8487EC4D-881D-49D9-96DC-4A50E5093F85}" type="datetimeFigureOut">
               <a:rPr lang="de-DE" smtClean="0"/>
-              <a:t>15.02.2022</a:t>
+              <a:t>17.02.2022</a:t>
             </a:fld>
             <a:endParaRPr lang="de-DE"/>
           </a:p>
@@ -618,7 +624,7 @@
           <a:p>
             <a:fld id="{8487EC4D-881D-49D9-96DC-4A50E5093F85}" type="datetimeFigureOut">
               <a:rPr lang="de-DE" smtClean="0"/>
-              <a:t>15.02.2022</a:t>
+              <a:t>17.02.2022</a:t>
             </a:fld>
             <a:endParaRPr lang="de-DE"/>
           </a:p>
@@ -788,7 +794,7 @@
           <a:p>
             <a:fld id="{8487EC4D-881D-49D9-96DC-4A50E5093F85}" type="datetimeFigureOut">
               <a:rPr lang="de-DE" smtClean="0"/>
-              <a:t>15.02.2022</a:t>
+              <a:t>17.02.2022</a:t>
             </a:fld>
             <a:endParaRPr lang="de-DE"/>
           </a:p>
@@ -1034,7 +1040,7 @@
           <a:p>
             <a:fld id="{8487EC4D-881D-49D9-96DC-4A50E5093F85}" type="datetimeFigureOut">
               <a:rPr lang="de-DE" smtClean="0"/>
-              <a:t>15.02.2022</a:t>
+              <a:t>17.02.2022</a:t>
             </a:fld>
             <a:endParaRPr lang="de-DE"/>
           </a:p>
@@ -1266,7 +1272,7 @@
           <a:p>
             <a:fld id="{8487EC4D-881D-49D9-96DC-4A50E5093F85}" type="datetimeFigureOut">
               <a:rPr lang="de-DE" smtClean="0"/>
-              <a:t>15.02.2022</a:t>
+              <a:t>17.02.2022</a:t>
             </a:fld>
             <a:endParaRPr lang="de-DE"/>
           </a:p>
@@ -1633,7 +1639,7 @@
           <a:p>
             <a:fld id="{8487EC4D-881D-49D9-96DC-4A50E5093F85}" type="datetimeFigureOut">
               <a:rPr lang="de-DE" smtClean="0"/>
-              <a:t>15.02.2022</a:t>
+              <a:t>17.02.2022</a:t>
             </a:fld>
             <a:endParaRPr lang="de-DE"/>
           </a:p>
@@ -1751,7 +1757,7 @@
           <a:p>
             <a:fld id="{8487EC4D-881D-49D9-96DC-4A50E5093F85}" type="datetimeFigureOut">
               <a:rPr lang="de-DE" smtClean="0"/>
-              <a:t>15.02.2022</a:t>
+              <a:t>17.02.2022</a:t>
             </a:fld>
             <a:endParaRPr lang="de-DE"/>
           </a:p>
@@ -1846,7 +1852,7 @@
           <a:p>
             <a:fld id="{8487EC4D-881D-49D9-96DC-4A50E5093F85}" type="datetimeFigureOut">
               <a:rPr lang="de-DE" smtClean="0"/>
-              <a:t>15.02.2022</a:t>
+              <a:t>17.02.2022</a:t>
             </a:fld>
             <a:endParaRPr lang="de-DE"/>
           </a:p>
@@ -2123,7 +2129,7 @@
           <a:p>
             <a:fld id="{8487EC4D-881D-49D9-96DC-4A50E5093F85}" type="datetimeFigureOut">
               <a:rPr lang="de-DE" smtClean="0"/>
-              <a:t>15.02.2022</a:t>
+              <a:t>17.02.2022</a:t>
             </a:fld>
             <a:endParaRPr lang="de-DE"/>
           </a:p>
@@ -2380,7 +2386,7 @@
           <a:p>
             <a:fld id="{8487EC4D-881D-49D9-96DC-4A50E5093F85}" type="datetimeFigureOut">
               <a:rPr lang="de-DE" smtClean="0"/>
-              <a:t>15.02.2022</a:t>
+              <a:t>17.02.2022</a:t>
             </a:fld>
             <a:endParaRPr lang="de-DE"/>
           </a:p>
@@ -2593,7 +2599,7 @@
           <a:p>
             <a:fld id="{8487EC4D-881D-49D9-96DC-4A50E5093F85}" type="datetimeFigureOut">
               <a:rPr lang="de-DE" smtClean="0"/>
-              <a:t>15.02.2022</a:t>
+              <a:t>17.02.2022</a:t>
             </a:fld>
             <a:endParaRPr lang="de-DE"/>
           </a:p>
@@ -6891,6 +6897,1656 @@
 </p:sld>
 </file>
 
+<file path=ppt/slides/slide16.xml><?xml version="1.0" encoding="utf-8"?>
+<p:sld xmlns:a="http://schemas.openxmlformats.org/drawingml/2006/main" xmlns:r="http://schemas.openxmlformats.org/officeDocument/2006/relationships" xmlns:p="http://schemas.openxmlformats.org/presentationml/2006/main">
+  <p:cSld>
+    <p:spTree>
+      <p:nvGrpSpPr>
+        <p:cNvPr id="1" name=""/>
+        <p:cNvGrpSpPr/>
+        <p:nvPr/>
+      </p:nvGrpSpPr>
+      <p:grpSpPr>
+        <a:xfrm>
+          <a:off x="0" y="0"/>
+          <a:ext cx="0" cy="0"/>
+          <a:chOff x="0" y="0"/>
+          <a:chExt cx="0" cy="0"/>
+        </a:xfrm>
+      </p:grpSpPr>
+      <p:sp>
+        <p:nvSpPr>
+          <p:cNvPr id="2" name="Titel 1"/>
+          <p:cNvSpPr>
+            <a:spLocks noGrp="1"/>
+          </p:cNvSpPr>
+          <p:nvPr>
+            <p:ph type="title"/>
+          </p:nvPr>
+        </p:nvSpPr>
+        <p:spPr/>
+        <p:txBody>
+          <a:bodyPr/>
+          <a:lstStyle/>
+          <a:p>
+            <a:r>
+              <a:rPr lang="de-DE" dirty="0" smtClean="0"/>
+              <a:t>5 </a:t>
+            </a:r>
+            <a:r>
+              <a:rPr lang="de-DE" dirty="0" err="1" smtClean="0"/>
+              <a:t>steps</a:t>
+            </a:r>
+            <a:endParaRPr lang="de-DE" dirty="0"/>
+          </a:p>
+        </p:txBody>
+      </p:sp>
+    </p:spTree>
+    <p:extLst>
+      <p:ext uri="{BB962C8B-B14F-4D97-AF65-F5344CB8AC3E}">
+        <p14:creationId xmlns:p14="http://schemas.microsoft.com/office/powerpoint/2010/main" val="3982168691"/>
+      </p:ext>
+    </p:extLst>
+  </p:cSld>
+  <p:clrMapOvr>
+    <a:masterClrMapping/>
+  </p:clrMapOvr>
+</p:sld>
+</file>
+
+<file path=ppt/slides/slide17.xml><?xml version="1.0" encoding="utf-8"?>
+<p:sld xmlns:a="http://schemas.openxmlformats.org/drawingml/2006/main" xmlns:r="http://schemas.openxmlformats.org/officeDocument/2006/relationships" xmlns:p="http://schemas.openxmlformats.org/presentationml/2006/main">
+  <p:cSld>
+    <p:spTree>
+      <p:nvGrpSpPr>
+        <p:cNvPr id="1" name=""/>
+        <p:cNvGrpSpPr/>
+        <p:nvPr/>
+      </p:nvGrpSpPr>
+      <p:grpSpPr>
+        <a:xfrm>
+          <a:off x="0" y="0"/>
+          <a:ext cx="0" cy="0"/>
+          <a:chOff x="0" y="0"/>
+          <a:chExt cx="0" cy="0"/>
+        </a:xfrm>
+      </p:grpSpPr>
+      <p:grpSp>
+        <p:nvGrpSpPr>
+          <p:cNvPr id="53" name="Gruppieren 52">
+            <a:extLst>
+              <a:ext uri="{FF2B5EF4-FFF2-40B4-BE49-F238E27FC236}">
+                <a16:creationId xmlns:a16="http://schemas.microsoft.com/office/drawing/2014/main" id="{5051D944-57E6-4F35-9806-6B25FD5E49B2}"/>
+              </a:ext>
+            </a:extLst>
+          </p:cNvPr>
+          <p:cNvGrpSpPr/>
+          <p:nvPr/>
+        </p:nvGrpSpPr>
+        <p:grpSpPr>
+          <a:xfrm>
+            <a:off x="5196900" y="3393000"/>
+            <a:ext cx="1798200" cy="72000"/>
+            <a:chOff x="4440600" y="3393000"/>
+            <a:chExt cx="1798200" cy="72000"/>
+          </a:xfrm>
+        </p:grpSpPr>
+        <p:cxnSp>
+          <p:nvCxnSpPr>
+            <p:cNvPr id="23" name="Gerader Verbinder 22"/>
+            <p:cNvCxnSpPr>
+              <a:cxnSpLocks/>
+              <a:stCxn id="25" idx="2"/>
+              <a:endCxn id="7" idx="6"/>
+            </p:cNvCxnSpPr>
+            <p:nvPr/>
+          </p:nvCxnSpPr>
+          <p:spPr>
+            <a:xfrm flipH="1">
+              <a:off x="4512600" y="3429000"/>
+              <a:ext cx="358200" cy="0"/>
+            </a:xfrm>
+            <a:prstGeom prst="line">
+              <a:avLst/>
+            </a:prstGeom>
+            <a:solidFill>
+              <a:srgbClr val="232323"/>
+            </a:solidFill>
+            <a:ln w="28575">
+              <a:solidFill>
+                <a:srgbClr val="232323"/>
+              </a:solidFill>
+            </a:ln>
+          </p:spPr>
+          <p:style>
+            <a:lnRef idx="1">
+              <a:schemeClr val="accent1"/>
+            </a:lnRef>
+            <a:fillRef idx="0">
+              <a:schemeClr val="accent1"/>
+            </a:fillRef>
+            <a:effectRef idx="0">
+              <a:schemeClr val="accent1"/>
+            </a:effectRef>
+            <a:fontRef idx="minor">
+              <a:schemeClr val="tx1"/>
+            </a:fontRef>
+          </p:style>
+        </p:cxnSp>
+        <p:cxnSp>
+          <p:nvCxnSpPr>
+            <p:cNvPr id="15" name="Gerader Verbinder 14">
+              <a:extLst>
+                <a:ext uri="{FF2B5EF4-FFF2-40B4-BE49-F238E27FC236}">
+                  <a16:creationId xmlns:a16="http://schemas.microsoft.com/office/drawing/2014/main" id="{3FE5D68D-4180-44E5-B296-4BF77BC51989}"/>
+                </a:ext>
+              </a:extLst>
+            </p:cNvPr>
+            <p:cNvCxnSpPr>
+              <a:cxnSpLocks/>
+              <a:stCxn id="28" idx="2"/>
+              <a:endCxn id="25" idx="6"/>
+            </p:cNvCxnSpPr>
+            <p:nvPr/>
+          </p:nvCxnSpPr>
+          <p:spPr>
+            <a:xfrm flipH="1">
+              <a:off x="4942800" y="3429000"/>
+              <a:ext cx="360000" cy="0"/>
+            </a:xfrm>
+            <a:prstGeom prst="line">
+              <a:avLst/>
+            </a:prstGeom>
+            <a:solidFill>
+              <a:srgbClr val="232323"/>
+            </a:solidFill>
+            <a:ln w="28575">
+              <a:solidFill>
+                <a:srgbClr val="232323"/>
+              </a:solidFill>
+            </a:ln>
+          </p:spPr>
+          <p:style>
+            <a:lnRef idx="1">
+              <a:schemeClr val="accent1"/>
+            </a:lnRef>
+            <a:fillRef idx="0">
+              <a:schemeClr val="accent1"/>
+            </a:fillRef>
+            <a:effectRef idx="0">
+              <a:schemeClr val="accent1"/>
+            </a:effectRef>
+            <a:fontRef idx="minor">
+              <a:schemeClr val="tx1"/>
+            </a:fontRef>
+          </p:style>
+        </p:cxnSp>
+        <p:cxnSp>
+          <p:nvCxnSpPr>
+            <p:cNvPr id="16" name="Gerader Verbinder 15">
+              <a:extLst>
+                <a:ext uri="{FF2B5EF4-FFF2-40B4-BE49-F238E27FC236}">
+                  <a16:creationId xmlns:a16="http://schemas.microsoft.com/office/drawing/2014/main" id="{54B2CB90-7345-4A82-8B57-091E6BE8D471}"/>
+                </a:ext>
+              </a:extLst>
+            </p:cNvPr>
+            <p:cNvCxnSpPr>
+              <a:cxnSpLocks/>
+              <a:stCxn id="36" idx="2"/>
+              <a:endCxn id="28" idx="6"/>
+            </p:cNvCxnSpPr>
+            <p:nvPr/>
+          </p:nvCxnSpPr>
+          <p:spPr>
+            <a:xfrm flipH="1">
+              <a:off x="5374800" y="3429000"/>
+              <a:ext cx="360000" cy="0"/>
+            </a:xfrm>
+            <a:prstGeom prst="line">
+              <a:avLst/>
+            </a:prstGeom>
+            <a:solidFill>
+              <a:srgbClr val="232323"/>
+            </a:solidFill>
+            <a:ln w="28575">
+              <a:solidFill>
+                <a:srgbClr val="232323"/>
+              </a:solidFill>
+            </a:ln>
+          </p:spPr>
+          <p:style>
+            <a:lnRef idx="1">
+              <a:schemeClr val="accent1"/>
+            </a:lnRef>
+            <a:fillRef idx="0">
+              <a:schemeClr val="accent1"/>
+            </a:fillRef>
+            <a:effectRef idx="0">
+              <a:schemeClr val="accent1"/>
+            </a:effectRef>
+            <a:fontRef idx="minor">
+              <a:schemeClr val="tx1"/>
+            </a:fontRef>
+          </p:style>
+        </p:cxnSp>
+        <p:cxnSp>
+          <p:nvCxnSpPr>
+            <p:cNvPr id="17" name="Gerader Verbinder 16">
+              <a:extLst>
+                <a:ext uri="{FF2B5EF4-FFF2-40B4-BE49-F238E27FC236}">
+                  <a16:creationId xmlns:a16="http://schemas.microsoft.com/office/drawing/2014/main" id="{2D6E0B11-D1CC-4669-9A4E-F7537E7EE9A8}"/>
+                </a:ext>
+              </a:extLst>
+            </p:cNvPr>
+            <p:cNvCxnSpPr>
+              <a:cxnSpLocks/>
+              <a:stCxn id="40" idx="2"/>
+              <a:endCxn id="36" idx="6"/>
+            </p:cNvCxnSpPr>
+            <p:nvPr/>
+          </p:nvCxnSpPr>
+          <p:spPr>
+            <a:xfrm flipH="1">
+              <a:off x="5806800" y="3429000"/>
+              <a:ext cx="360000" cy="0"/>
+            </a:xfrm>
+            <a:prstGeom prst="line">
+              <a:avLst/>
+            </a:prstGeom>
+            <a:solidFill>
+              <a:srgbClr val="232323"/>
+            </a:solidFill>
+            <a:ln w="28575">
+              <a:solidFill>
+                <a:srgbClr val="232323"/>
+              </a:solidFill>
+            </a:ln>
+          </p:spPr>
+          <p:style>
+            <a:lnRef idx="1">
+              <a:schemeClr val="accent1"/>
+            </a:lnRef>
+            <a:fillRef idx="0">
+              <a:schemeClr val="accent1"/>
+            </a:fillRef>
+            <a:effectRef idx="0">
+              <a:schemeClr val="accent1"/>
+            </a:effectRef>
+            <a:fontRef idx="minor">
+              <a:schemeClr val="tx1"/>
+            </a:fontRef>
+          </p:style>
+        </p:cxnSp>
+        <p:sp>
+          <p:nvSpPr>
+            <p:cNvPr id="7" name="Ellipse 6"/>
+            <p:cNvSpPr/>
+            <p:nvPr/>
+          </p:nvSpPr>
+          <p:spPr>
+            <a:xfrm>
+              <a:off x="4440600" y="3393000"/>
+              <a:ext cx="72000" cy="72000"/>
+            </a:xfrm>
+            <a:prstGeom prst="ellipse">
+              <a:avLst/>
+            </a:prstGeom>
+            <a:solidFill>
+              <a:srgbClr val="2A82DA"/>
+            </a:solidFill>
+            <a:ln w="38100">
+              <a:solidFill>
+                <a:srgbClr val="2A82DA"/>
+              </a:solidFill>
+            </a:ln>
+          </p:spPr>
+          <p:style>
+            <a:lnRef idx="2">
+              <a:schemeClr val="accent1">
+                <a:shade val="50000"/>
+              </a:schemeClr>
+            </a:lnRef>
+            <a:fillRef idx="1">
+              <a:schemeClr val="accent1"/>
+            </a:fillRef>
+            <a:effectRef idx="0">
+              <a:schemeClr val="accent1"/>
+            </a:effectRef>
+            <a:fontRef idx="minor">
+              <a:schemeClr val="lt1"/>
+            </a:fontRef>
+          </p:style>
+          <p:txBody>
+            <a:bodyPr rtlCol="0" anchor="ctr"/>
+            <a:lstStyle/>
+            <a:p>
+              <a:pPr algn="ctr"/>
+              <a:endParaRPr lang="de-DE">
+                <a:ln>
+                  <a:solidFill>
+                    <a:sysClr val="windowText" lastClr="000000"/>
+                  </a:solidFill>
+                </a:ln>
+              </a:endParaRPr>
+            </a:p>
+          </p:txBody>
+        </p:sp>
+        <p:sp>
+          <p:nvSpPr>
+            <p:cNvPr id="25" name="Ellipse 24">
+              <a:extLst>
+                <a:ext uri="{FF2B5EF4-FFF2-40B4-BE49-F238E27FC236}">
+                  <a16:creationId xmlns:a16="http://schemas.microsoft.com/office/drawing/2014/main" id="{53C71244-523D-49A1-AA2B-AF651BE3C901}"/>
+                </a:ext>
+              </a:extLst>
+            </p:cNvPr>
+            <p:cNvSpPr/>
+            <p:nvPr/>
+          </p:nvSpPr>
+          <p:spPr>
+            <a:xfrm>
+              <a:off x="4870800" y="3393000"/>
+              <a:ext cx="72000" cy="72000"/>
+            </a:xfrm>
+            <a:prstGeom prst="ellipse">
+              <a:avLst/>
+            </a:prstGeom>
+            <a:solidFill>
+              <a:srgbClr val="232323"/>
+            </a:solidFill>
+            <a:ln w="38100">
+              <a:solidFill>
+                <a:srgbClr val="232323"/>
+              </a:solidFill>
+            </a:ln>
+          </p:spPr>
+          <p:style>
+            <a:lnRef idx="2">
+              <a:schemeClr val="accent1">
+                <a:shade val="50000"/>
+              </a:schemeClr>
+            </a:lnRef>
+            <a:fillRef idx="1">
+              <a:schemeClr val="accent1"/>
+            </a:fillRef>
+            <a:effectRef idx="0">
+              <a:schemeClr val="accent1"/>
+            </a:effectRef>
+            <a:fontRef idx="minor">
+              <a:schemeClr val="lt1"/>
+            </a:fontRef>
+          </p:style>
+          <p:txBody>
+            <a:bodyPr rtlCol="0" anchor="ctr"/>
+            <a:lstStyle/>
+            <a:p>
+              <a:pPr algn="ctr"/>
+              <a:endParaRPr lang="de-DE" dirty="0">
+                <a:ln>
+                  <a:solidFill>
+                    <a:sysClr val="windowText" lastClr="000000"/>
+                  </a:solidFill>
+                </a:ln>
+              </a:endParaRPr>
+            </a:p>
+          </p:txBody>
+        </p:sp>
+        <p:sp>
+          <p:nvSpPr>
+            <p:cNvPr id="28" name="Ellipse 27">
+              <a:extLst>
+                <a:ext uri="{FF2B5EF4-FFF2-40B4-BE49-F238E27FC236}">
+                  <a16:creationId xmlns:a16="http://schemas.microsoft.com/office/drawing/2014/main" id="{92ABA44F-D000-4240-A7E6-0C8D7B74E95B}"/>
+                </a:ext>
+              </a:extLst>
+            </p:cNvPr>
+            <p:cNvSpPr/>
+            <p:nvPr/>
+          </p:nvSpPr>
+          <p:spPr>
+            <a:xfrm>
+              <a:off x="5302800" y="3393000"/>
+              <a:ext cx="72000" cy="72000"/>
+            </a:xfrm>
+            <a:prstGeom prst="ellipse">
+              <a:avLst/>
+            </a:prstGeom>
+            <a:solidFill>
+              <a:srgbClr val="232323"/>
+            </a:solidFill>
+            <a:ln w="38100">
+              <a:solidFill>
+                <a:srgbClr val="232323"/>
+              </a:solidFill>
+            </a:ln>
+          </p:spPr>
+          <p:style>
+            <a:lnRef idx="2">
+              <a:schemeClr val="accent1">
+                <a:shade val="50000"/>
+              </a:schemeClr>
+            </a:lnRef>
+            <a:fillRef idx="1">
+              <a:schemeClr val="accent1"/>
+            </a:fillRef>
+            <a:effectRef idx="0">
+              <a:schemeClr val="accent1"/>
+            </a:effectRef>
+            <a:fontRef idx="minor">
+              <a:schemeClr val="lt1"/>
+            </a:fontRef>
+          </p:style>
+          <p:txBody>
+            <a:bodyPr rtlCol="0" anchor="ctr"/>
+            <a:lstStyle/>
+            <a:p>
+              <a:pPr algn="ctr"/>
+              <a:endParaRPr lang="de-DE">
+                <a:ln>
+                  <a:solidFill>
+                    <a:sysClr val="windowText" lastClr="000000"/>
+                  </a:solidFill>
+                </a:ln>
+              </a:endParaRPr>
+            </a:p>
+          </p:txBody>
+        </p:sp>
+        <p:sp>
+          <p:nvSpPr>
+            <p:cNvPr id="36" name="Ellipse 35">
+              <a:extLst>
+                <a:ext uri="{FF2B5EF4-FFF2-40B4-BE49-F238E27FC236}">
+                  <a16:creationId xmlns:a16="http://schemas.microsoft.com/office/drawing/2014/main" id="{6BE9A1AD-F1D4-49A6-8FBF-853ABAD3AF36}"/>
+                </a:ext>
+              </a:extLst>
+            </p:cNvPr>
+            <p:cNvSpPr/>
+            <p:nvPr/>
+          </p:nvSpPr>
+          <p:spPr>
+            <a:xfrm>
+              <a:off x="5734800" y="3393000"/>
+              <a:ext cx="72000" cy="72000"/>
+            </a:xfrm>
+            <a:prstGeom prst="ellipse">
+              <a:avLst/>
+            </a:prstGeom>
+            <a:solidFill>
+              <a:srgbClr val="232323"/>
+            </a:solidFill>
+            <a:ln w="38100">
+              <a:solidFill>
+                <a:srgbClr val="232323"/>
+              </a:solidFill>
+            </a:ln>
+          </p:spPr>
+          <p:style>
+            <a:lnRef idx="2">
+              <a:schemeClr val="accent1">
+                <a:shade val="50000"/>
+              </a:schemeClr>
+            </a:lnRef>
+            <a:fillRef idx="1">
+              <a:schemeClr val="accent1"/>
+            </a:fillRef>
+            <a:effectRef idx="0">
+              <a:schemeClr val="accent1"/>
+            </a:effectRef>
+            <a:fontRef idx="minor">
+              <a:schemeClr val="lt1"/>
+            </a:fontRef>
+          </p:style>
+          <p:txBody>
+            <a:bodyPr rtlCol="0" anchor="ctr"/>
+            <a:lstStyle/>
+            <a:p>
+              <a:pPr algn="ctr"/>
+              <a:endParaRPr lang="de-DE">
+                <a:ln>
+                  <a:solidFill>
+                    <a:sysClr val="windowText" lastClr="000000"/>
+                  </a:solidFill>
+                </a:ln>
+              </a:endParaRPr>
+            </a:p>
+          </p:txBody>
+        </p:sp>
+        <p:sp>
+          <p:nvSpPr>
+            <p:cNvPr id="40" name="Ellipse 39">
+              <a:extLst>
+                <a:ext uri="{FF2B5EF4-FFF2-40B4-BE49-F238E27FC236}">
+                  <a16:creationId xmlns:a16="http://schemas.microsoft.com/office/drawing/2014/main" id="{6809AB47-4D7C-43E9-A22B-561318E73EF5}"/>
+                </a:ext>
+              </a:extLst>
+            </p:cNvPr>
+            <p:cNvSpPr/>
+            <p:nvPr/>
+          </p:nvSpPr>
+          <p:spPr>
+            <a:xfrm>
+              <a:off x="6166800" y="3393000"/>
+              <a:ext cx="72000" cy="72000"/>
+            </a:xfrm>
+            <a:prstGeom prst="ellipse">
+              <a:avLst/>
+            </a:prstGeom>
+            <a:solidFill>
+              <a:srgbClr val="232323"/>
+            </a:solidFill>
+            <a:ln w="38100">
+              <a:solidFill>
+                <a:srgbClr val="232323"/>
+              </a:solidFill>
+            </a:ln>
+          </p:spPr>
+          <p:style>
+            <a:lnRef idx="2">
+              <a:schemeClr val="accent1">
+                <a:shade val="50000"/>
+              </a:schemeClr>
+            </a:lnRef>
+            <a:fillRef idx="1">
+              <a:schemeClr val="accent1"/>
+            </a:fillRef>
+            <a:effectRef idx="0">
+              <a:schemeClr val="accent1"/>
+            </a:effectRef>
+            <a:fontRef idx="minor">
+              <a:schemeClr val="lt1"/>
+            </a:fontRef>
+          </p:style>
+          <p:txBody>
+            <a:bodyPr rtlCol="0" anchor="ctr"/>
+            <a:lstStyle/>
+            <a:p>
+              <a:pPr algn="ctr"/>
+              <a:endParaRPr lang="de-DE">
+                <a:ln>
+                  <a:solidFill>
+                    <a:sysClr val="windowText" lastClr="000000"/>
+                  </a:solidFill>
+                </a:ln>
+              </a:endParaRPr>
+            </a:p>
+          </p:txBody>
+        </p:sp>
+      </p:grpSp>
+    </p:spTree>
+    <p:extLst>
+      <p:ext uri="{BB962C8B-B14F-4D97-AF65-F5344CB8AC3E}">
+        <p14:creationId xmlns:p14="http://schemas.microsoft.com/office/powerpoint/2010/main" val="543636066"/>
+      </p:ext>
+    </p:extLst>
+  </p:cSld>
+  <p:clrMapOvr>
+    <a:masterClrMapping/>
+  </p:clrMapOvr>
+</p:sld>
+</file>
+
+<file path=ppt/slides/slide18.xml><?xml version="1.0" encoding="utf-8"?>
+<p:sld xmlns:a="http://schemas.openxmlformats.org/drawingml/2006/main" xmlns:r="http://schemas.openxmlformats.org/officeDocument/2006/relationships" xmlns:p="http://schemas.openxmlformats.org/presentationml/2006/main">
+  <p:cSld>
+    <p:spTree>
+      <p:nvGrpSpPr>
+        <p:cNvPr id="1" name=""/>
+        <p:cNvGrpSpPr/>
+        <p:nvPr/>
+      </p:nvGrpSpPr>
+      <p:grpSpPr>
+        <a:xfrm>
+          <a:off x="0" y="0"/>
+          <a:ext cx="0" cy="0"/>
+          <a:chOff x="0" y="0"/>
+          <a:chExt cx="0" cy="0"/>
+        </a:xfrm>
+      </p:grpSpPr>
+      <p:grpSp>
+        <p:nvGrpSpPr>
+          <p:cNvPr id="53" name="Gruppieren 52">
+            <a:extLst>
+              <a:ext uri="{FF2B5EF4-FFF2-40B4-BE49-F238E27FC236}">
+                <a16:creationId xmlns:a16="http://schemas.microsoft.com/office/drawing/2014/main" id="{5051D944-57E6-4F35-9806-6B25FD5E49B2}"/>
+              </a:ext>
+            </a:extLst>
+          </p:cNvPr>
+          <p:cNvGrpSpPr/>
+          <p:nvPr/>
+        </p:nvGrpSpPr>
+        <p:grpSpPr>
+          <a:xfrm>
+            <a:off x="5196900" y="3393000"/>
+            <a:ext cx="1798200" cy="72000"/>
+            <a:chOff x="4440600" y="3393000"/>
+            <a:chExt cx="1798200" cy="72000"/>
+          </a:xfrm>
+        </p:grpSpPr>
+        <p:cxnSp>
+          <p:nvCxnSpPr>
+            <p:cNvPr id="23" name="Gerader Verbinder 22"/>
+            <p:cNvCxnSpPr>
+              <a:cxnSpLocks/>
+              <a:stCxn id="25" idx="2"/>
+              <a:endCxn id="7" idx="6"/>
+            </p:cNvCxnSpPr>
+            <p:nvPr/>
+          </p:nvCxnSpPr>
+          <p:spPr>
+            <a:xfrm flipH="1">
+              <a:off x="4512600" y="3429000"/>
+              <a:ext cx="358200" cy="0"/>
+            </a:xfrm>
+            <a:prstGeom prst="line">
+              <a:avLst/>
+            </a:prstGeom>
+            <a:solidFill>
+              <a:srgbClr val="2A82DA"/>
+            </a:solidFill>
+            <a:ln w="28575">
+              <a:solidFill>
+                <a:srgbClr val="2A82DA"/>
+              </a:solidFill>
+            </a:ln>
+          </p:spPr>
+          <p:style>
+            <a:lnRef idx="1">
+              <a:schemeClr val="accent1"/>
+            </a:lnRef>
+            <a:fillRef idx="0">
+              <a:schemeClr val="accent1"/>
+            </a:fillRef>
+            <a:effectRef idx="0">
+              <a:schemeClr val="accent1"/>
+            </a:effectRef>
+            <a:fontRef idx="minor">
+              <a:schemeClr val="tx1"/>
+            </a:fontRef>
+          </p:style>
+        </p:cxnSp>
+        <p:cxnSp>
+          <p:nvCxnSpPr>
+            <p:cNvPr id="15" name="Gerader Verbinder 14">
+              <a:extLst>
+                <a:ext uri="{FF2B5EF4-FFF2-40B4-BE49-F238E27FC236}">
+                  <a16:creationId xmlns:a16="http://schemas.microsoft.com/office/drawing/2014/main" id="{3FE5D68D-4180-44E5-B296-4BF77BC51989}"/>
+                </a:ext>
+              </a:extLst>
+            </p:cNvPr>
+            <p:cNvCxnSpPr>
+              <a:cxnSpLocks/>
+              <a:stCxn id="28" idx="2"/>
+              <a:endCxn id="25" idx="6"/>
+            </p:cNvCxnSpPr>
+            <p:nvPr/>
+          </p:nvCxnSpPr>
+          <p:spPr>
+            <a:xfrm flipH="1">
+              <a:off x="4942800" y="3429000"/>
+              <a:ext cx="360000" cy="0"/>
+            </a:xfrm>
+            <a:prstGeom prst="line">
+              <a:avLst/>
+            </a:prstGeom>
+            <a:solidFill>
+              <a:srgbClr val="232323"/>
+            </a:solidFill>
+            <a:ln w="28575">
+              <a:solidFill>
+                <a:srgbClr val="232323"/>
+              </a:solidFill>
+            </a:ln>
+          </p:spPr>
+          <p:style>
+            <a:lnRef idx="1">
+              <a:schemeClr val="accent1"/>
+            </a:lnRef>
+            <a:fillRef idx="0">
+              <a:schemeClr val="accent1"/>
+            </a:fillRef>
+            <a:effectRef idx="0">
+              <a:schemeClr val="accent1"/>
+            </a:effectRef>
+            <a:fontRef idx="minor">
+              <a:schemeClr val="tx1"/>
+            </a:fontRef>
+          </p:style>
+        </p:cxnSp>
+        <p:cxnSp>
+          <p:nvCxnSpPr>
+            <p:cNvPr id="16" name="Gerader Verbinder 15">
+              <a:extLst>
+                <a:ext uri="{FF2B5EF4-FFF2-40B4-BE49-F238E27FC236}">
+                  <a16:creationId xmlns:a16="http://schemas.microsoft.com/office/drawing/2014/main" id="{54B2CB90-7345-4A82-8B57-091E6BE8D471}"/>
+                </a:ext>
+              </a:extLst>
+            </p:cNvPr>
+            <p:cNvCxnSpPr>
+              <a:cxnSpLocks/>
+              <a:stCxn id="36" idx="2"/>
+              <a:endCxn id="28" idx="6"/>
+            </p:cNvCxnSpPr>
+            <p:nvPr/>
+          </p:nvCxnSpPr>
+          <p:spPr>
+            <a:xfrm flipH="1">
+              <a:off x="5374800" y="3429000"/>
+              <a:ext cx="360000" cy="0"/>
+            </a:xfrm>
+            <a:prstGeom prst="line">
+              <a:avLst/>
+            </a:prstGeom>
+            <a:solidFill>
+              <a:srgbClr val="232323"/>
+            </a:solidFill>
+            <a:ln w="28575">
+              <a:solidFill>
+                <a:srgbClr val="232323"/>
+              </a:solidFill>
+            </a:ln>
+          </p:spPr>
+          <p:style>
+            <a:lnRef idx="1">
+              <a:schemeClr val="accent1"/>
+            </a:lnRef>
+            <a:fillRef idx="0">
+              <a:schemeClr val="accent1"/>
+            </a:fillRef>
+            <a:effectRef idx="0">
+              <a:schemeClr val="accent1"/>
+            </a:effectRef>
+            <a:fontRef idx="minor">
+              <a:schemeClr val="tx1"/>
+            </a:fontRef>
+          </p:style>
+        </p:cxnSp>
+        <p:cxnSp>
+          <p:nvCxnSpPr>
+            <p:cNvPr id="17" name="Gerader Verbinder 16">
+              <a:extLst>
+                <a:ext uri="{FF2B5EF4-FFF2-40B4-BE49-F238E27FC236}">
+                  <a16:creationId xmlns:a16="http://schemas.microsoft.com/office/drawing/2014/main" id="{2D6E0B11-D1CC-4669-9A4E-F7537E7EE9A8}"/>
+                </a:ext>
+              </a:extLst>
+            </p:cNvPr>
+            <p:cNvCxnSpPr>
+              <a:cxnSpLocks/>
+              <a:stCxn id="40" idx="2"/>
+              <a:endCxn id="36" idx="6"/>
+            </p:cNvCxnSpPr>
+            <p:nvPr/>
+          </p:nvCxnSpPr>
+          <p:spPr>
+            <a:xfrm flipH="1">
+              <a:off x="5806800" y="3429000"/>
+              <a:ext cx="360000" cy="0"/>
+            </a:xfrm>
+            <a:prstGeom prst="line">
+              <a:avLst/>
+            </a:prstGeom>
+            <a:solidFill>
+              <a:srgbClr val="232323"/>
+            </a:solidFill>
+            <a:ln w="28575">
+              <a:solidFill>
+                <a:srgbClr val="232323"/>
+              </a:solidFill>
+            </a:ln>
+          </p:spPr>
+          <p:style>
+            <a:lnRef idx="1">
+              <a:schemeClr val="accent1"/>
+            </a:lnRef>
+            <a:fillRef idx="0">
+              <a:schemeClr val="accent1"/>
+            </a:fillRef>
+            <a:effectRef idx="0">
+              <a:schemeClr val="accent1"/>
+            </a:effectRef>
+            <a:fontRef idx="minor">
+              <a:schemeClr val="tx1"/>
+            </a:fontRef>
+          </p:style>
+        </p:cxnSp>
+        <p:sp>
+          <p:nvSpPr>
+            <p:cNvPr id="7" name="Ellipse 6"/>
+            <p:cNvSpPr/>
+            <p:nvPr/>
+          </p:nvSpPr>
+          <p:spPr>
+            <a:xfrm>
+              <a:off x="4440600" y="3393000"/>
+              <a:ext cx="72000" cy="72000"/>
+            </a:xfrm>
+            <a:prstGeom prst="ellipse">
+              <a:avLst/>
+            </a:prstGeom>
+            <a:solidFill>
+              <a:srgbClr val="2A82DA"/>
+            </a:solidFill>
+            <a:ln w="38100">
+              <a:solidFill>
+                <a:srgbClr val="2A82DA"/>
+              </a:solidFill>
+            </a:ln>
+          </p:spPr>
+          <p:style>
+            <a:lnRef idx="2">
+              <a:schemeClr val="accent1">
+                <a:shade val="50000"/>
+              </a:schemeClr>
+            </a:lnRef>
+            <a:fillRef idx="1">
+              <a:schemeClr val="accent1"/>
+            </a:fillRef>
+            <a:effectRef idx="0">
+              <a:schemeClr val="accent1"/>
+            </a:effectRef>
+            <a:fontRef idx="minor">
+              <a:schemeClr val="lt1"/>
+            </a:fontRef>
+          </p:style>
+          <p:txBody>
+            <a:bodyPr rtlCol="0" anchor="ctr"/>
+            <a:lstStyle/>
+            <a:p>
+              <a:pPr algn="ctr"/>
+              <a:endParaRPr lang="de-DE">
+                <a:ln>
+                  <a:solidFill>
+                    <a:sysClr val="windowText" lastClr="000000"/>
+                  </a:solidFill>
+                </a:ln>
+              </a:endParaRPr>
+            </a:p>
+          </p:txBody>
+        </p:sp>
+        <p:sp>
+          <p:nvSpPr>
+            <p:cNvPr id="25" name="Ellipse 24">
+              <a:extLst>
+                <a:ext uri="{FF2B5EF4-FFF2-40B4-BE49-F238E27FC236}">
+                  <a16:creationId xmlns:a16="http://schemas.microsoft.com/office/drawing/2014/main" id="{53C71244-523D-49A1-AA2B-AF651BE3C901}"/>
+                </a:ext>
+              </a:extLst>
+            </p:cNvPr>
+            <p:cNvSpPr/>
+            <p:nvPr/>
+          </p:nvSpPr>
+          <p:spPr>
+            <a:xfrm>
+              <a:off x="4870800" y="3393000"/>
+              <a:ext cx="72000" cy="72000"/>
+            </a:xfrm>
+            <a:prstGeom prst="ellipse">
+              <a:avLst/>
+            </a:prstGeom>
+            <a:solidFill>
+              <a:srgbClr val="2A82DA"/>
+            </a:solidFill>
+            <a:ln w="38100">
+              <a:solidFill>
+                <a:srgbClr val="2A82DA"/>
+              </a:solidFill>
+            </a:ln>
+          </p:spPr>
+          <p:style>
+            <a:lnRef idx="2">
+              <a:schemeClr val="accent1">
+                <a:shade val="50000"/>
+              </a:schemeClr>
+            </a:lnRef>
+            <a:fillRef idx="1">
+              <a:schemeClr val="accent1"/>
+            </a:fillRef>
+            <a:effectRef idx="0">
+              <a:schemeClr val="accent1"/>
+            </a:effectRef>
+            <a:fontRef idx="minor">
+              <a:schemeClr val="lt1"/>
+            </a:fontRef>
+          </p:style>
+          <p:txBody>
+            <a:bodyPr rtlCol="0" anchor="ctr"/>
+            <a:lstStyle/>
+            <a:p>
+              <a:pPr algn="ctr"/>
+              <a:endParaRPr lang="de-DE" dirty="0">
+                <a:ln>
+                  <a:solidFill>
+                    <a:sysClr val="windowText" lastClr="000000"/>
+                  </a:solidFill>
+                </a:ln>
+              </a:endParaRPr>
+            </a:p>
+          </p:txBody>
+        </p:sp>
+        <p:sp>
+          <p:nvSpPr>
+            <p:cNvPr id="28" name="Ellipse 27">
+              <a:extLst>
+                <a:ext uri="{FF2B5EF4-FFF2-40B4-BE49-F238E27FC236}">
+                  <a16:creationId xmlns:a16="http://schemas.microsoft.com/office/drawing/2014/main" id="{92ABA44F-D000-4240-A7E6-0C8D7B74E95B}"/>
+                </a:ext>
+              </a:extLst>
+            </p:cNvPr>
+            <p:cNvSpPr/>
+            <p:nvPr/>
+          </p:nvSpPr>
+          <p:spPr>
+            <a:xfrm>
+              <a:off x="5302800" y="3393000"/>
+              <a:ext cx="72000" cy="72000"/>
+            </a:xfrm>
+            <a:prstGeom prst="ellipse">
+              <a:avLst/>
+            </a:prstGeom>
+            <a:solidFill>
+              <a:srgbClr val="232323"/>
+            </a:solidFill>
+            <a:ln w="38100">
+              <a:solidFill>
+                <a:srgbClr val="232323"/>
+              </a:solidFill>
+            </a:ln>
+          </p:spPr>
+          <p:style>
+            <a:lnRef idx="2">
+              <a:schemeClr val="accent1">
+                <a:shade val="50000"/>
+              </a:schemeClr>
+            </a:lnRef>
+            <a:fillRef idx="1">
+              <a:schemeClr val="accent1"/>
+            </a:fillRef>
+            <a:effectRef idx="0">
+              <a:schemeClr val="accent1"/>
+            </a:effectRef>
+            <a:fontRef idx="minor">
+              <a:schemeClr val="lt1"/>
+            </a:fontRef>
+          </p:style>
+          <p:txBody>
+            <a:bodyPr rtlCol="0" anchor="ctr"/>
+            <a:lstStyle/>
+            <a:p>
+              <a:pPr algn="ctr"/>
+              <a:endParaRPr lang="de-DE">
+                <a:ln>
+                  <a:solidFill>
+                    <a:sysClr val="windowText" lastClr="000000"/>
+                  </a:solidFill>
+                </a:ln>
+              </a:endParaRPr>
+            </a:p>
+          </p:txBody>
+        </p:sp>
+        <p:sp>
+          <p:nvSpPr>
+            <p:cNvPr id="36" name="Ellipse 35">
+              <a:extLst>
+                <a:ext uri="{FF2B5EF4-FFF2-40B4-BE49-F238E27FC236}">
+                  <a16:creationId xmlns:a16="http://schemas.microsoft.com/office/drawing/2014/main" id="{6BE9A1AD-F1D4-49A6-8FBF-853ABAD3AF36}"/>
+                </a:ext>
+              </a:extLst>
+            </p:cNvPr>
+            <p:cNvSpPr/>
+            <p:nvPr/>
+          </p:nvSpPr>
+          <p:spPr>
+            <a:xfrm>
+              <a:off x="5734800" y="3393000"/>
+              <a:ext cx="72000" cy="72000"/>
+            </a:xfrm>
+            <a:prstGeom prst="ellipse">
+              <a:avLst/>
+            </a:prstGeom>
+            <a:solidFill>
+              <a:srgbClr val="232323"/>
+            </a:solidFill>
+            <a:ln w="38100">
+              <a:solidFill>
+                <a:srgbClr val="232323"/>
+              </a:solidFill>
+            </a:ln>
+          </p:spPr>
+          <p:style>
+            <a:lnRef idx="2">
+              <a:schemeClr val="accent1">
+                <a:shade val="50000"/>
+              </a:schemeClr>
+            </a:lnRef>
+            <a:fillRef idx="1">
+              <a:schemeClr val="accent1"/>
+            </a:fillRef>
+            <a:effectRef idx="0">
+              <a:schemeClr val="accent1"/>
+            </a:effectRef>
+            <a:fontRef idx="minor">
+              <a:schemeClr val="lt1"/>
+            </a:fontRef>
+          </p:style>
+          <p:txBody>
+            <a:bodyPr rtlCol="0" anchor="ctr"/>
+            <a:lstStyle/>
+            <a:p>
+              <a:pPr algn="ctr"/>
+              <a:endParaRPr lang="de-DE">
+                <a:ln>
+                  <a:solidFill>
+                    <a:sysClr val="windowText" lastClr="000000"/>
+                  </a:solidFill>
+                </a:ln>
+              </a:endParaRPr>
+            </a:p>
+          </p:txBody>
+        </p:sp>
+        <p:sp>
+          <p:nvSpPr>
+            <p:cNvPr id="40" name="Ellipse 39">
+              <a:extLst>
+                <a:ext uri="{FF2B5EF4-FFF2-40B4-BE49-F238E27FC236}">
+                  <a16:creationId xmlns:a16="http://schemas.microsoft.com/office/drawing/2014/main" id="{6809AB47-4D7C-43E9-A22B-561318E73EF5}"/>
+                </a:ext>
+              </a:extLst>
+            </p:cNvPr>
+            <p:cNvSpPr/>
+            <p:nvPr/>
+          </p:nvSpPr>
+          <p:spPr>
+            <a:xfrm>
+              <a:off x="6166800" y="3393000"/>
+              <a:ext cx="72000" cy="72000"/>
+            </a:xfrm>
+            <a:prstGeom prst="ellipse">
+              <a:avLst/>
+            </a:prstGeom>
+            <a:solidFill>
+              <a:srgbClr val="232323"/>
+            </a:solidFill>
+            <a:ln w="38100">
+              <a:solidFill>
+                <a:srgbClr val="232323"/>
+              </a:solidFill>
+            </a:ln>
+          </p:spPr>
+          <p:style>
+            <a:lnRef idx="2">
+              <a:schemeClr val="accent1">
+                <a:shade val="50000"/>
+              </a:schemeClr>
+            </a:lnRef>
+            <a:fillRef idx="1">
+              <a:schemeClr val="accent1"/>
+            </a:fillRef>
+            <a:effectRef idx="0">
+              <a:schemeClr val="accent1"/>
+            </a:effectRef>
+            <a:fontRef idx="minor">
+              <a:schemeClr val="lt1"/>
+            </a:fontRef>
+          </p:style>
+          <p:txBody>
+            <a:bodyPr rtlCol="0" anchor="ctr"/>
+            <a:lstStyle/>
+            <a:p>
+              <a:pPr algn="ctr"/>
+              <a:endParaRPr lang="de-DE">
+                <a:ln>
+                  <a:solidFill>
+                    <a:sysClr val="windowText" lastClr="000000"/>
+                  </a:solidFill>
+                </a:ln>
+              </a:endParaRPr>
+            </a:p>
+          </p:txBody>
+        </p:sp>
+      </p:grpSp>
+    </p:spTree>
+    <p:extLst>
+      <p:ext uri="{BB962C8B-B14F-4D97-AF65-F5344CB8AC3E}">
+        <p14:creationId xmlns:p14="http://schemas.microsoft.com/office/powerpoint/2010/main" val="1637095554"/>
+      </p:ext>
+    </p:extLst>
+  </p:cSld>
+  <p:clrMapOvr>
+    <a:masterClrMapping/>
+  </p:clrMapOvr>
+</p:sld>
+</file>
+
+<file path=ppt/slides/slide19.xml><?xml version="1.0" encoding="utf-8"?>
+<p:sld xmlns:a="http://schemas.openxmlformats.org/drawingml/2006/main" xmlns:r="http://schemas.openxmlformats.org/officeDocument/2006/relationships" xmlns:p="http://schemas.openxmlformats.org/presentationml/2006/main">
+  <p:cSld>
+    <p:spTree>
+      <p:nvGrpSpPr>
+        <p:cNvPr id="1" name=""/>
+        <p:cNvGrpSpPr/>
+        <p:nvPr/>
+      </p:nvGrpSpPr>
+      <p:grpSpPr>
+        <a:xfrm>
+          <a:off x="0" y="0"/>
+          <a:ext cx="0" cy="0"/>
+          <a:chOff x="0" y="0"/>
+          <a:chExt cx="0" cy="0"/>
+        </a:xfrm>
+      </p:grpSpPr>
+      <p:grpSp>
+        <p:nvGrpSpPr>
+          <p:cNvPr id="53" name="Gruppieren 52">
+            <a:extLst>
+              <a:ext uri="{FF2B5EF4-FFF2-40B4-BE49-F238E27FC236}">
+                <a16:creationId xmlns:a16="http://schemas.microsoft.com/office/drawing/2014/main" id="{5051D944-57E6-4F35-9806-6B25FD5E49B2}"/>
+              </a:ext>
+            </a:extLst>
+          </p:cNvPr>
+          <p:cNvGrpSpPr/>
+          <p:nvPr/>
+        </p:nvGrpSpPr>
+        <p:grpSpPr>
+          <a:xfrm>
+            <a:off x="5196900" y="3393000"/>
+            <a:ext cx="1798200" cy="72000"/>
+            <a:chOff x="4440600" y="3393000"/>
+            <a:chExt cx="1798200" cy="72000"/>
+          </a:xfrm>
+        </p:grpSpPr>
+        <p:cxnSp>
+          <p:nvCxnSpPr>
+            <p:cNvPr id="23" name="Gerader Verbinder 22"/>
+            <p:cNvCxnSpPr>
+              <a:cxnSpLocks/>
+              <a:stCxn id="25" idx="2"/>
+              <a:endCxn id="7" idx="6"/>
+            </p:cNvCxnSpPr>
+            <p:nvPr/>
+          </p:nvCxnSpPr>
+          <p:spPr>
+            <a:xfrm flipH="1">
+              <a:off x="4512600" y="3429000"/>
+              <a:ext cx="358200" cy="0"/>
+            </a:xfrm>
+            <a:prstGeom prst="line">
+              <a:avLst/>
+            </a:prstGeom>
+            <a:solidFill>
+              <a:srgbClr val="2A82DA"/>
+            </a:solidFill>
+            <a:ln w="28575">
+              <a:solidFill>
+                <a:srgbClr val="2A82DA"/>
+              </a:solidFill>
+            </a:ln>
+          </p:spPr>
+          <p:style>
+            <a:lnRef idx="1">
+              <a:schemeClr val="accent1"/>
+            </a:lnRef>
+            <a:fillRef idx="0">
+              <a:schemeClr val="accent1"/>
+            </a:fillRef>
+            <a:effectRef idx="0">
+              <a:schemeClr val="accent1"/>
+            </a:effectRef>
+            <a:fontRef idx="minor">
+              <a:schemeClr val="tx1"/>
+            </a:fontRef>
+          </p:style>
+        </p:cxnSp>
+        <p:cxnSp>
+          <p:nvCxnSpPr>
+            <p:cNvPr id="15" name="Gerader Verbinder 14">
+              <a:extLst>
+                <a:ext uri="{FF2B5EF4-FFF2-40B4-BE49-F238E27FC236}">
+                  <a16:creationId xmlns:a16="http://schemas.microsoft.com/office/drawing/2014/main" id="{3FE5D68D-4180-44E5-B296-4BF77BC51989}"/>
+                </a:ext>
+              </a:extLst>
+            </p:cNvPr>
+            <p:cNvCxnSpPr>
+              <a:cxnSpLocks/>
+              <a:stCxn id="28" idx="2"/>
+              <a:endCxn id="25" idx="6"/>
+            </p:cNvCxnSpPr>
+            <p:nvPr/>
+          </p:nvCxnSpPr>
+          <p:spPr>
+            <a:xfrm flipH="1">
+              <a:off x="4942800" y="3429000"/>
+              <a:ext cx="360000" cy="0"/>
+            </a:xfrm>
+            <a:prstGeom prst="line">
+              <a:avLst/>
+            </a:prstGeom>
+            <a:solidFill>
+              <a:srgbClr val="2A82DA"/>
+            </a:solidFill>
+            <a:ln w="28575">
+              <a:solidFill>
+                <a:srgbClr val="2A82DA"/>
+              </a:solidFill>
+            </a:ln>
+          </p:spPr>
+          <p:style>
+            <a:lnRef idx="1">
+              <a:schemeClr val="accent1"/>
+            </a:lnRef>
+            <a:fillRef idx="0">
+              <a:schemeClr val="accent1"/>
+            </a:fillRef>
+            <a:effectRef idx="0">
+              <a:schemeClr val="accent1"/>
+            </a:effectRef>
+            <a:fontRef idx="minor">
+              <a:schemeClr val="tx1"/>
+            </a:fontRef>
+          </p:style>
+        </p:cxnSp>
+        <p:cxnSp>
+          <p:nvCxnSpPr>
+            <p:cNvPr id="16" name="Gerader Verbinder 15">
+              <a:extLst>
+                <a:ext uri="{FF2B5EF4-FFF2-40B4-BE49-F238E27FC236}">
+                  <a16:creationId xmlns:a16="http://schemas.microsoft.com/office/drawing/2014/main" id="{54B2CB90-7345-4A82-8B57-091E6BE8D471}"/>
+                </a:ext>
+              </a:extLst>
+            </p:cNvPr>
+            <p:cNvCxnSpPr>
+              <a:cxnSpLocks/>
+              <a:stCxn id="36" idx="2"/>
+              <a:endCxn id="28" idx="6"/>
+            </p:cNvCxnSpPr>
+            <p:nvPr/>
+          </p:nvCxnSpPr>
+          <p:spPr>
+            <a:xfrm flipH="1">
+              <a:off x="5374800" y="3429000"/>
+              <a:ext cx="360000" cy="0"/>
+            </a:xfrm>
+            <a:prstGeom prst="line">
+              <a:avLst/>
+            </a:prstGeom>
+            <a:solidFill>
+              <a:srgbClr val="232323"/>
+            </a:solidFill>
+            <a:ln w="28575">
+              <a:solidFill>
+                <a:srgbClr val="232323"/>
+              </a:solidFill>
+            </a:ln>
+          </p:spPr>
+          <p:style>
+            <a:lnRef idx="1">
+              <a:schemeClr val="accent1"/>
+            </a:lnRef>
+            <a:fillRef idx="0">
+              <a:schemeClr val="accent1"/>
+            </a:fillRef>
+            <a:effectRef idx="0">
+              <a:schemeClr val="accent1"/>
+            </a:effectRef>
+            <a:fontRef idx="minor">
+              <a:schemeClr val="tx1"/>
+            </a:fontRef>
+          </p:style>
+        </p:cxnSp>
+        <p:cxnSp>
+          <p:nvCxnSpPr>
+            <p:cNvPr id="17" name="Gerader Verbinder 16">
+              <a:extLst>
+                <a:ext uri="{FF2B5EF4-FFF2-40B4-BE49-F238E27FC236}">
+                  <a16:creationId xmlns:a16="http://schemas.microsoft.com/office/drawing/2014/main" id="{2D6E0B11-D1CC-4669-9A4E-F7537E7EE9A8}"/>
+                </a:ext>
+              </a:extLst>
+            </p:cNvPr>
+            <p:cNvCxnSpPr>
+              <a:cxnSpLocks/>
+              <a:stCxn id="40" idx="2"/>
+              <a:endCxn id="36" idx="6"/>
+            </p:cNvCxnSpPr>
+            <p:nvPr/>
+          </p:nvCxnSpPr>
+          <p:spPr>
+            <a:xfrm flipH="1">
+              <a:off x="5806800" y="3429000"/>
+              <a:ext cx="360000" cy="0"/>
+            </a:xfrm>
+            <a:prstGeom prst="line">
+              <a:avLst/>
+            </a:prstGeom>
+            <a:solidFill>
+              <a:srgbClr val="232323"/>
+            </a:solidFill>
+            <a:ln w="28575">
+              <a:solidFill>
+                <a:srgbClr val="232323"/>
+              </a:solidFill>
+            </a:ln>
+          </p:spPr>
+          <p:style>
+            <a:lnRef idx="1">
+              <a:schemeClr val="accent1"/>
+            </a:lnRef>
+            <a:fillRef idx="0">
+              <a:schemeClr val="accent1"/>
+            </a:fillRef>
+            <a:effectRef idx="0">
+              <a:schemeClr val="accent1"/>
+            </a:effectRef>
+            <a:fontRef idx="minor">
+              <a:schemeClr val="tx1"/>
+            </a:fontRef>
+          </p:style>
+        </p:cxnSp>
+        <p:sp>
+          <p:nvSpPr>
+            <p:cNvPr id="7" name="Ellipse 6"/>
+            <p:cNvSpPr/>
+            <p:nvPr/>
+          </p:nvSpPr>
+          <p:spPr>
+            <a:xfrm>
+              <a:off x="4440600" y="3393000"/>
+              <a:ext cx="72000" cy="72000"/>
+            </a:xfrm>
+            <a:prstGeom prst="ellipse">
+              <a:avLst/>
+            </a:prstGeom>
+            <a:solidFill>
+              <a:srgbClr val="2A82DA"/>
+            </a:solidFill>
+            <a:ln w="38100">
+              <a:solidFill>
+                <a:srgbClr val="2A82DA"/>
+              </a:solidFill>
+            </a:ln>
+          </p:spPr>
+          <p:style>
+            <a:lnRef idx="2">
+              <a:schemeClr val="accent1">
+                <a:shade val="50000"/>
+              </a:schemeClr>
+            </a:lnRef>
+            <a:fillRef idx="1">
+              <a:schemeClr val="accent1"/>
+            </a:fillRef>
+            <a:effectRef idx="0">
+              <a:schemeClr val="accent1"/>
+            </a:effectRef>
+            <a:fontRef idx="minor">
+              <a:schemeClr val="lt1"/>
+            </a:fontRef>
+          </p:style>
+          <p:txBody>
+            <a:bodyPr rtlCol="0" anchor="ctr"/>
+            <a:lstStyle/>
+            <a:p>
+              <a:pPr algn="ctr"/>
+              <a:endParaRPr lang="de-DE">
+                <a:ln>
+                  <a:solidFill>
+                    <a:sysClr val="windowText" lastClr="000000"/>
+                  </a:solidFill>
+                </a:ln>
+              </a:endParaRPr>
+            </a:p>
+          </p:txBody>
+        </p:sp>
+        <p:sp>
+          <p:nvSpPr>
+            <p:cNvPr id="25" name="Ellipse 24">
+              <a:extLst>
+                <a:ext uri="{FF2B5EF4-FFF2-40B4-BE49-F238E27FC236}">
+                  <a16:creationId xmlns:a16="http://schemas.microsoft.com/office/drawing/2014/main" id="{53C71244-523D-49A1-AA2B-AF651BE3C901}"/>
+                </a:ext>
+              </a:extLst>
+            </p:cNvPr>
+            <p:cNvSpPr/>
+            <p:nvPr/>
+          </p:nvSpPr>
+          <p:spPr>
+            <a:xfrm>
+              <a:off x="4870800" y="3393000"/>
+              <a:ext cx="72000" cy="72000"/>
+            </a:xfrm>
+            <a:prstGeom prst="ellipse">
+              <a:avLst/>
+            </a:prstGeom>
+            <a:solidFill>
+              <a:srgbClr val="2A82DA"/>
+            </a:solidFill>
+            <a:ln w="38100">
+              <a:solidFill>
+                <a:srgbClr val="2A82DA"/>
+              </a:solidFill>
+            </a:ln>
+          </p:spPr>
+          <p:style>
+            <a:lnRef idx="2">
+              <a:schemeClr val="accent1">
+                <a:shade val="50000"/>
+              </a:schemeClr>
+            </a:lnRef>
+            <a:fillRef idx="1">
+              <a:schemeClr val="accent1"/>
+            </a:fillRef>
+            <a:effectRef idx="0">
+              <a:schemeClr val="accent1"/>
+            </a:effectRef>
+            <a:fontRef idx="minor">
+              <a:schemeClr val="lt1"/>
+            </a:fontRef>
+          </p:style>
+          <p:txBody>
+            <a:bodyPr rtlCol="0" anchor="ctr"/>
+            <a:lstStyle/>
+            <a:p>
+              <a:pPr algn="ctr"/>
+              <a:endParaRPr lang="de-DE" dirty="0">
+                <a:ln>
+                  <a:solidFill>
+                    <a:sysClr val="windowText" lastClr="000000"/>
+                  </a:solidFill>
+                </a:ln>
+              </a:endParaRPr>
+            </a:p>
+          </p:txBody>
+        </p:sp>
+        <p:sp>
+          <p:nvSpPr>
+            <p:cNvPr id="28" name="Ellipse 27">
+              <a:extLst>
+                <a:ext uri="{FF2B5EF4-FFF2-40B4-BE49-F238E27FC236}">
+                  <a16:creationId xmlns:a16="http://schemas.microsoft.com/office/drawing/2014/main" id="{92ABA44F-D000-4240-A7E6-0C8D7B74E95B}"/>
+                </a:ext>
+              </a:extLst>
+            </p:cNvPr>
+            <p:cNvSpPr/>
+            <p:nvPr/>
+          </p:nvSpPr>
+          <p:spPr>
+            <a:xfrm>
+              <a:off x="5302800" y="3393000"/>
+              <a:ext cx="72000" cy="72000"/>
+            </a:xfrm>
+            <a:prstGeom prst="ellipse">
+              <a:avLst/>
+            </a:prstGeom>
+            <a:solidFill>
+              <a:srgbClr val="2A82DA"/>
+            </a:solidFill>
+            <a:ln w="38100">
+              <a:solidFill>
+                <a:srgbClr val="2A82DA"/>
+              </a:solidFill>
+            </a:ln>
+          </p:spPr>
+          <p:style>
+            <a:lnRef idx="2">
+              <a:schemeClr val="accent1">
+                <a:shade val="50000"/>
+              </a:schemeClr>
+            </a:lnRef>
+            <a:fillRef idx="1">
+              <a:schemeClr val="accent1"/>
+            </a:fillRef>
+            <a:effectRef idx="0">
+              <a:schemeClr val="accent1"/>
+            </a:effectRef>
+            <a:fontRef idx="minor">
+              <a:schemeClr val="lt1"/>
+            </a:fontRef>
+          </p:style>
+          <p:txBody>
+            <a:bodyPr rtlCol="0" anchor="ctr"/>
+            <a:lstStyle/>
+            <a:p>
+              <a:pPr algn="ctr"/>
+              <a:endParaRPr lang="de-DE">
+                <a:ln>
+                  <a:solidFill>
+                    <a:sysClr val="windowText" lastClr="000000"/>
+                  </a:solidFill>
+                </a:ln>
+              </a:endParaRPr>
+            </a:p>
+          </p:txBody>
+        </p:sp>
+        <p:sp>
+          <p:nvSpPr>
+            <p:cNvPr id="36" name="Ellipse 35">
+              <a:extLst>
+                <a:ext uri="{FF2B5EF4-FFF2-40B4-BE49-F238E27FC236}">
+                  <a16:creationId xmlns:a16="http://schemas.microsoft.com/office/drawing/2014/main" id="{6BE9A1AD-F1D4-49A6-8FBF-853ABAD3AF36}"/>
+                </a:ext>
+              </a:extLst>
+            </p:cNvPr>
+            <p:cNvSpPr/>
+            <p:nvPr/>
+          </p:nvSpPr>
+          <p:spPr>
+            <a:xfrm>
+              <a:off x="5734800" y="3393000"/>
+              <a:ext cx="72000" cy="72000"/>
+            </a:xfrm>
+            <a:prstGeom prst="ellipse">
+              <a:avLst/>
+            </a:prstGeom>
+            <a:solidFill>
+              <a:srgbClr val="232323"/>
+            </a:solidFill>
+            <a:ln w="38100">
+              <a:solidFill>
+                <a:srgbClr val="232323"/>
+              </a:solidFill>
+            </a:ln>
+          </p:spPr>
+          <p:style>
+            <a:lnRef idx="2">
+              <a:schemeClr val="accent1">
+                <a:shade val="50000"/>
+              </a:schemeClr>
+            </a:lnRef>
+            <a:fillRef idx="1">
+              <a:schemeClr val="accent1"/>
+            </a:fillRef>
+            <a:effectRef idx="0">
+              <a:schemeClr val="accent1"/>
+            </a:effectRef>
+            <a:fontRef idx="minor">
+              <a:schemeClr val="lt1"/>
+            </a:fontRef>
+          </p:style>
+          <p:txBody>
+            <a:bodyPr rtlCol="0" anchor="ctr"/>
+            <a:lstStyle/>
+            <a:p>
+              <a:pPr algn="ctr"/>
+              <a:endParaRPr lang="de-DE">
+                <a:ln>
+                  <a:solidFill>
+                    <a:sysClr val="windowText" lastClr="000000"/>
+                  </a:solidFill>
+                </a:ln>
+              </a:endParaRPr>
+            </a:p>
+          </p:txBody>
+        </p:sp>
+        <p:sp>
+          <p:nvSpPr>
+            <p:cNvPr id="40" name="Ellipse 39">
+              <a:extLst>
+                <a:ext uri="{FF2B5EF4-FFF2-40B4-BE49-F238E27FC236}">
+                  <a16:creationId xmlns:a16="http://schemas.microsoft.com/office/drawing/2014/main" id="{6809AB47-4D7C-43E9-A22B-561318E73EF5}"/>
+                </a:ext>
+              </a:extLst>
+            </p:cNvPr>
+            <p:cNvSpPr/>
+            <p:nvPr/>
+          </p:nvSpPr>
+          <p:spPr>
+            <a:xfrm>
+              <a:off x="6166800" y="3393000"/>
+              <a:ext cx="72000" cy="72000"/>
+            </a:xfrm>
+            <a:prstGeom prst="ellipse">
+              <a:avLst/>
+            </a:prstGeom>
+            <a:solidFill>
+              <a:srgbClr val="232323"/>
+            </a:solidFill>
+            <a:ln w="38100">
+              <a:solidFill>
+                <a:srgbClr val="232323"/>
+              </a:solidFill>
+            </a:ln>
+          </p:spPr>
+          <p:style>
+            <a:lnRef idx="2">
+              <a:schemeClr val="accent1">
+                <a:shade val="50000"/>
+              </a:schemeClr>
+            </a:lnRef>
+            <a:fillRef idx="1">
+              <a:schemeClr val="accent1"/>
+            </a:fillRef>
+            <a:effectRef idx="0">
+              <a:schemeClr val="accent1"/>
+            </a:effectRef>
+            <a:fontRef idx="minor">
+              <a:schemeClr val="lt1"/>
+            </a:fontRef>
+          </p:style>
+          <p:txBody>
+            <a:bodyPr rtlCol="0" anchor="ctr"/>
+            <a:lstStyle/>
+            <a:p>
+              <a:pPr algn="ctr"/>
+              <a:endParaRPr lang="de-DE">
+                <a:ln>
+                  <a:solidFill>
+                    <a:sysClr val="windowText" lastClr="000000"/>
+                  </a:solidFill>
+                </a:ln>
+              </a:endParaRPr>
+            </a:p>
+          </p:txBody>
+        </p:sp>
+      </p:grpSp>
+    </p:spTree>
+    <p:extLst>
+      <p:ext uri="{BB962C8B-B14F-4D97-AF65-F5344CB8AC3E}">
+        <p14:creationId xmlns:p14="http://schemas.microsoft.com/office/powerpoint/2010/main" val="4121895256"/>
+      </p:ext>
+    </p:extLst>
+  </p:cSld>
+  <p:clrMapOvr>
+    <a:masterClrMapping/>
+  </p:clrMapOvr>
+</p:sld>
+</file>
+
 <file path=ppt/slides/slide2.xml><?xml version="1.0" encoding="utf-8"?>
 <p:sld xmlns:a="http://schemas.openxmlformats.org/drawingml/2006/main" xmlns:r="http://schemas.openxmlformats.org/officeDocument/2006/relationships" xmlns:p="http://schemas.openxmlformats.org/presentationml/2006/main">
   <p:cSld>
@@ -7629,6 +9285,1068 @@
     <p:extLst>
       <p:ext uri="{BB962C8B-B14F-4D97-AF65-F5344CB8AC3E}">
         <p14:creationId xmlns:p14="http://schemas.microsoft.com/office/powerpoint/2010/main" val="2795447465"/>
+      </p:ext>
+    </p:extLst>
+  </p:cSld>
+  <p:clrMapOvr>
+    <a:masterClrMapping/>
+  </p:clrMapOvr>
+</p:sld>
+</file>
+
+<file path=ppt/slides/slide20.xml><?xml version="1.0" encoding="utf-8"?>
+<p:sld xmlns:a="http://schemas.openxmlformats.org/drawingml/2006/main" xmlns:r="http://schemas.openxmlformats.org/officeDocument/2006/relationships" xmlns:p="http://schemas.openxmlformats.org/presentationml/2006/main">
+  <p:cSld>
+    <p:spTree>
+      <p:nvGrpSpPr>
+        <p:cNvPr id="1" name=""/>
+        <p:cNvGrpSpPr/>
+        <p:nvPr/>
+      </p:nvGrpSpPr>
+      <p:grpSpPr>
+        <a:xfrm>
+          <a:off x="0" y="0"/>
+          <a:ext cx="0" cy="0"/>
+          <a:chOff x="0" y="0"/>
+          <a:chExt cx="0" cy="0"/>
+        </a:xfrm>
+      </p:grpSpPr>
+      <p:grpSp>
+        <p:nvGrpSpPr>
+          <p:cNvPr id="53" name="Gruppieren 52">
+            <a:extLst>
+              <a:ext uri="{FF2B5EF4-FFF2-40B4-BE49-F238E27FC236}">
+                <a16:creationId xmlns:a16="http://schemas.microsoft.com/office/drawing/2014/main" id="{5051D944-57E6-4F35-9806-6B25FD5E49B2}"/>
+              </a:ext>
+            </a:extLst>
+          </p:cNvPr>
+          <p:cNvGrpSpPr/>
+          <p:nvPr/>
+        </p:nvGrpSpPr>
+        <p:grpSpPr>
+          <a:xfrm>
+            <a:off x="5196900" y="3393000"/>
+            <a:ext cx="1798200" cy="72000"/>
+            <a:chOff x="4440600" y="3393000"/>
+            <a:chExt cx="1798200" cy="72000"/>
+          </a:xfrm>
+        </p:grpSpPr>
+        <p:cxnSp>
+          <p:nvCxnSpPr>
+            <p:cNvPr id="23" name="Gerader Verbinder 22"/>
+            <p:cNvCxnSpPr>
+              <a:cxnSpLocks/>
+              <a:stCxn id="25" idx="2"/>
+              <a:endCxn id="7" idx="6"/>
+            </p:cNvCxnSpPr>
+            <p:nvPr/>
+          </p:nvCxnSpPr>
+          <p:spPr>
+            <a:xfrm flipH="1">
+              <a:off x="4512600" y="3429000"/>
+              <a:ext cx="358200" cy="0"/>
+            </a:xfrm>
+            <a:prstGeom prst="line">
+              <a:avLst/>
+            </a:prstGeom>
+            <a:solidFill>
+              <a:srgbClr val="2A82DA"/>
+            </a:solidFill>
+            <a:ln w="28575">
+              <a:solidFill>
+                <a:srgbClr val="2A82DA"/>
+              </a:solidFill>
+            </a:ln>
+          </p:spPr>
+          <p:style>
+            <a:lnRef idx="1">
+              <a:schemeClr val="accent1"/>
+            </a:lnRef>
+            <a:fillRef idx="0">
+              <a:schemeClr val="accent1"/>
+            </a:fillRef>
+            <a:effectRef idx="0">
+              <a:schemeClr val="accent1"/>
+            </a:effectRef>
+            <a:fontRef idx="minor">
+              <a:schemeClr val="tx1"/>
+            </a:fontRef>
+          </p:style>
+        </p:cxnSp>
+        <p:cxnSp>
+          <p:nvCxnSpPr>
+            <p:cNvPr id="15" name="Gerader Verbinder 14">
+              <a:extLst>
+                <a:ext uri="{FF2B5EF4-FFF2-40B4-BE49-F238E27FC236}">
+                  <a16:creationId xmlns:a16="http://schemas.microsoft.com/office/drawing/2014/main" id="{3FE5D68D-4180-44E5-B296-4BF77BC51989}"/>
+                </a:ext>
+              </a:extLst>
+            </p:cNvPr>
+            <p:cNvCxnSpPr>
+              <a:cxnSpLocks/>
+              <a:stCxn id="28" idx="2"/>
+              <a:endCxn id="25" idx="6"/>
+            </p:cNvCxnSpPr>
+            <p:nvPr/>
+          </p:nvCxnSpPr>
+          <p:spPr>
+            <a:xfrm flipH="1">
+              <a:off x="4942800" y="3429000"/>
+              <a:ext cx="360000" cy="0"/>
+            </a:xfrm>
+            <a:prstGeom prst="line">
+              <a:avLst/>
+            </a:prstGeom>
+            <a:solidFill>
+              <a:srgbClr val="2A82DA"/>
+            </a:solidFill>
+            <a:ln w="28575">
+              <a:solidFill>
+                <a:srgbClr val="2A82DA"/>
+              </a:solidFill>
+            </a:ln>
+          </p:spPr>
+          <p:style>
+            <a:lnRef idx="1">
+              <a:schemeClr val="accent1"/>
+            </a:lnRef>
+            <a:fillRef idx="0">
+              <a:schemeClr val="accent1"/>
+            </a:fillRef>
+            <a:effectRef idx="0">
+              <a:schemeClr val="accent1"/>
+            </a:effectRef>
+            <a:fontRef idx="minor">
+              <a:schemeClr val="tx1"/>
+            </a:fontRef>
+          </p:style>
+        </p:cxnSp>
+        <p:cxnSp>
+          <p:nvCxnSpPr>
+            <p:cNvPr id="16" name="Gerader Verbinder 15">
+              <a:extLst>
+                <a:ext uri="{FF2B5EF4-FFF2-40B4-BE49-F238E27FC236}">
+                  <a16:creationId xmlns:a16="http://schemas.microsoft.com/office/drawing/2014/main" id="{54B2CB90-7345-4A82-8B57-091E6BE8D471}"/>
+                </a:ext>
+              </a:extLst>
+            </p:cNvPr>
+            <p:cNvCxnSpPr>
+              <a:cxnSpLocks/>
+              <a:stCxn id="36" idx="2"/>
+              <a:endCxn id="28" idx="6"/>
+            </p:cNvCxnSpPr>
+            <p:nvPr/>
+          </p:nvCxnSpPr>
+          <p:spPr>
+            <a:xfrm flipH="1">
+              <a:off x="5374800" y="3429000"/>
+              <a:ext cx="360000" cy="0"/>
+            </a:xfrm>
+            <a:prstGeom prst="line">
+              <a:avLst/>
+            </a:prstGeom>
+            <a:solidFill>
+              <a:srgbClr val="2A82DA"/>
+            </a:solidFill>
+            <a:ln w="28575">
+              <a:solidFill>
+                <a:srgbClr val="2A82DA"/>
+              </a:solidFill>
+            </a:ln>
+          </p:spPr>
+          <p:style>
+            <a:lnRef idx="1">
+              <a:schemeClr val="accent1"/>
+            </a:lnRef>
+            <a:fillRef idx="0">
+              <a:schemeClr val="accent1"/>
+            </a:fillRef>
+            <a:effectRef idx="0">
+              <a:schemeClr val="accent1"/>
+            </a:effectRef>
+            <a:fontRef idx="minor">
+              <a:schemeClr val="tx1"/>
+            </a:fontRef>
+          </p:style>
+        </p:cxnSp>
+        <p:cxnSp>
+          <p:nvCxnSpPr>
+            <p:cNvPr id="17" name="Gerader Verbinder 16">
+              <a:extLst>
+                <a:ext uri="{FF2B5EF4-FFF2-40B4-BE49-F238E27FC236}">
+                  <a16:creationId xmlns:a16="http://schemas.microsoft.com/office/drawing/2014/main" id="{2D6E0B11-D1CC-4669-9A4E-F7537E7EE9A8}"/>
+                </a:ext>
+              </a:extLst>
+            </p:cNvPr>
+            <p:cNvCxnSpPr>
+              <a:cxnSpLocks/>
+              <a:stCxn id="40" idx="2"/>
+              <a:endCxn id="36" idx="6"/>
+            </p:cNvCxnSpPr>
+            <p:nvPr/>
+          </p:nvCxnSpPr>
+          <p:spPr>
+            <a:xfrm flipH="1">
+              <a:off x="5806800" y="3429000"/>
+              <a:ext cx="360000" cy="0"/>
+            </a:xfrm>
+            <a:prstGeom prst="line">
+              <a:avLst/>
+            </a:prstGeom>
+            <a:solidFill>
+              <a:srgbClr val="232323"/>
+            </a:solidFill>
+            <a:ln w="28575">
+              <a:solidFill>
+                <a:srgbClr val="232323"/>
+              </a:solidFill>
+            </a:ln>
+          </p:spPr>
+          <p:style>
+            <a:lnRef idx="1">
+              <a:schemeClr val="accent1"/>
+            </a:lnRef>
+            <a:fillRef idx="0">
+              <a:schemeClr val="accent1"/>
+            </a:fillRef>
+            <a:effectRef idx="0">
+              <a:schemeClr val="accent1"/>
+            </a:effectRef>
+            <a:fontRef idx="minor">
+              <a:schemeClr val="tx1"/>
+            </a:fontRef>
+          </p:style>
+        </p:cxnSp>
+        <p:sp>
+          <p:nvSpPr>
+            <p:cNvPr id="7" name="Ellipse 6"/>
+            <p:cNvSpPr/>
+            <p:nvPr/>
+          </p:nvSpPr>
+          <p:spPr>
+            <a:xfrm>
+              <a:off x="4440600" y="3393000"/>
+              <a:ext cx="72000" cy="72000"/>
+            </a:xfrm>
+            <a:prstGeom prst="ellipse">
+              <a:avLst/>
+            </a:prstGeom>
+            <a:solidFill>
+              <a:srgbClr val="2A82DA"/>
+            </a:solidFill>
+            <a:ln w="38100">
+              <a:solidFill>
+                <a:srgbClr val="2A82DA"/>
+              </a:solidFill>
+            </a:ln>
+          </p:spPr>
+          <p:style>
+            <a:lnRef idx="2">
+              <a:schemeClr val="accent1">
+                <a:shade val="50000"/>
+              </a:schemeClr>
+            </a:lnRef>
+            <a:fillRef idx="1">
+              <a:schemeClr val="accent1"/>
+            </a:fillRef>
+            <a:effectRef idx="0">
+              <a:schemeClr val="accent1"/>
+            </a:effectRef>
+            <a:fontRef idx="minor">
+              <a:schemeClr val="lt1"/>
+            </a:fontRef>
+          </p:style>
+          <p:txBody>
+            <a:bodyPr rtlCol="0" anchor="ctr"/>
+            <a:lstStyle/>
+            <a:p>
+              <a:pPr algn="ctr"/>
+              <a:endParaRPr lang="de-DE">
+                <a:ln>
+                  <a:solidFill>
+                    <a:sysClr val="windowText" lastClr="000000"/>
+                  </a:solidFill>
+                </a:ln>
+              </a:endParaRPr>
+            </a:p>
+          </p:txBody>
+        </p:sp>
+        <p:sp>
+          <p:nvSpPr>
+            <p:cNvPr id="25" name="Ellipse 24">
+              <a:extLst>
+                <a:ext uri="{FF2B5EF4-FFF2-40B4-BE49-F238E27FC236}">
+                  <a16:creationId xmlns:a16="http://schemas.microsoft.com/office/drawing/2014/main" id="{53C71244-523D-49A1-AA2B-AF651BE3C901}"/>
+                </a:ext>
+              </a:extLst>
+            </p:cNvPr>
+            <p:cNvSpPr/>
+            <p:nvPr/>
+          </p:nvSpPr>
+          <p:spPr>
+            <a:xfrm>
+              <a:off x="4870800" y="3393000"/>
+              <a:ext cx="72000" cy="72000"/>
+            </a:xfrm>
+            <a:prstGeom prst="ellipse">
+              <a:avLst/>
+            </a:prstGeom>
+            <a:solidFill>
+              <a:srgbClr val="2A82DA"/>
+            </a:solidFill>
+            <a:ln w="38100">
+              <a:solidFill>
+                <a:srgbClr val="2A82DA"/>
+              </a:solidFill>
+            </a:ln>
+          </p:spPr>
+          <p:style>
+            <a:lnRef idx="2">
+              <a:schemeClr val="accent1">
+                <a:shade val="50000"/>
+              </a:schemeClr>
+            </a:lnRef>
+            <a:fillRef idx="1">
+              <a:schemeClr val="accent1"/>
+            </a:fillRef>
+            <a:effectRef idx="0">
+              <a:schemeClr val="accent1"/>
+            </a:effectRef>
+            <a:fontRef idx="minor">
+              <a:schemeClr val="lt1"/>
+            </a:fontRef>
+          </p:style>
+          <p:txBody>
+            <a:bodyPr rtlCol="0" anchor="ctr"/>
+            <a:lstStyle/>
+            <a:p>
+              <a:pPr algn="ctr"/>
+              <a:endParaRPr lang="de-DE" dirty="0">
+                <a:ln>
+                  <a:solidFill>
+                    <a:sysClr val="windowText" lastClr="000000"/>
+                  </a:solidFill>
+                </a:ln>
+              </a:endParaRPr>
+            </a:p>
+          </p:txBody>
+        </p:sp>
+        <p:sp>
+          <p:nvSpPr>
+            <p:cNvPr id="28" name="Ellipse 27">
+              <a:extLst>
+                <a:ext uri="{FF2B5EF4-FFF2-40B4-BE49-F238E27FC236}">
+                  <a16:creationId xmlns:a16="http://schemas.microsoft.com/office/drawing/2014/main" id="{92ABA44F-D000-4240-A7E6-0C8D7B74E95B}"/>
+                </a:ext>
+              </a:extLst>
+            </p:cNvPr>
+            <p:cNvSpPr/>
+            <p:nvPr/>
+          </p:nvSpPr>
+          <p:spPr>
+            <a:xfrm>
+              <a:off x="5302800" y="3393000"/>
+              <a:ext cx="72000" cy="72000"/>
+            </a:xfrm>
+            <a:prstGeom prst="ellipse">
+              <a:avLst/>
+            </a:prstGeom>
+            <a:solidFill>
+              <a:srgbClr val="2A82DA"/>
+            </a:solidFill>
+            <a:ln w="38100">
+              <a:solidFill>
+                <a:srgbClr val="2A82DA"/>
+              </a:solidFill>
+            </a:ln>
+          </p:spPr>
+          <p:style>
+            <a:lnRef idx="2">
+              <a:schemeClr val="accent1">
+                <a:shade val="50000"/>
+              </a:schemeClr>
+            </a:lnRef>
+            <a:fillRef idx="1">
+              <a:schemeClr val="accent1"/>
+            </a:fillRef>
+            <a:effectRef idx="0">
+              <a:schemeClr val="accent1"/>
+            </a:effectRef>
+            <a:fontRef idx="minor">
+              <a:schemeClr val="lt1"/>
+            </a:fontRef>
+          </p:style>
+          <p:txBody>
+            <a:bodyPr rtlCol="0" anchor="ctr"/>
+            <a:lstStyle/>
+            <a:p>
+              <a:pPr algn="ctr"/>
+              <a:endParaRPr lang="de-DE">
+                <a:ln>
+                  <a:solidFill>
+                    <a:sysClr val="windowText" lastClr="000000"/>
+                  </a:solidFill>
+                </a:ln>
+              </a:endParaRPr>
+            </a:p>
+          </p:txBody>
+        </p:sp>
+        <p:sp>
+          <p:nvSpPr>
+            <p:cNvPr id="36" name="Ellipse 35">
+              <a:extLst>
+                <a:ext uri="{FF2B5EF4-FFF2-40B4-BE49-F238E27FC236}">
+                  <a16:creationId xmlns:a16="http://schemas.microsoft.com/office/drawing/2014/main" id="{6BE9A1AD-F1D4-49A6-8FBF-853ABAD3AF36}"/>
+                </a:ext>
+              </a:extLst>
+            </p:cNvPr>
+            <p:cNvSpPr/>
+            <p:nvPr/>
+          </p:nvSpPr>
+          <p:spPr>
+            <a:xfrm>
+              <a:off x="5734800" y="3393000"/>
+              <a:ext cx="72000" cy="72000"/>
+            </a:xfrm>
+            <a:prstGeom prst="ellipse">
+              <a:avLst/>
+            </a:prstGeom>
+            <a:solidFill>
+              <a:srgbClr val="2A82DA"/>
+            </a:solidFill>
+            <a:ln w="38100">
+              <a:solidFill>
+                <a:srgbClr val="2A82DA"/>
+              </a:solidFill>
+            </a:ln>
+          </p:spPr>
+          <p:style>
+            <a:lnRef idx="2">
+              <a:schemeClr val="accent1">
+                <a:shade val="50000"/>
+              </a:schemeClr>
+            </a:lnRef>
+            <a:fillRef idx="1">
+              <a:schemeClr val="accent1"/>
+            </a:fillRef>
+            <a:effectRef idx="0">
+              <a:schemeClr val="accent1"/>
+            </a:effectRef>
+            <a:fontRef idx="minor">
+              <a:schemeClr val="lt1"/>
+            </a:fontRef>
+          </p:style>
+          <p:txBody>
+            <a:bodyPr rtlCol="0" anchor="ctr"/>
+            <a:lstStyle/>
+            <a:p>
+              <a:pPr algn="ctr"/>
+              <a:endParaRPr lang="de-DE">
+                <a:ln>
+                  <a:solidFill>
+                    <a:sysClr val="windowText" lastClr="000000"/>
+                  </a:solidFill>
+                </a:ln>
+              </a:endParaRPr>
+            </a:p>
+          </p:txBody>
+        </p:sp>
+        <p:sp>
+          <p:nvSpPr>
+            <p:cNvPr id="40" name="Ellipse 39">
+              <a:extLst>
+                <a:ext uri="{FF2B5EF4-FFF2-40B4-BE49-F238E27FC236}">
+                  <a16:creationId xmlns:a16="http://schemas.microsoft.com/office/drawing/2014/main" id="{6809AB47-4D7C-43E9-A22B-561318E73EF5}"/>
+                </a:ext>
+              </a:extLst>
+            </p:cNvPr>
+            <p:cNvSpPr/>
+            <p:nvPr/>
+          </p:nvSpPr>
+          <p:spPr>
+            <a:xfrm>
+              <a:off x="6166800" y="3393000"/>
+              <a:ext cx="72000" cy="72000"/>
+            </a:xfrm>
+            <a:prstGeom prst="ellipse">
+              <a:avLst/>
+            </a:prstGeom>
+            <a:solidFill>
+              <a:srgbClr val="232323"/>
+            </a:solidFill>
+            <a:ln w="38100">
+              <a:solidFill>
+                <a:srgbClr val="232323"/>
+              </a:solidFill>
+            </a:ln>
+          </p:spPr>
+          <p:style>
+            <a:lnRef idx="2">
+              <a:schemeClr val="accent1">
+                <a:shade val="50000"/>
+              </a:schemeClr>
+            </a:lnRef>
+            <a:fillRef idx="1">
+              <a:schemeClr val="accent1"/>
+            </a:fillRef>
+            <a:effectRef idx="0">
+              <a:schemeClr val="accent1"/>
+            </a:effectRef>
+            <a:fontRef idx="minor">
+              <a:schemeClr val="lt1"/>
+            </a:fontRef>
+          </p:style>
+          <p:txBody>
+            <a:bodyPr rtlCol="0" anchor="ctr"/>
+            <a:lstStyle/>
+            <a:p>
+              <a:pPr algn="ctr"/>
+              <a:endParaRPr lang="de-DE">
+                <a:ln>
+                  <a:solidFill>
+                    <a:sysClr val="windowText" lastClr="000000"/>
+                  </a:solidFill>
+                </a:ln>
+              </a:endParaRPr>
+            </a:p>
+          </p:txBody>
+        </p:sp>
+      </p:grpSp>
+    </p:spTree>
+    <p:extLst>
+      <p:ext uri="{BB962C8B-B14F-4D97-AF65-F5344CB8AC3E}">
+        <p14:creationId xmlns:p14="http://schemas.microsoft.com/office/powerpoint/2010/main" val="1826670306"/>
+      </p:ext>
+    </p:extLst>
+  </p:cSld>
+  <p:clrMapOvr>
+    <a:masterClrMapping/>
+  </p:clrMapOvr>
+</p:sld>
+</file>
+
+<file path=ppt/slides/slide21.xml><?xml version="1.0" encoding="utf-8"?>
+<p:sld xmlns:a="http://schemas.openxmlformats.org/drawingml/2006/main" xmlns:r="http://schemas.openxmlformats.org/officeDocument/2006/relationships" xmlns:p="http://schemas.openxmlformats.org/presentationml/2006/main">
+  <p:cSld>
+    <p:spTree>
+      <p:nvGrpSpPr>
+        <p:cNvPr id="1" name=""/>
+        <p:cNvGrpSpPr/>
+        <p:nvPr/>
+      </p:nvGrpSpPr>
+      <p:grpSpPr>
+        <a:xfrm>
+          <a:off x="0" y="0"/>
+          <a:ext cx="0" cy="0"/>
+          <a:chOff x="0" y="0"/>
+          <a:chExt cx="0" cy="0"/>
+        </a:xfrm>
+      </p:grpSpPr>
+      <p:grpSp>
+        <p:nvGrpSpPr>
+          <p:cNvPr id="53" name="Gruppieren 52">
+            <a:extLst>
+              <a:ext uri="{FF2B5EF4-FFF2-40B4-BE49-F238E27FC236}">
+                <a16:creationId xmlns:a16="http://schemas.microsoft.com/office/drawing/2014/main" id="{5051D944-57E6-4F35-9806-6B25FD5E49B2}"/>
+              </a:ext>
+            </a:extLst>
+          </p:cNvPr>
+          <p:cNvGrpSpPr/>
+          <p:nvPr/>
+        </p:nvGrpSpPr>
+        <p:grpSpPr>
+          <a:xfrm>
+            <a:off x="5196900" y="3393000"/>
+            <a:ext cx="1798200" cy="72000"/>
+            <a:chOff x="4440600" y="3393000"/>
+            <a:chExt cx="1798200" cy="72000"/>
+          </a:xfrm>
+        </p:grpSpPr>
+        <p:cxnSp>
+          <p:nvCxnSpPr>
+            <p:cNvPr id="23" name="Gerader Verbinder 22"/>
+            <p:cNvCxnSpPr>
+              <a:cxnSpLocks/>
+              <a:stCxn id="25" idx="2"/>
+              <a:endCxn id="7" idx="6"/>
+            </p:cNvCxnSpPr>
+            <p:nvPr/>
+          </p:nvCxnSpPr>
+          <p:spPr>
+            <a:xfrm flipH="1">
+              <a:off x="4512600" y="3429000"/>
+              <a:ext cx="358200" cy="0"/>
+            </a:xfrm>
+            <a:prstGeom prst="line">
+              <a:avLst/>
+            </a:prstGeom>
+            <a:solidFill>
+              <a:srgbClr val="2A82DA"/>
+            </a:solidFill>
+            <a:ln w="28575">
+              <a:solidFill>
+                <a:srgbClr val="2A82DA"/>
+              </a:solidFill>
+            </a:ln>
+          </p:spPr>
+          <p:style>
+            <a:lnRef idx="1">
+              <a:schemeClr val="accent1"/>
+            </a:lnRef>
+            <a:fillRef idx="0">
+              <a:schemeClr val="accent1"/>
+            </a:fillRef>
+            <a:effectRef idx="0">
+              <a:schemeClr val="accent1"/>
+            </a:effectRef>
+            <a:fontRef idx="minor">
+              <a:schemeClr val="tx1"/>
+            </a:fontRef>
+          </p:style>
+        </p:cxnSp>
+        <p:cxnSp>
+          <p:nvCxnSpPr>
+            <p:cNvPr id="15" name="Gerader Verbinder 14">
+              <a:extLst>
+                <a:ext uri="{FF2B5EF4-FFF2-40B4-BE49-F238E27FC236}">
+                  <a16:creationId xmlns:a16="http://schemas.microsoft.com/office/drawing/2014/main" id="{3FE5D68D-4180-44E5-B296-4BF77BC51989}"/>
+                </a:ext>
+              </a:extLst>
+            </p:cNvPr>
+            <p:cNvCxnSpPr>
+              <a:cxnSpLocks/>
+              <a:stCxn id="28" idx="2"/>
+              <a:endCxn id="25" idx="6"/>
+            </p:cNvCxnSpPr>
+            <p:nvPr/>
+          </p:nvCxnSpPr>
+          <p:spPr>
+            <a:xfrm flipH="1">
+              <a:off x="4942800" y="3429000"/>
+              <a:ext cx="360000" cy="0"/>
+            </a:xfrm>
+            <a:prstGeom prst="line">
+              <a:avLst/>
+            </a:prstGeom>
+            <a:solidFill>
+              <a:srgbClr val="2A82DA"/>
+            </a:solidFill>
+            <a:ln w="28575">
+              <a:solidFill>
+                <a:srgbClr val="2A82DA"/>
+              </a:solidFill>
+            </a:ln>
+          </p:spPr>
+          <p:style>
+            <a:lnRef idx="1">
+              <a:schemeClr val="accent1"/>
+            </a:lnRef>
+            <a:fillRef idx="0">
+              <a:schemeClr val="accent1"/>
+            </a:fillRef>
+            <a:effectRef idx="0">
+              <a:schemeClr val="accent1"/>
+            </a:effectRef>
+            <a:fontRef idx="minor">
+              <a:schemeClr val="tx1"/>
+            </a:fontRef>
+          </p:style>
+        </p:cxnSp>
+        <p:cxnSp>
+          <p:nvCxnSpPr>
+            <p:cNvPr id="16" name="Gerader Verbinder 15">
+              <a:extLst>
+                <a:ext uri="{FF2B5EF4-FFF2-40B4-BE49-F238E27FC236}">
+                  <a16:creationId xmlns:a16="http://schemas.microsoft.com/office/drawing/2014/main" id="{54B2CB90-7345-4A82-8B57-091E6BE8D471}"/>
+                </a:ext>
+              </a:extLst>
+            </p:cNvPr>
+            <p:cNvCxnSpPr>
+              <a:cxnSpLocks/>
+              <a:stCxn id="36" idx="2"/>
+              <a:endCxn id="28" idx="6"/>
+            </p:cNvCxnSpPr>
+            <p:nvPr/>
+          </p:nvCxnSpPr>
+          <p:spPr>
+            <a:xfrm flipH="1">
+              <a:off x="5374800" y="3429000"/>
+              <a:ext cx="360000" cy="0"/>
+            </a:xfrm>
+            <a:prstGeom prst="line">
+              <a:avLst/>
+            </a:prstGeom>
+            <a:solidFill>
+              <a:srgbClr val="2A82DA"/>
+            </a:solidFill>
+            <a:ln w="28575">
+              <a:solidFill>
+                <a:srgbClr val="2A82DA"/>
+              </a:solidFill>
+            </a:ln>
+          </p:spPr>
+          <p:style>
+            <a:lnRef idx="1">
+              <a:schemeClr val="accent1"/>
+            </a:lnRef>
+            <a:fillRef idx="0">
+              <a:schemeClr val="accent1"/>
+            </a:fillRef>
+            <a:effectRef idx="0">
+              <a:schemeClr val="accent1"/>
+            </a:effectRef>
+            <a:fontRef idx="minor">
+              <a:schemeClr val="tx1"/>
+            </a:fontRef>
+          </p:style>
+        </p:cxnSp>
+        <p:cxnSp>
+          <p:nvCxnSpPr>
+            <p:cNvPr id="17" name="Gerader Verbinder 16">
+              <a:extLst>
+                <a:ext uri="{FF2B5EF4-FFF2-40B4-BE49-F238E27FC236}">
+                  <a16:creationId xmlns:a16="http://schemas.microsoft.com/office/drawing/2014/main" id="{2D6E0B11-D1CC-4669-9A4E-F7537E7EE9A8}"/>
+                </a:ext>
+              </a:extLst>
+            </p:cNvPr>
+            <p:cNvCxnSpPr>
+              <a:cxnSpLocks/>
+              <a:stCxn id="40" idx="2"/>
+              <a:endCxn id="36" idx="6"/>
+            </p:cNvCxnSpPr>
+            <p:nvPr/>
+          </p:nvCxnSpPr>
+          <p:spPr>
+            <a:xfrm flipH="1">
+              <a:off x="5806800" y="3429000"/>
+              <a:ext cx="360000" cy="0"/>
+            </a:xfrm>
+            <a:prstGeom prst="line">
+              <a:avLst/>
+            </a:prstGeom>
+            <a:solidFill>
+              <a:srgbClr val="2A82DA"/>
+            </a:solidFill>
+            <a:ln w="28575">
+              <a:solidFill>
+                <a:srgbClr val="2A82DA"/>
+              </a:solidFill>
+            </a:ln>
+          </p:spPr>
+          <p:style>
+            <a:lnRef idx="1">
+              <a:schemeClr val="accent1"/>
+            </a:lnRef>
+            <a:fillRef idx="0">
+              <a:schemeClr val="accent1"/>
+            </a:fillRef>
+            <a:effectRef idx="0">
+              <a:schemeClr val="accent1"/>
+            </a:effectRef>
+            <a:fontRef idx="minor">
+              <a:schemeClr val="tx1"/>
+            </a:fontRef>
+          </p:style>
+        </p:cxnSp>
+        <p:sp>
+          <p:nvSpPr>
+            <p:cNvPr id="7" name="Ellipse 6"/>
+            <p:cNvSpPr/>
+            <p:nvPr/>
+          </p:nvSpPr>
+          <p:spPr>
+            <a:xfrm>
+              <a:off x="4440600" y="3393000"/>
+              <a:ext cx="72000" cy="72000"/>
+            </a:xfrm>
+            <a:prstGeom prst="ellipse">
+              <a:avLst/>
+            </a:prstGeom>
+            <a:solidFill>
+              <a:srgbClr val="2A82DA"/>
+            </a:solidFill>
+            <a:ln w="38100">
+              <a:solidFill>
+                <a:srgbClr val="2A82DA"/>
+              </a:solidFill>
+            </a:ln>
+          </p:spPr>
+          <p:style>
+            <a:lnRef idx="2">
+              <a:schemeClr val="accent1">
+                <a:shade val="50000"/>
+              </a:schemeClr>
+            </a:lnRef>
+            <a:fillRef idx="1">
+              <a:schemeClr val="accent1"/>
+            </a:fillRef>
+            <a:effectRef idx="0">
+              <a:schemeClr val="accent1"/>
+            </a:effectRef>
+            <a:fontRef idx="minor">
+              <a:schemeClr val="lt1"/>
+            </a:fontRef>
+          </p:style>
+          <p:txBody>
+            <a:bodyPr rtlCol="0" anchor="ctr"/>
+            <a:lstStyle/>
+            <a:p>
+              <a:pPr algn="ctr"/>
+              <a:endParaRPr lang="de-DE">
+                <a:ln>
+                  <a:solidFill>
+                    <a:sysClr val="windowText" lastClr="000000"/>
+                  </a:solidFill>
+                </a:ln>
+              </a:endParaRPr>
+            </a:p>
+          </p:txBody>
+        </p:sp>
+        <p:sp>
+          <p:nvSpPr>
+            <p:cNvPr id="25" name="Ellipse 24">
+              <a:extLst>
+                <a:ext uri="{FF2B5EF4-FFF2-40B4-BE49-F238E27FC236}">
+                  <a16:creationId xmlns:a16="http://schemas.microsoft.com/office/drawing/2014/main" id="{53C71244-523D-49A1-AA2B-AF651BE3C901}"/>
+                </a:ext>
+              </a:extLst>
+            </p:cNvPr>
+            <p:cNvSpPr/>
+            <p:nvPr/>
+          </p:nvSpPr>
+          <p:spPr>
+            <a:xfrm>
+              <a:off x="4870800" y="3393000"/>
+              <a:ext cx="72000" cy="72000"/>
+            </a:xfrm>
+            <a:prstGeom prst="ellipse">
+              <a:avLst/>
+            </a:prstGeom>
+            <a:solidFill>
+              <a:srgbClr val="2A82DA"/>
+            </a:solidFill>
+            <a:ln w="38100">
+              <a:solidFill>
+                <a:srgbClr val="2A82DA"/>
+              </a:solidFill>
+            </a:ln>
+          </p:spPr>
+          <p:style>
+            <a:lnRef idx="2">
+              <a:schemeClr val="accent1">
+                <a:shade val="50000"/>
+              </a:schemeClr>
+            </a:lnRef>
+            <a:fillRef idx="1">
+              <a:schemeClr val="accent1"/>
+            </a:fillRef>
+            <a:effectRef idx="0">
+              <a:schemeClr val="accent1"/>
+            </a:effectRef>
+            <a:fontRef idx="minor">
+              <a:schemeClr val="lt1"/>
+            </a:fontRef>
+          </p:style>
+          <p:txBody>
+            <a:bodyPr rtlCol="0" anchor="ctr"/>
+            <a:lstStyle/>
+            <a:p>
+              <a:pPr algn="ctr"/>
+              <a:endParaRPr lang="de-DE" dirty="0">
+                <a:ln>
+                  <a:solidFill>
+                    <a:sysClr val="windowText" lastClr="000000"/>
+                  </a:solidFill>
+                </a:ln>
+              </a:endParaRPr>
+            </a:p>
+          </p:txBody>
+        </p:sp>
+        <p:sp>
+          <p:nvSpPr>
+            <p:cNvPr id="28" name="Ellipse 27">
+              <a:extLst>
+                <a:ext uri="{FF2B5EF4-FFF2-40B4-BE49-F238E27FC236}">
+                  <a16:creationId xmlns:a16="http://schemas.microsoft.com/office/drawing/2014/main" id="{92ABA44F-D000-4240-A7E6-0C8D7B74E95B}"/>
+                </a:ext>
+              </a:extLst>
+            </p:cNvPr>
+            <p:cNvSpPr/>
+            <p:nvPr/>
+          </p:nvSpPr>
+          <p:spPr>
+            <a:xfrm>
+              <a:off x="5302800" y="3393000"/>
+              <a:ext cx="72000" cy="72000"/>
+            </a:xfrm>
+            <a:prstGeom prst="ellipse">
+              <a:avLst/>
+            </a:prstGeom>
+            <a:solidFill>
+              <a:srgbClr val="2A82DA"/>
+            </a:solidFill>
+            <a:ln w="38100">
+              <a:solidFill>
+                <a:srgbClr val="2A82DA"/>
+              </a:solidFill>
+            </a:ln>
+          </p:spPr>
+          <p:style>
+            <a:lnRef idx="2">
+              <a:schemeClr val="accent1">
+                <a:shade val="50000"/>
+              </a:schemeClr>
+            </a:lnRef>
+            <a:fillRef idx="1">
+              <a:schemeClr val="accent1"/>
+            </a:fillRef>
+            <a:effectRef idx="0">
+              <a:schemeClr val="accent1"/>
+            </a:effectRef>
+            <a:fontRef idx="minor">
+              <a:schemeClr val="lt1"/>
+            </a:fontRef>
+          </p:style>
+          <p:txBody>
+            <a:bodyPr rtlCol="0" anchor="ctr"/>
+            <a:lstStyle/>
+            <a:p>
+              <a:pPr algn="ctr"/>
+              <a:endParaRPr lang="de-DE">
+                <a:ln>
+                  <a:solidFill>
+                    <a:sysClr val="windowText" lastClr="000000"/>
+                  </a:solidFill>
+                </a:ln>
+              </a:endParaRPr>
+            </a:p>
+          </p:txBody>
+        </p:sp>
+        <p:sp>
+          <p:nvSpPr>
+            <p:cNvPr id="36" name="Ellipse 35">
+              <a:extLst>
+                <a:ext uri="{FF2B5EF4-FFF2-40B4-BE49-F238E27FC236}">
+                  <a16:creationId xmlns:a16="http://schemas.microsoft.com/office/drawing/2014/main" id="{6BE9A1AD-F1D4-49A6-8FBF-853ABAD3AF36}"/>
+                </a:ext>
+              </a:extLst>
+            </p:cNvPr>
+            <p:cNvSpPr/>
+            <p:nvPr/>
+          </p:nvSpPr>
+          <p:spPr>
+            <a:xfrm>
+              <a:off x="5734800" y="3393000"/>
+              <a:ext cx="72000" cy="72000"/>
+            </a:xfrm>
+            <a:prstGeom prst="ellipse">
+              <a:avLst/>
+            </a:prstGeom>
+            <a:solidFill>
+              <a:srgbClr val="2A82DA"/>
+            </a:solidFill>
+            <a:ln w="38100">
+              <a:solidFill>
+                <a:srgbClr val="2A82DA"/>
+              </a:solidFill>
+            </a:ln>
+          </p:spPr>
+          <p:style>
+            <a:lnRef idx="2">
+              <a:schemeClr val="accent1">
+                <a:shade val="50000"/>
+              </a:schemeClr>
+            </a:lnRef>
+            <a:fillRef idx="1">
+              <a:schemeClr val="accent1"/>
+            </a:fillRef>
+            <a:effectRef idx="0">
+              <a:schemeClr val="accent1"/>
+            </a:effectRef>
+            <a:fontRef idx="minor">
+              <a:schemeClr val="lt1"/>
+            </a:fontRef>
+          </p:style>
+          <p:txBody>
+            <a:bodyPr rtlCol="0" anchor="ctr"/>
+            <a:lstStyle/>
+            <a:p>
+              <a:pPr algn="ctr"/>
+              <a:endParaRPr lang="de-DE">
+                <a:ln>
+                  <a:solidFill>
+                    <a:sysClr val="windowText" lastClr="000000"/>
+                  </a:solidFill>
+                </a:ln>
+              </a:endParaRPr>
+            </a:p>
+          </p:txBody>
+        </p:sp>
+        <p:sp>
+          <p:nvSpPr>
+            <p:cNvPr id="40" name="Ellipse 39">
+              <a:extLst>
+                <a:ext uri="{FF2B5EF4-FFF2-40B4-BE49-F238E27FC236}">
+                  <a16:creationId xmlns:a16="http://schemas.microsoft.com/office/drawing/2014/main" id="{6809AB47-4D7C-43E9-A22B-561318E73EF5}"/>
+                </a:ext>
+              </a:extLst>
+            </p:cNvPr>
+            <p:cNvSpPr/>
+            <p:nvPr/>
+          </p:nvSpPr>
+          <p:spPr>
+            <a:xfrm>
+              <a:off x="6166800" y="3393000"/>
+              <a:ext cx="72000" cy="72000"/>
+            </a:xfrm>
+            <a:prstGeom prst="ellipse">
+              <a:avLst/>
+            </a:prstGeom>
+            <a:solidFill>
+              <a:srgbClr val="2A82DA"/>
+            </a:solidFill>
+            <a:ln w="38100">
+              <a:solidFill>
+                <a:srgbClr val="2A82DA"/>
+              </a:solidFill>
+            </a:ln>
+          </p:spPr>
+          <p:style>
+            <a:lnRef idx="2">
+              <a:schemeClr val="accent1">
+                <a:shade val="50000"/>
+              </a:schemeClr>
+            </a:lnRef>
+            <a:fillRef idx="1">
+              <a:schemeClr val="accent1"/>
+            </a:fillRef>
+            <a:effectRef idx="0">
+              <a:schemeClr val="accent1"/>
+            </a:effectRef>
+            <a:fontRef idx="minor">
+              <a:schemeClr val="lt1"/>
+            </a:fontRef>
+          </p:style>
+          <p:txBody>
+            <a:bodyPr rtlCol="0" anchor="ctr"/>
+            <a:lstStyle/>
+            <a:p>
+              <a:pPr algn="ctr"/>
+              <a:endParaRPr lang="de-DE">
+                <a:ln>
+                  <a:solidFill>
+                    <a:sysClr val="windowText" lastClr="000000"/>
+                  </a:solidFill>
+                </a:ln>
+              </a:endParaRPr>
+            </a:p>
+          </p:txBody>
+        </p:sp>
+      </p:grpSp>
+    </p:spTree>
+    <p:extLst>
+      <p:ext uri="{BB962C8B-B14F-4D97-AF65-F5344CB8AC3E}">
+        <p14:creationId xmlns:p14="http://schemas.microsoft.com/office/powerpoint/2010/main" val="2797783331"/>
       </p:ext>
     </p:extLst>
   </p:cSld>
